--- a/BigDataAnalytics/Seminar/Final-everything/Team-3-BigDataAnalytics.pptx
+++ b/BigDataAnalytics/Seminar/Final-everything/Team-3-BigDataAnalytics.pptx
@@ -2,7 +2,7 @@
 <file path=ppt/presentation.xml><?xml version="1.0" encoding="utf-8"?>
 <p:presentation xmlns:a="http://schemas.openxmlformats.org/drawingml/2006/main" xmlns:r="http://schemas.openxmlformats.org/officeDocument/2006/relationships" xmlns:p="http://schemas.openxmlformats.org/presentationml/2006/main" saveSubsetFonts="1">
   <p:sldMasterIdLst>
-    <p:sldMasterId id="2147483744" r:id="rId1"/>
+    <p:sldMasterId id="2147483942" r:id="rId1"/>
   </p:sldMasterIdLst>
   <p:notesMasterIdLst>
     <p:notesMasterId r:id="rId33"/>
@@ -524,8 +524,8 @@
         </p:nvSpPr>
         <p:spPr>
           <a:xfrm>
-            <a:off x="819314" y="596019"/>
-            <a:ext cx="7510506" cy="3213982"/>
+            <a:off x="1028020" y="1769541"/>
+            <a:ext cx="7080026" cy="1828801"/>
           </a:xfrm>
         </p:spPr>
         <p:txBody>
@@ -534,22 +534,7 @@
           </a:bodyPr>
           <a:lstStyle>
             <a:lvl1pPr algn="ctr">
-              <a:defRPr sz="4000">
-                <a:effectLst>
-                  <a:glow rad="38100">
-                    <a:schemeClr val="bg1">
-                      <a:lumMod val="65000"/>
-                      <a:lumOff val="35000"/>
-                      <a:alpha val="50000"/>
-                    </a:schemeClr>
-                  </a:glow>
-                  <a:outerShdw blurRad="28575" dist="31750" dir="13200000" algn="tl" rotWithShape="0">
-                    <a:srgbClr val="000000">
-                      <a:alpha val="25000"/>
-                    </a:srgbClr>
-                  </a:outerShdw>
-                </a:effectLst>
-              </a:defRPr>
+              <a:defRPr sz="5400"/>
             </a:lvl1pPr>
           </a:lstStyle>
           <a:p>
@@ -573,32 +558,19 @@
         </p:nvSpPr>
         <p:spPr>
           <a:xfrm>
-            <a:off x="819314" y="3886200"/>
-            <a:ext cx="7510506" cy="2219108"/>
+            <a:off x="1028020" y="3598339"/>
+            <a:ext cx="7080026" cy="1049867"/>
           </a:xfrm>
         </p:spPr>
         <p:txBody>
-          <a:bodyPr anchor="t">
-            <a:normAutofit/>
-          </a:bodyPr>
+          <a:bodyPr anchor="t"/>
           <a:lstStyle>
             <a:lvl1pPr marL="0" indent="0" algn="ctr">
               <a:buNone/>
-              <a:defRPr sz="1800">
-                <a:gradFill flip="none" rotWithShape="1">
-                  <a:gsLst>
-                    <a:gs pos="0">
-                      <a:schemeClr val="tx1"/>
-                    </a:gs>
-                    <a:gs pos="100000">
-                      <a:schemeClr val="tx1">
-                        <a:lumMod val="75000"/>
-                      </a:schemeClr>
-                    </a:gs>
-                  </a:gsLst>
-                  <a:lin ang="0" scaled="1"/>
-                  <a:tileRect/>
-                </a:gradFill>
+              <a:defRPr>
+                <a:solidFill>
+                  <a:schemeClr val="tx1"/>
+                </a:solidFill>
               </a:defRPr>
             </a:lvl1pPr>
             <a:lvl2pPr marL="457200" indent="0" algn="ctr">
@@ -759,7 +731,7 @@
     </p:spTree>
     <p:extLst>
       <p:ext uri="{BB962C8B-B14F-4D97-AF65-F5344CB8AC3E}">
-        <p14:creationId xmlns:p14="http://schemas.microsoft.com/office/powerpoint/2010/main" val="807030464"/>
+        <p14:creationId xmlns:p14="http://schemas.microsoft.com/office/powerpoint/2010/main" val="244537330"/>
       </p:ext>
     </p:extLst>
   </p:cSld>
@@ -786,20 +758,50 @@
           <a:chExt cx="0" cy="0"/>
         </a:xfrm>
       </p:grpSpPr>
-      <p:sp>
-        <p:nvSpPr>
-          <p:cNvPr id="2" name="Title 1"/>
-          <p:cNvSpPr>
-            <a:spLocks noGrp="1"/>
-          </p:cNvSpPr>
-          <p:nvPr>
-            <p:ph type="title"/>
-          </p:nvPr>
-        </p:nvSpPr>
+      <p:pic>
+        <p:nvPicPr>
+          <p:cNvPr id="8" name="Picture 7" descr="Slate-V2-SD-panoPhotoInset.png"/>
+          <p:cNvPicPr>
+            <a:picLocks noChangeAspect="1"/>
+          </p:cNvPicPr>
+          <p:nvPr/>
+        </p:nvPicPr>
+        <p:blipFill>
+          <a:blip r:embed="rId2">
+            <a:extLst>
+              <a:ext uri="{28A0092B-C50C-407E-A947-70E740481C1C}">
+                <a14:useLocalDpi xmlns:a14="http://schemas.microsoft.com/office/drawing/2010/main" val="0"/>
+              </a:ext>
+            </a:extLst>
+          </a:blip>
+          <a:stretch>
+            <a:fillRect/>
+          </a:stretch>
+        </p:blipFill>
         <p:spPr>
           <a:xfrm>
-            <a:off x="917677" y="4377485"/>
-            <a:ext cx="7413007" cy="907505"/>
+            <a:off x="743995" y="540085"/>
+            <a:ext cx="7656010" cy="3834374"/>
+          </a:xfrm>
+          <a:prstGeom prst="rect">
+            <a:avLst/>
+          </a:prstGeom>
+        </p:spPr>
+      </p:pic>
+      <p:sp>
+        <p:nvSpPr>
+          <p:cNvPr id="2" name="Title 1"/>
+          <p:cNvSpPr>
+            <a:spLocks noGrp="1"/>
+          </p:cNvSpPr>
+          <p:nvPr>
+            <p:ph type="title"/>
+          </p:nvPr>
+        </p:nvSpPr>
+        <p:spPr>
+          <a:xfrm>
+            <a:off x="685354" y="4565255"/>
+            <a:ext cx="7766495" cy="543472"/>
           </a:xfrm>
         </p:spPr>
         <p:txBody>
@@ -807,8 +809,8 @@
             <a:normAutofit/>
           </a:bodyPr>
           <a:lstStyle>
-            <a:lvl1pPr algn="l">
-              <a:defRPr sz="2000" b="0"/>
+            <a:lvl1pPr algn="ctr">
+              <a:defRPr sz="2800"/>
             </a:lvl1pPr>
           </a:lstStyle>
           <a:p>
@@ -832,36 +834,15 @@
         </p:nvSpPr>
         <p:spPr>
           <a:xfrm>
-            <a:off x="917678" y="996188"/>
-            <a:ext cx="7301427" cy="2981126"/>
+            <a:off x="926217" y="695010"/>
+            <a:ext cx="7285600" cy="3525671"/>
           </a:xfrm>
-          <a:prstGeom prst="roundRect">
-            <a:avLst>
-              <a:gd name="adj" fmla="val 4380"/>
-            </a:avLst>
-          </a:prstGeom>
-          <a:ln w="38100">
-            <a:gradFill flip="none" rotWithShape="1">
-              <a:gsLst>
-                <a:gs pos="0">
-                  <a:schemeClr val="bg2"/>
-                </a:gs>
-                <a:gs pos="100000">
-                  <a:schemeClr val="bg2">
-                    <a:lumMod val="75000"/>
-                  </a:schemeClr>
-                </a:gs>
-              </a:gsLst>
-              <a:lin ang="5400000" scaled="0"/>
-              <a:tileRect/>
-            </a:gradFill>
-          </a:ln>
           <a:effectLst>
-            <a:innerShdw blurRad="57150" dist="38100" dir="14460000">
+            <a:outerShdw blurRad="38100" dist="25400" dir="4440000">
               <a:srgbClr val="000000">
-                <a:alpha val="70000"/>
+                <a:alpha val="36000"/>
               </a:srgbClr>
-            </a:innerShdw>
+            </a:outerShdw>
           </a:effectLst>
         </p:spPr>
         <p:txBody>
@@ -871,113 +852,111 @@
           <a:lstStyle>
             <a:lvl1pPr marL="0" indent="0" algn="ctr">
               <a:buNone/>
+              <a:defRPr sz="2000"/>
+            </a:lvl1pPr>
+            <a:lvl2pPr marL="457200" indent="0">
+              <a:buNone/>
+              <a:defRPr sz="2000"/>
+            </a:lvl2pPr>
+            <a:lvl3pPr marL="914400" indent="0">
+              <a:buNone/>
+              <a:defRPr sz="2000"/>
+            </a:lvl3pPr>
+            <a:lvl4pPr marL="1371600" indent="0">
+              <a:buNone/>
+              <a:defRPr sz="2000"/>
+            </a:lvl4pPr>
+            <a:lvl5pPr marL="1828800" indent="0">
+              <a:buNone/>
+              <a:defRPr sz="2000"/>
+            </a:lvl5pPr>
+            <a:lvl6pPr marL="2286000" indent="0">
+              <a:buNone/>
+              <a:defRPr sz="2000"/>
+            </a:lvl6pPr>
+            <a:lvl7pPr marL="2743200" indent="0">
+              <a:buNone/>
+              <a:defRPr sz="2000"/>
+            </a:lvl7pPr>
+            <a:lvl8pPr marL="3200400" indent="0">
+              <a:buNone/>
+              <a:defRPr sz="2000"/>
+            </a:lvl8pPr>
+            <a:lvl9pPr marL="3657600" indent="0">
+              <a:buNone/>
+              <a:defRPr sz="2000"/>
+            </a:lvl9pPr>
+          </a:lstStyle>
+          <a:p>
+            <a:r>
+              <a:rPr lang="en-US"/>
+              <a:t>Click icon to add picture</a:t>
+            </a:r>
+            <a:endParaRPr lang="en-US" dirty="0"/>
+          </a:p>
+        </p:txBody>
+      </p:sp>
+      <p:sp>
+        <p:nvSpPr>
+          <p:cNvPr id="4" name="Text Placeholder 3"/>
+          <p:cNvSpPr>
+            <a:spLocks noGrp="1"/>
+          </p:cNvSpPr>
+          <p:nvPr>
+            <p:ph type="body" sz="half" idx="2"/>
+          </p:nvPr>
+        </p:nvSpPr>
+        <p:spPr>
+          <a:xfrm>
+            <a:off x="685346" y="5108728"/>
+            <a:ext cx="7765322" cy="682472"/>
+          </a:xfrm>
+        </p:spPr>
+        <p:txBody>
+          <a:bodyPr anchor="t"/>
+          <a:lstStyle>
+            <a:lvl1pPr marL="0" indent="0" algn="ctr">
+              <a:buNone/>
               <a:defRPr sz="1600"/>
             </a:lvl1pPr>
             <a:lvl2pPr marL="457200" indent="0">
               <a:buNone/>
-              <a:defRPr sz="1600"/>
+              <a:defRPr sz="1400"/>
             </a:lvl2pPr>
             <a:lvl3pPr marL="914400" indent="0">
               <a:buNone/>
-              <a:defRPr sz="1600"/>
+              <a:defRPr sz="1200"/>
             </a:lvl3pPr>
             <a:lvl4pPr marL="1371600" indent="0">
               <a:buNone/>
-              <a:defRPr sz="1600"/>
+              <a:defRPr sz="1000"/>
             </a:lvl4pPr>
             <a:lvl5pPr marL="1828800" indent="0">
               <a:buNone/>
-              <a:defRPr sz="1600"/>
+              <a:defRPr sz="1000"/>
             </a:lvl5pPr>
             <a:lvl6pPr marL="2286000" indent="0">
               <a:buNone/>
-              <a:defRPr sz="1600"/>
+              <a:defRPr sz="1000"/>
             </a:lvl6pPr>
             <a:lvl7pPr marL="2743200" indent="0">
               <a:buNone/>
-              <a:defRPr sz="1600"/>
+              <a:defRPr sz="1000"/>
             </a:lvl7pPr>
             <a:lvl8pPr marL="3200400" indent="0">
               <a:buNone/>
-              <a:defRPr sz="1600"/>
+              <a:defRPr sz="1000"/>
             </a:lvl8pPr>
             <a:lvl9pPr marL="3657600" indent="0">
               <a:buNone/>
-              <a:defRPr sz="1600"/>
+              <a:defRPr sz="1000"/>
             </a:lvl9pPr>
           </a:lstStyle>
           <a:p>
+            <a:pPr lvl="0"/>
             <a:r>
               <a:rPr lang="en-US"/>
-              <a:t>Click icon to add picture</a:t>
-            </a:r>
-            <a:endParaRPr lang="en-US" dirty="0"/>
-          </a:p>
-        </p:txBody>
-      </p:sp>
-      <p:sp>
-        <p:nvSpPr>
-          <p:cNvPr id="4" name="Text Placeholder 3"/>
-          <p:cNvSpPr>
-            <a:spLocks noGrp="1"/>
-          </p:cNvSpPr>
-          <p:nvPr>
-            <p:ph type="body" sz="half" idx="2"/>
-          </p:nvPr>
-        </p:nvSpPr>
-        <p:spPr>
-          <a:xfrm>
-            <a:off x="917677" y="5284990"/>
-            <a:ext cx="7413007" cy="817070"/>
-          </a:xfrm>
-        </p:spPr>
-        <p:txBody>
-          <a:bodyPr>
-            <a:normAutofit/>
-          </a:bodyPr>
-          <a:lstStyle>
-            <a:lvl1pPr marL="0" indent="0">
-              <a:buNone/>
-              <a:defRPr sz="1400"/>
-            </a:lvl1pPr>
-            <a:lvl2pPr marL="457200" indent="0">
-              <a:buNone/>
-              <a:defRPr sz="1200"/>
-            </a:lvl2pPr>
-            <a:lvl3pPr marL="914400" indent="0">
-              <a:buNone/>
-              <a:defRPr sz="1000"/>
-            </a:lvl3pPr>
-            <a:lvl4pPr marL="1371600" indent="0">
-              <a:buNone/>
-              <a:defRPr sz="900"/>
-            </a:lvl4pPr>
-            <a:lvl5pPr marL="1828800" indent="0">
-              <a:buNone/>
-              <a:defRPr sz="900"/>
-            </a:lvl5pPr>
-            <a:lvl6pPr marL="2286000" indent="0">
-              <a:buNone/>
-              <a:defRPr sz="900"/>
-            </a:lvl6pPr>
-            <a:lvl7pPr marL="2743200" indent="0">
-              <a:buNone/>
-              <a:defRPr sz="900"/>
-            </a:lvl7pPr>
-            <a:lvl8pPr marL="3200400" indent="0">
-              <a:buNone/>
-              <a:defRPr sz="900"/>
-            </a:lvl8pPr>
-            <a:lvl9pPr marL="3657600" indent="0">
-              <a:buNone/>
-              <a:defRPr sz="900"/>
-            </a:lvl9pPr>
-          </a:lstStyle>
-          <a:p>
-            <a:pPr lvl="0"/>
-            <a:r>
-              <a:rPr lang="en-US"/>
-              <a:t>Edit Master text styles</a:t>
+              <a:t>Click to edit Master text styles</a:t>
             </a:r>
           </a:p>
         </p:txBody>
@@ -1015,12 +994,7 @@
             <p:ph type="ftr" sz="quarter" idx="11"/>
           </p:nvPr>
         </p:nvSpPr>
-        <p:spPr>
-          <a:xfrm>
-            <a:off x="917678" y="6181344"/>
-            <a:ext cx="5337278" cy="365125"/>
-          </a:xfrm>
-        </p:spPr>
+        <p:spPr/>
         <p:txBody>
           <a:bodyPr/>
           <a:lstStyle/>
@@ -1055,7 +1029,7 @@
     </p:spTree>
     <p:extLst>
       <p:ext uri="{BB962C8B-B14F-4D97-AF65-F5344CB8AC3E}">
-        <p14:creationId xmlns:p14="http://schemas.microsoft.com/office/powerpoint/2010/main" val="270640483"/>
+        <p14:creationId xmlns:p14="http://schemas.microsoft.com/office/powerpoint/2010/main" val="3838989901"/>
       </p:ext>
     </p:extLst>
   </p:cSld>
@@ -1094,17 +1068,15 @@
         </p:nvSpPr>
         <p:spPr>
           <a:xfrm>
-            <a:off x="818347" y="596018"/>
-            <a:ext cx="7511474" cy="3137782"/>
+            <a:off x="685346" y="608437"/>
+            <a:ext cx="7765322" cy="3534344"/>
           </a:xfrm>
         </p:spPr>
         <p:txBody>
-          <a:bodyPr anchor="ctr">
-            <a:normAutofit/>
-          </a:bodyPr>
+          <a:bodyPr anchor="ctr"/>
           <a:lstStyle>
-            <a:lvl1pPr algn="l">
-              <a:defRPr sz="2800" b="0" cap="all"/>
+            <a:lvl1pPr>
+              <a:defRPr sz="3200"/>
             </a:lvl1pPr>
           </a:lstStyle>
           <a:p>
@@ -1118,137 +1090,72 @@
       </p:sp>
       <p:sp>
         <p:nvSpPr>
-          <p:cNvPr id="3" name="Text Placeholder 2"/>
-          <p:cNvSpPr>
-            <a:spLocks noGrp="1"/>
-          </p:cNvSpPr>
-          <p:nvPr>
-            <p:ph type="body" idx="1"/>
+          <p:cNvPr id="4" name="Text Placeholder 3"/>
+          <p:cNvSpPr>
+            <a:spLocks noGrp="1"/>
+          </p:cNvSpPr>
+          <p:nvPr>
+            <p:ph type="body" sz="half" idx="2"/>
           </p:nvPr>
         </p:nvSpPr>
         <p:spPr>
           <a:xfrm>
-            <a:off x="818347" y="4343400"/>
-            <a:ext cx="7511474" cy="1758660"/>
+            <a:off x="685346" y="4295180"/>
+            <a:ext cx="7765322" cy="1501826"/>
           </a:xfrm>
         </p:spPr>
         <p:txBody>
-          <a:bodyPr anchor="ctr">
-            <a:normAutofit/>
-          </a:bodyPr>
+          <a:bodyPr anchor="ctr"/>
           <a:lstStyle>
-            <a:lvl1pPr marL="0" indent="0" algn="l">
-              <a:buNone/>
-              <a:defRPr sz="1800">
-                <a:gradFill flip="none" rotWithShape="1">
-                  <a:gsLst>
-                    <a:gs pos="0">
-                      <a:schemeClr val="tx1"/>
-                    </a:gs>
-                    <a:gs pos="100000">
-                      <a:schemeClr val="tx1">
-                        <a:lumMod val="75000"/>
-                      </a:schemeClr>
-                    </a:gs>
-                  </a:gsLst>
-                  <a:lin ang="5400000" scaled="0"/>
-                  <a:tileRect/>
-                </a:gradFill>
-              </a:defRPr>
+            <a:lvl1pPr marL="0" indent="0" algn="ctr">
+              <a:buNone/>
+              <a:defRPr sz="1600"/>
             </a:lvl1pPr>
             <a:lvl2pPr marL="457200" indent="0">
               <a:buNone/>
-              <a:defRPr sz="1800">
-                <a:solidFill>
-                  <a:schemeClr val="tx1">
-                    <a:tint val="75000"/>
-                  </a:schemeClr>
-                </a:solidFill>
-              </a:defRPr>
+              <a:defRPr sz="1400"/>
             </a:lvl2pPr>
             <a:lvl3pPr marL="914400" indent="0">
               <a:buNone/>
-              <a:defRPr sz="1600">
-                <a:solidFill>
-                  <a:schemeClr val="tx1">
-                    <a:tint val="75000"/>
-                  </a:schemeClr>
-                </a:solidFill>
-              </a:defRPr>
+              <a:defRPr sz="1200"/>
             </a:lvl3pPr>
             <a:lvl4pPr marL="1371600" indent="0">
               <a:buNone/>
-              <a:defRPr sz="1400">
-                <a:solidFill>
-                  <a:schemeClr val="tx1">
-                    <a:tint val="75000"/>
-                  </a:schemeClr>
-                </a:solidFill>
-              </a:defRPr>
+              <a:defRPr sz="1000"/>
             </a:lvl4pPr>
             <a:lvl5pPr marL="1828800" indent="0">
               <a:buNone/>
-              <a:defRPr sz="1400">
-                <a:solidFill>
-                  <a:schemeClr val="tx1">
-                    <a:tint val="75000"/>
-                  </a:schemeClr>
-                </a:solidFill>
-              </a:defRPr>
+              <a:defRPr sz="1000"/>
             </a:lvl5pPr>
             <a:lvl6pPr marL="2286000" indent="0">
               <a:buNone/>
-              <a:defRPr sz="1400">
-                <a:solidFill>
-                  <a:schemeClr val="tx1">
-                    <a:tint val="75000"/>
-                  </a:schemeClr>
-                </a:solidFill>
-              </a:defRPr>
+              <a:defRPr sz="1000"/>
             </a:lvl6pPr>
             <a:lvl7pPr marL="2743200" indent="0">
               <a:buNone/>
-              <a:defRPr sz="1400">
-                <a:solidFill>
-                  <a:schemeClr val="tx1">
-                    <a:tint val="75000"/>
-                  </a:schemeClr>
-                </a:solidFill>
-              </a:defRPr>
+              <a:defRPr sz="1000"/>
             </a:lvl7pPr>
             <a:lvl8pPr marL="3200400" indent="0">
               <a:buNone/>
-              <a:defRPr sz="1400">
-                <a:solidFill>
-                  <a:schemeClr val="tx1">
-                    <a:tint val="75000"/>
-                  </a:schemeClr>
-                </a:solidFill>
-              </a:defRPr>
+              <a:defRPr sz="1000"/>
             </a:lvl8pPr>
             <a:lvl9pPr marL="3657600" indent="0">
               <a:buNone/>
-              <a:defRPr sz="1400">
-                <a:solidFill>
-                  <a:schemeClr val="tx1">
-                    <a:tint val="75000"/>
-                  </a:schemeClr>
-                </a:solidFill>
-              </a:defRPr>
+              <a:defRPr sz="1000"/>
             </a:lvl9pPr>
           </a:lstStyle>
           <a:p>
             <a:pPr lvl="0"/>
             <a:r>
               <a:rPr lang="en-US"/>
-              <a:t>Edit Master text styles</a:t>
-            </a:r>
-          </a:p>
-        </p:txBody>
-      </p:sp>
-      <p:sp>
-        <p:nvSpPr>
-          <p:cNvPr id="4" name="Date Placeholder 3"/>
+              <a:t>Click to edit Master text styles</a:t>
+            </a:r>
+          </a:p>
+        </p:txBody>
+      </p:sp>
+      <p:sp>
+        <p:nvSpPr>
+          <p:cNvPr id="5" name="Date Placeholder 4"/>
           <p:cNvSpPr>
             <a:spLocks noGrp="1"/>
           </p:cNvSpPr>
@@ -1271,7 +1178,7 @@
       </p:sp>
       <p:sp>
         <p:nvSpPr>
-          <p:cNvPr id="5" name="Footer Placeholder 4"/>
+          <p:cNvPr id="6" name="Footer Placeholder 5"/>
           <p:cNvSpPr>
             <a:spLocks noGrp="1"/>
           </p:cNvSpPr>
@@ -1290,7 +1197,7 @@
       </p:sp>
       <p:sp>
         <p:nvSpPr>
-          <p:cNvPr id="6" name="Slide Number Placeholder 5"/>
+          <p:cNvPr id="7" name="Slide Number Placeholder 6"/>
           <p:cNvSpPr>
             <a:spLocks noGrp="1"/>
           </p:cNvSpPr>
@@ -1314,7 +1221,7 @@
     </p:spTree>
     <p:extLst>
       <p:ext uri="{BB962C8B-B14F-4D97-AF65-F5344CB8AC3E}">
-        <p14:creationId xmlns:p14="http://schemas.microsoft.com/office/powerpoint/2010/main" val="2479294393"/>
+        <p14:creationId xmlns:p14="http://schemas.microsoft.com/office/powerpoint/2010/main" val="1877078561"/>
       </p:ext>
     </p:extLst>
   </p:cSld>
@@ -1343,14 +1250,245 @@
       </p:grpSpPr>
       <p:sp>
         <p:nvSpPr>
-          <p:cNvPr id="14" name="TextBox 13"/>
+          <p:cNvPr id="2" name="Title 1"/>
+          <p:cNvSpPr>
+            <a:spLocks noGrp="1"/>
+          </p:cNvSpPr>
+          <p:nvPr>
+            <p:ph type="title"/>
+          </p:nvPr>
+        </p:nvSpPr>
+        <p:spPr>
+          <a:xfrm>
+            <a:off x="1084659" y="609600"/>
+            <a:ext cx="6977064" cy="2992904"/>
+          </a:xfrm>
+        </p:spPr>
+        <p:txBody>
+          <a:bodyPr anchor="ctr"/>
+          <a:lstStyle>
+            <a:lvl1pPr>
+              <a:defRPr sz="3200"/>
+            </a:lvl1pPr>
+          </a:lstStyle>
+          <a:p>
+            <a:r>
+              <a:rPr lang="en-US"/>
+              <a:t>Click to edit Master title style</a:t>
+            </a:r>
+            <a:endParaRPr lang="en-US" dirty="0"/>
+          </a:p>
+        </p:txBody>
+      </p:sp>
+      <p:sp>
+        <p:nvSpPr>
+          <p:cNvPr id="12" name="Text Placeholder 3"/>
+          <p:cNvSpPr>
+            <a:spLocks noGrp="1"/>
+          </p:cNvSpPr>
+          <p:nvPr>
+            <p:ph type="body" sz="half" idx="13"/>
+          </p:nvPr>
+        </p:nvSpPr>
+        <p:spPr>
+          <a:xfrm>
+            <a:off x="1290484" y="3610033"/>
+            <a:ext cx="6564224" cy="532749"/>
+          </a:xfrm>
+        </p:spPr>
+        <p:txBody>
+          <a:bodyPr anchor="t">
+            <a:normAutofit/>
+          </a:bodyPr>
+          <a:lstStyle>
+            <a:lvl1pPr marL="0" indent="0" algn="r">
+              <a:buNone/>
+              <a:defRPr sz="1400"/>
+            </a:lvl1pPr>
+            <a:lvl2pPr marL="457200" indent="0">
+              <a:buNone/>
+              <a:defRPr sz="1400"/>
+            </a:lvl2pPr>
+            <a:lvl3pPr marL="914400" indent="0">
+              <a:buNone/>
+              <a:defRPr sz="1200"/>
+            </a:lvl3pPr>
+            <a:lvl4pPr marL="1371600" indent="0">
+              <a:buNone/>
+              <a:defRPr sz="1000"/>
+            </a:lvl4pPr>
+            <a:lvl5pPr marL="1828800" indent="0">
+              <a:buNone/>
+              <a:defRPr sz="1000"/>
+            </a:lvl5pPr>
+            <a:lvl6pPr marL="2286000" indent="0">
+              <a:buNone/>
+              <a:defRPr sz="1000"/>
+            </a:lvl6pPr>
+            <a:lvl7pPr marL="2743200" indent="0">
+              <a:buNone/>
+              <a:defRPr sz="1000"/>
+            </a:lvl7pPr>
+            <a:lvl8pPr marL="3200400" indent="0">
+              <a:buNone/>
+              <a:defRPr sz="1000"/>
+            </a:lvl8pPr>
+            <a:lvl9pPr marL="3657600" indent="0">
+              <a:buNone/>
+              <a:defRPr sz="1000"/>
+            </a:lvl9pPr>
+          </a:lstStyle>
+          <a:p>
+            <a:pPr lvl="0"/>
+            <a:r>
+              <a:rPr lang="en-US"/>
+              <a:t>Click to edit Master text styles</a:t>
+            </a:r>
+          </a:p>
+        </p:txBody>
+      </p:sp>
+      <p:sp>
+        <p:nvSpPr>
+          <p:cNvPr id="4" name="Text Placeholder 3"/>
+          <p:cNvSpPr>
+            <a:spLocks noGrp="1"/>
+          </p:cNvSpPr>
+          <p:nvPr>
+            <p:ph type="body" sz="half" idx="2"/>
+          </p:nvPr>
+        </p:nvSpPr>
+        <p:spPr>
+          <a:xfrm>
+            <a:off x="685346" y="4304353"/>
+            <a:ext cx="7765322" cy="1489496"/>
+          </a:xfrm>
+        </p:spPr>
+        <p:txBody>
+          <a:bodyPr anchor="ctr">
+            <a:normAutofit/>
+          </a:bodyPr>
+          <a:lstStyle>
+            <a:lvl1pPr marL="0" indent="0" algn="ctr">
+              <a:buNone/>
+              <a:defRPr sz="1600"/>
+            </a:lvl1pPr>
+            <a:lvl2pPr marL="457200" indent="0">
+              <a:buNone/>
+              <a:defRPr sz="1400"/>
+            </a:lvl2pPr>
+            <a:lvl3pPr marL="914400" indent="0">
+              <a:buNone/>
+              <a:defRPr sz="1200"/>
+            </a:lvl3pPr>
+            <a:lvl4pPr marL="1371600" indent="0">
+              <a:buNone/>
+              <a:defRPr sz="1000"/>
+            </a:lvl4pPr>
+            <a:lvl5pPr marL="1828800" indent="0">
+              <a:buNone/>
+              <a:defRPr sz="1000"/>
+            </a:lvl5pPr>
+            <a:lvl6pPr marL="2286000" indent="0">
+              <a:buNone/>
+              <a:defRPr sz="1000"/>
+            </a:lvl6pPr>
+            <a:lvl7pPr marL="2743200" indent="0">
+              <a:buNone/>
+              <a:defRPr sz="1000"/>
+            </a:lvl7pPr>
+            <a:lvl8pPr marL="3200400" indent="0">
+              <a:buNone/>
+              <a:defRPr sz="1000"/>
+            </a:lvl8pPr>
+            <a:lvl9pPr marL="3657600" indent="0">
+              <a:buNone/>
+              <a:defRPr sz="1000"/>
+            </a:lvl9pPr>
+          </a:lstStyle>
+          <a:p>
+            <a:pPr lvl="0"/>
+            <a:r>
+              <a:rPr lang="en-US"/>
+              <a:t>Click to edit Master text styles</a:t>
+            </a:r>
+          </a:p>
+        </p:txBody>
+      </p:sp>
+      <p:sp>
+        <p:nvSpPr>
+          <p:cNvPr id="5" name="Date Placeholder 4"/>
+          <p:cNvSpPr>
+            <a:spLocks noGrp="1"/>
+          </p:cNvSpPr>
+          <p:nvPr>
+            <p:ph type="dt" sz="half" idx="10"/>
+          </p:nvPr>
+        </p:nvSpPr>
+        <p:spPr/>
+        <p:txBody>
+          <a:bodyPr/>
+          <a:lstStyle/>
+          <a:p>
+            <a:fld id="{3AC926F6-494B-48CC-A404-D203D5876B03}" type="datetimeFigureOut">
+              <a:rPr lang="en-IN" smtClean="0"/>
+              <a:t>12-04-2021</a:t>
+            </a:fld>
+            <a:endParaRPr lang="en-IN"/>
+          </a:p>
+        </p:txBody>
+      </p:sp>
+      <p:sp>
+        <p:nvSpPr>
+          <p:cNvPr id="6" name="Footer Placeholder 5"/>
+          <p:cNvSpPr>
+            <a:spLocks noGrp="1"/>
+          </p:cNvSpPr>
+          <p:nvPr>
+            <p:ph type="ftr" sz="quarter" idx="11"/>
+          </p:nvPr>
+        </p:nvSpPr>
+        <p:spPr/>
+        <p:txBody>
+          <a:bodyPr/>
+          <a:lstStyle/>
+          <a:p>
+            <a:endParaRPr lang="en-IN"/>
+          </a:p>
+        </p:txBody>
+      </p:sp>
+      <p:sp>
+        <p:nvSpPr>
+          <p:cNvPr id="7" name="Slide Number Placeholder 6"/>
+          <p:cNvSpPr>
+            <a:spLocks noGrp="1"/>
+          </p:cNvSpPr>
+          <p:nvPr>
+            <p:ph type="sldNum" sz="quarter" idx="12"/>
+          </p:nvPr>
+        </p:nvSpPr>
+        <p:spPr/>
+        <p:txBody>
+          <a:bodyPr/>
+          <a:lstStyle/>
+          <a:p>
+            <a:fld id="{51961615-82F8-4E53-A9C3-4E78181A9F37}" type="slidenum">
+              <a:rPr lang="en-IN" smtClean="0"/>
+              <a:t>‹#›</a:t>
+            </a:fld>
+            <a:endParaRPr lang="en-IN"/>
+          </a:p>
+        </p:txBody>
+      </p:sp>
+      <p:sp>
+        <p:nvSpPr>
+          <p:cNvPr id="11" name="TextBox 10"/>
           <p:cNvSpPr txBox="1"/>
           <p:nvPr/>
         </p:nvSpPr>
         <p:spPr>
           <a:xfrm>
-            <a:off x="583818" y="860276"/>
-            <a:ext cx="457319" cy="584776"/>
+            <a:off x="627459" y="873912"/>
+            <a:ext cx="457200" cy="584776"/>
           </a:xfrm>
           <a:prstGeom prst="rect">
             <a:avLst/>
@@ -1448,8 +1586,9 @@
             <a:r>
               <a:rPr lang="en-US" sz="8000" dirty="0">
                 <a:solidFill>
-                  <a:schemeClr val="accent1"/>
+                  <a:schemeClr val="tx1"/>
                 </a:solidFill>
+                <a:effectLst/>
               </a:rPr>
               <a:t>“</a:t>
             </a:r>
@@ -1458,14 +1597,14 @@
       </p:sp>
       <p:sp>
         <p:nvSpPr>
-          <p:cNvPr id="15" name="TextBox 14"/>
+          <p:cNvPr id="13" name="TextBox 12"/>
           <p:cNvSpPr txBox="1"/>
           <p:nvPr/>
         </p:nvSpPr>
         <p:spPr>
           <a:xfrm>
-            <a:off x="7888822" y="2985923"/>
-            <a:ext cx="457319" cy="584776"/>
+            <a:off x="7828359" y="2933245"/>
+            <a:ext cx="457200" cy="584776"/>
           </a:xfrm>
           <a:prstGeom prst="rect">
             <a:avLst/>
@@ -1563,318 +1702,19 @@
             <a:r>
               <a:rPr lang="en-US" sz="8000" dirty="0">
                 <a:solidFill>
-                  <a:schemeClr val="accent1"/>
+                  <a:schemeClr val="tx1"/>
                 </a:solidFill>
+                <a:effectLst/>
               </a:rPr>
               <a:t>”</a:t>
             </a:r>
-          </a:p>
-        </p:txBody>
-      </p:sp>
-      <p:sp>
-        <p:nvSpPr>
-          <p:cNvPr id="2" name="Title 1"/>
-          <p:cNvSpPr>
-            <a:spLocks noGrp="1"/>
-          </p:cNvSpPr>
-          <p:nvPr>
-            <p:ph type="title"/>
-          </p:nvPr>
-        </p:nvSpPr>
-        <p:spPr>
-          <a:xfrm>
-            <a:off x="1084942" y="596018"/>
-            <a:ext cx="6974115" cy="3044079"/>
-          </a:xfrm>
-        </p:spPr>
-        <p:txBody>
-          <a:bodyPr anchor="ctr">
-            <a:normAutofit/>
-          </a:bodyPr>
-          <a:lstStyle>
-            <a:lvl1pPr algn="l">
-              <a:defRPr sz="2800" b="0" cap="all">
-                <a:gradFill flip="none" rotWithShape="1">
-                  <a:gsLst>
-                    <a:gs pos="0">
-                      <a:schemeClr val="tx1"/>
-                    </a:gs>
-                    <a:gs pos="100000">
-                      <a:schemeClr val="tx1">
-                        <a:lumMod val="75000"/>
-                      </a:schemeClr>
-                    </a:gs>
-                  </a:gsLst>
-                  <a:lin ang="5400000" scaled="0"/>
-                  <a:tileRect/>
-                </a:gradFill>
-              </a:defRPr>
-            </a:lvl1pPr>
-          </a:lstStyle>
-          <a:p>
-            <a:r>
-              <a:rPr lang="en-US"/>
-              <a:t>Click to edit Master title style</a:t>
-            </a:r>
-            <a:endParaRPr lang="en-US" dirty="0"/>
-          </a:p>
-        </p:txBody>
-      </p:sp>
-      <p:sp>
-        <p:nvSpPr>
-          <p:cNvPr id="10" name="Text Placeholder 9"/>
-          <p:cNvSpPr>
-            <a:spLocks noGrp="1"/>
-          </p:cNvSpPr>
-          <p:nvPr>
-            <p:ph type="body" sz="quarter" idx="13"/>
-          </p:nvPr>
-        </p:nvSpPr>
-        <p:spPr>
-          <a:xfrm>
-            <a:off x="1256436" y="3650606"/>
-            <a:ext cx="6631128" cy="381000"/>
-          </a:xfrm>
-        </p:spPr>
-        <p:txBody>
-          <a:bodyPr anchor="ctr">
-            <a:normAutofit/>
-          </a:bodyPr>
-          <a:lstStyle>
-            <a:lvl1pPr marL="0" indent="0">
-              <a:buFontTx/>
-              <a:buNone/>
-              <a:defRPr sz="1400"/>
-            </a:lvl1pPr>
-            <a:lvl2pPr marL="457200" indent="0">
-              <a:buFontTx/>
-              <a:buNone/>
-              <a:defRPr/>
-            </a:lvl2pPr>
-            <a:lvl3pPr marL="914400" indent="0">
-              <a:buFontTx/>
-              <a:buNone/>
-              <a:defRPr/>
-            </a:lvl3pPr>
-            <a:lvl4pPr marL="1371600" indent="0">
-              <a:buFontTx/>
-              <a:buNone/>
-              <a:defRPr/>
-            </a:lvl4pPr>
-            <a:lvl5pPr marL="1828800" indent="0">
-              <a:buFontTx/>
-              <a:buNone/>
-              <a:defRPr/>
-            </a:lvl5pPr>
-          </a:lstStyle>
-          <a:p>
-            <a:pPr lvl="0"/>
-            <a:r>
-              <a:rPr lang="en-US"/>
-              <a:t>Edit Master text styles</a:t>
-            </a:r>
-          </a:p>
-        </p:txBody>
-      </p:sp>
-      <p:sp>
-        <p:nvSpPr>
-          <p:cNvPr id="3" name="Text Placeholder 2"/>
-          <p:cNvSpPr>
-            <a:spLocks noGrp="1"/>
-          </p:cNvSpPr>
-          <p:nvPr>
-            <p:ph type="body" idx="1"/>
-          </p:nvPr>
-        </p:nvSpPr>
-        <p:spPr>
-          <a:xfrm>
-            <a:off x="818347" y="4641206"/>
-            <a:ext cx="7511473" cy="1447800"/>
-          </a:xfrm>
-        </p:spPr>
-        <p:txBody>
-          <a:bodyPr anchor="ctr">
-            <a:normAutofit/>
-          </a:bodyPr>
-          <a:lstStyle>
-            <a:lvl1pPr marL="0" indent="0" algn="l">
-              <a:buNone/>
-              <a:defRPr sz="1800">
-                <a:gradFill flip="none" rotWithShape="1">
-                  <a:gsLst>
-                    <a:gs pos="0">
-                      <a:schemeClr val="tx1"/>
-                    </a:gs>
-                    <a:gs pos="100000">
-                      <a:schemeClr val="tx1">
-                        <a:lumMod val="75000"/>
-                      </a:schemeClr>
-                    </a:gs>
-                  </a:gsLst>
-                  <a:lin ang="0" scaled="1"/>
-                  <a:tileRect/>
-                </a:gradFill>
-              </a:defRPr>
-            </a:lvl1pPr>
-            <a:lvl2pPr marL="457200" indent="0">
-              <a:buNone/>
-              <a:defRPr sz="1800">
-                <a:solidFill>
-                  <a:schemeClr val="tx1">
-                    <a:tint val="75000"/>
-                  </a:schemeClr>
-                </a:solidFill>
-              </a:defRPr>
-            </a:lvl2pPr>
-            <a:lvl3pPr marL="914400" indent="0">
-              <a:buNone/>
-              <a:defRPr sz="1600">
-                <a:solidFill>
-                  <a:schemeClr val="tx1">
-                    <a:tint val="75000"/>
-                  </a:schemeClr>
-                </a:solidFill>
-              </a:defRPr>
-            </a:lvl3pPr>
-            <a:lvl4pPr marL="1371600" indent="0">
-              <a:buNone/>
-              <a:defRPr sz="1400">
-                <a:solidFill>
-                  <a:schemeClr val="tx1">
-                    <a:tint val="75000"/>
-                  </a:schemeClr>
-                </a:solidFill>
-              </a:defRPr>
-            </a:lvl4pPr>
-            <a:lvl5pPr marL="1828800" indent="0">
-              <a:buNone/>
-              <a:defRPr sz="1400">
-                <a:solidFill>
-                  <a:schemeClr val="tx1">
-                    <a:tint val="75000"/>
-                  </a:schemeClr>
-                </a:solidFill>
-              </a:defRPr>
-            </a:lvl5pPr>
-            <a:lvl6pPr marL="2286000" indent="0">
-              <a:buNone/>
-              <a:defRPr sz="1400">
-                <a:solidFill>
-                  <a:schemeClr val="tx1">
-                    <a:tint val="75000"/>
-                  </a:schemeClr>
-                </a:solidFill>
-              </a:defRPr>
-            </a:lvl6pPr>
-            <a:lvl7pPr marL="2743200" indent="0">
-              <a:buNone/>
-              <a:defRPr sz="1400">
-                <a:solidFill>
-                  <a:schemeClr val="tx1">
-                    <a:tint val="75000"/>
-                  </a:schemeClr>
-                </a:solidFill>
-              </a:defRPr>
-            </a:lvl7pPr>
-            <a:lvl8pPr marL="3200400" indent="0">
-              <a:buNone/>
-              <a:defRPr sz="1400">
-                <a:solidFill>
-                  <a:schemeClr val="tx1">
-                    <a:tint val="75000"/>
-                  </a:schemeClr>
-                </a:solidFill>
-              </a:defRPr>
-            </a:lvl8pPr>
-            <a:lvl9pPr marL="3657600" indent="0">
-              <a:buNone/>
-              <a:defRPr sz="1400">
-                <a:solidFill>
-                  <a:schemeClr val="tx1">
-                    <a:tint val="75000"/>
-                  </a:schemeClr>
-                </a:solidFill>
-              </a:defRPr>
-            </a:lvl9pPr>
-          </a:lstStyle>
-          <a:p>
-            <a:pPr lvl="0"/>
-            <a:r>
-              <a:rPr lang="en-US"/>
-              <a:t>Edit Master text styles</a:t>
-            </a:r>
-          </a:p>
-        </p:txBody>
-      </p:sp>
-      <p:sp>
-        <p:nvSpPr>
-          <p:cNvPr id="4" name="Date Placeholder 3"/>
-          <p:cNvSpPr>
-            <a:spLocks noGrp="1"/>
-          </p:cNvSpPr>
-          <p:nvPr>
-            <p:ph type="dt" sz="half" idx="10"/>
-          </p:nvPr>
-        </p:nvSpPr>
-        <p:spPr/>
-        <p:txBody>
-          <a:bodyPr/>
-          <a:lstStyle/>
-          <a:p>
-            <a:fld id="{3AC926F6-494B-48CC-A404-D203D5876B03}" type="datetimeFigureOut">
-              <a:rPr lang="en-IN" smtClean="0"/>
-              <a:t>12-04-2021</a:t>
-            </a:fld>
-            <a:endParaRPr lang="en-IN"/>
-          </a:p>
-        </p:txBody>
-      </p:sp>
-      <p:sp>
-        <p:nvSpPr>
-          <p:cNvPr id="5" name="Footer Placeholder 4"/>
-          <p:cNvSpPr>
-            <a:spLocks noGrp="1"/>
-          </p:cNvSpPr>
-          <p:nvPr>
-            <p:ph type="ftr" sz="quarter" idx="11"/>
-          </p:nvPr>
-        </p:nvSpPr>
-        <p:spPr/>
-        <p:txBody>
-          <a:bodyPr/>
-          <a:lstStyle/>
-          <a:p>
-            <a:endParaRPr lang="en-IN"/>
-          </a:p>
-        </p:txBody>
-      </p:sp>
-      <p:sp>
-        <p:nvSpPr>
-          <p:cNvPr id="6" name="Slide Number Placeholder 5"/>
-          <p:cNvSpPr>
-            <a:spLocks noGrp="1"/>
-          </p:cNvSpPr>
-          <p:nvPr>
-            <p:ph type="sldNum" sz="quarter" idx="12"/>
-          </p:nvPr>
-        </p:nvSpPr>
-        <p:spPr/>
-        <p:txBody>
-          <a:bodyPr/>
-          <a:lstStyle/>
-          <a:p>
-            <a:fld id="{51961615-82F8-4E53-A9C3-4E78181A9F37}" type="slidenum">
-              <a:rPr lang="en-IN" smtClean="0"/>
-              <a:t>‹#›</a:t>
-            </a:fld>
-            <a:endParaRPr lang="en-IN"/>
           </a:p>
         </p:txBody>
       </p:sp>
     </p:spTree>
     <p:extLst>
       <p:ext uri="{BB962C8B-B14F-4D97-AF65-F5344CB8AC3E}">
-        <p14:creationId xmlns:p14="http://schemas.microsoft.com/office/powerpoint/2010/main" val="1895576755"/>
+        <p14:creationId xmlns:p14="http://schemas.microsoft.com/office/powerpoint/2010/main" val="2733494014"/>
       </p:ext>
     </p:extLst>
   </p:cSld>
@@ -1913,17 +1753,15 @@
         </p:nvSpPr>
         <p:spPr>
           <a:xfrm>
-            <a:off x="818347" y="3603566"/>
-            <a:ext cx="7512338" cy="1468800"/>
+            <a:off x="685346" y="2126943"/>
+            <a:ext cx="7765322" cy="2511835"/>
           </a:xfrm>
         </p:spPr>
         <p:txBody>
-          <a:bodyPr anchor="b">
-            <a:normAutofit/>
-          </a:bodyPr>
+          <a:bodyPr anchor="b"/>
           <a:lstStyle>
-            <a:lvl1pPr algn="l">
-              <a:defRPr sz="2800" b="0" cap="all"/>
+            <a:lvl1pPr>
+              <a:defRPr sz="3200"/>
             </a:lvl1pPr>
           </a:lstStyle>
           <a:p>
@@ -1937,137 +1775,72 @@
       </p:sp>
       <p:sp>
         <p:nvSpPr>
-          <p:cNvPr id="3" name="Text Placeholder 2"/>
-          <p:cNvSpPr>
-            <a:spLocks noGrp="1"/>
-          </p:cNvSpPr>
-          <p:nvPr>
-            <p:ph type="body" idx="1"/>
+          <p:cNvPr id="4" name="Text Placeholder 3"/>
+          <p:cNvSpPr>
+            <a:spLocks noGrp="1"/>
+          </p:cNvSpPr>
+          <p:nvPr>
+            <p:ph type="body" sz="half" idx="2"/>
           </p:nvPr>
         </p:nvSpPr>
         <p:spPr>
           <a:xfrm>
-            <a:off x="821015" y="5072366"/>
-            <a:ext cx="7512339" cy="1029694"/>
+            <a:off x="685339" y="4650556"/>
+            <a:ext cx="7764149" cy="1140644"/>
           </a:xfrm>
         </p:spPr>
         <p:txBody>
-          <a:bodyPr anchor="t">
-            <a:normAutofit/>
-          </a:bodyPr>
+          <a:bodyPr anchor="t"/>
           <a:lstStyle>
-            <a:lvl1pPr marL="0" indent="0" algn="l">
-              <a:buNone/>
-              <a:defRPr sz="1800">
-                <a:gradFill flip="none" rotWithShape="1">
-                  <a:gsLst>
-                    <a:gs pos="0">
-                      <a:schemeClr val="tx1"/>
-                    </a:gs>
-                    <a:gs pos="100000">
-                      <a:schemeClr val="tx1">
-                        <a:lumMod val="75000"/>
-                      </a:schemeClr>
-                    </a:gs>
-                  </a:gsLst>
-                  <a:lin ang="5400000" scaled="0"/>
-                  <a:tileRect/>
-                </a:gradFill>
-              </a:defRPr>
+            <a:lvl1pPr marL="0" indent="0" algn="ctr">
+              <a:buNone/>
+              <a:defRPr sz="1600"/>
             </a:lvl1pPr>
             <a:lvl2pPr marL="457200" indent="0">
               <a:buNone/>
-              <a:defRPr sz="1800">
-                <a:solidFill>
-                  <a:schemeClr val="tx1">
-                    <a:tint val="75000"/>
-                  </a:schemeClr>
-                </a:solidFill>
-              </a:defRPr>
+              <a:defRPr sz="1400"/>
             </a:lvl2pPr>
             <a:lvl3pPr marL="914400" indent="0">
               <a:buNone/>
-              <a:defRPr sz="1600">
-                <a:solidFill>
-                  <a:schemeClr val="tx1">
-                    <a:tint val="75000"/>
-                  </a:schemeClr>
-                </a:solidFill>
-              </a:defRPr>
+              <a:defRPr sz="1200"/>
             </a:lvl3pPr>
             <a:lvl4pPr marL="1371600" indent="0">
               <a:buNone/>
-              <a:defRPr sz="1400">
-                <a:solidFill>
-                  <a:schemeClr val="tx1">
-                    <a:tint val="75000"/>
-                  </a:schemeClr>
-                </a:solidFill>
-              </a:defRPr>
+              <a:defRPr sz="1000"/>
             </a:lvl4pPr>
             <a:lvl5pPr marL="1828800" indent="0">
               <a:buNone/>
-              <a:defRPr sz="1400">
-                <a:solidFill>
-                  <a:schemeClr val="tx1">
-                    <a:tint val="75000"/>
-                  </a:schemeClr>
-                </a:solidFill>
-              </a:defRPr>
+              <a:defRPr sz="1000"/>
             </a:lvl5pPr>
             <a:lvl6pPr marL="2286000" indent="0">
               <a:buNone/>
-              <a:defRPr sz="1400">
-                <a:solidFill>
-                  <a:schemeClr val="tx1">
-                    <a:tint val="75000"/>
-                  </a:schemeClr>
-                </a:solidFill>
-              </a:defRPr>
+              <a:defRPr sz="1000"/>
             </a:lvl6pPr>
             <a:lvl7pPr marL="2743200" indent="0">
               <a:buNone/>
-              <a:defRPr sz="1400">
-                <a:solidFill>
-                  <a:schemeClr val="tx1">
-                    <a:tint val="75000"/>
-                  </a:schemeClr>
-                </a:solidFill>
-              </a:defRPr>
+              <a:defRPr sz="1000"/>
             </a:lvl7pPr>
             <a:lvl8pPr marL="3200400" indent="0">
               <a:buNone/>
-              <a:defRPr sz="1400">
-                <a:solidFill>
-                  <a:schemeClr val="tx1">
-                    <a:tint val="75000"/>
-                  </a:schemeClr>
-                </a:solidFill>
-              </a:defRPr>
+              <a:defRPr sz="1000"/>
             </a:lvl8pPr>
             <a:lvl9pPr marL="3657600" indent="0">
               <a:buNone/>
-              <a:defRPr sz="1400">
-                <a:solidFill>
-                  <a:schemeClr val="tx1">
-                    <a:tint val="75000"/>
-                  </a:schemeClr>
-                </a:solidFill>
-              </a:defRPr>
+              <a:defRPr sz="1000"/>
             </a:lvl9pPr>
           </a:lstStyle>
           <a:p>
             <a:pPr lvl="0"/>
             <a:r>
               <a:rPr lang="en-US"/>
-              <a:t>Edit Master text styles</a:t>
-            </a:r>
-          </a:p>
-        </p:txBody>
-      </p:sp>
-      <p:sp>
-        <p:nvSpPr>
-          <p:cNvPr id="4" name="Date Placeholder 3"/>
+              <a:t>Click to edit Master text styles</a:t>
+            </a:r>
+          </a:p>
+        </p:txBody>
+      </p:sp>
+      <p:sp>
+        <p:nvSpPr>
+          <p:cNvPr id="5" name="Date Placeholder 4"/>
           <p:cNvSpPr>
             <a:spLocks noGrp="1"/>
           </p:cNvSpPr>
@@ -2090,7 +1863,7 @@
       </p:sp>
       <p:sp>
         <p:nvSpPr>
-          <p:cNvPr id="5" name="Footer Placeholder 4"/>
+          <p:cNvPr id="6" name="Footer Placeholder 5"/>
           <p:cNvSpPr>
             <a:spLocks noGrp="1"/>
           </p:cNvSpPr>
@@ -2109,7 +1882,7 @@
       </p:sp>
       <p:sp>
         <p:nvSpPr>
-          <p:cNvPr id="6" name="Slide Number Placeholder 5"/>
+          <p:cNvPr id="7" name="Slide Number Placeholder 6"/>
           <p:cNvSpPr>
             <a:spLocks noGrp="1"/>
           </p:cNvSpPr>
@@ -2133,7 +1906,7 @@
     </p:spTree>
     <p:extLst>
       <p:ext uri="{BB962C8B-B14F-4D97-AF65-F5344CB8AC3E}">
-        <p14:creationId xmlns:p14="http://schemas.microsoft.com/office/powerpoint/2010/main" val="3433558975"/>
+        <p14:creationId xmlns:p14="http://schemas.microsoft.com/office/powerpoint/2010/main" val="717722628"/>
       </p:ext>
     </p:extLst>
   </p:cSld>
@@ -2145,7 +1918,7 @@
 
 <file path=ppt/slideLayouts/slideLayout14.xml><?xml version="1.0" encoding="utf-8"?>
 <p:sldLayout xmlns:a="http://schemas.openxmlformats.org/drawingml/2006/main" xmlns:r="http://schemas.openxmlformats.org/officeDocument/2006/relationships" xmlns:p="http://schemas.openxmlformats.org/presentationml/2006/main" preserve="1">
-  <p:cSld name="Quote Name Card">
+  <p:cSld name="3 Column">
     <p:spTree>
       <p:nvGrpSpPr>
         <p:cNvPr id="1" name=""/>
@@ -2162,369 +1935,117 @@
       </p:grpSpPr>
       <p:sp>
         <p:nvSpPr>
-          <p:cNvPr id="13" name="TextBox 12"/>
-          <p:cNvSpPr txBox="1"/>
-          <p:nvPr/>
+          <p:cNvPr id="15" name="Title 1"/>
+          <p:cNvSpPr>
+            <a:spLocks noGrp="1"/>
+          </p:cNvSpPr>
+          <p:nvPr>
+            <p:ph type="title"/>
+          </p:nvPr>
         </p:nvSpPr>
         <p:spPr>
           <a:xfrm>
-            <a:off x="583818" y="753851"/>
-            <a:ext cx="457319" cy="584776"/>
+            <a:off x="685346" y="609600"/>
+            <a:ext cx="7765322" cy="970450"/>
           </a:xfrm>
-          <a:prstGeom prst="rect">
-            <a:avLst/>
-          </a:prstGeom>
         </p:spPr>
         <p:txBody>
-          <a:bodyPr vert="horz" lIns="91440" tIns="45720" rIns="91440" bIns="45720" rtlCol="0" anchor="ctr">
+          <a:bodyPr/>
+          <a:lstStyle/>
+          <a:p>
+            <a:r>
+              <a:rPr lang="en-US"/>
+              <a:t>Click to edit Master title style</a:t>
+            </a:r>
+            <a:endParaRPr lang="en-US" dirty="0"/>
+          </a:p>
+        </p:txBody>
+      </p:sp>
+      <p:sp>
+        <p:nvSpPr>
+          <p:cNvPr id="7" name="Text Placeholder 2"/>
+          <p:cNvSpPr>
+            <a:spLocks noGrp="1"/>
+          </p:cNvSpPr>
+          <p:nvPr>
+            <p:ph type="body" idx="1"/>
+          </p:nvPr>
+        </p:nvSpPr>
+        <p:spPr>
+          <a:xfrm>
+            <a:off x="685346" y="1885950"/>
+            <a:ext cx="2475738" cy="576262"/>
+          </a:xfrm>
+        </p:spPr>
+        <p:txBody>
+          <a:bodyPr anchor="b">
             <a:noAutofit/>
           </a:bodyPr>
           <a:lstStyle>
-            <a:lvl1pPr>
-              <a:spcBef>
-                <a:spcPct val="0"/>
-              </a:spcBef>
-              <a:buNone/>
-              <a:defRPr sz="3200" b="0" cap="all">
-                <a:ln w="3175" cmpd="sng">
-                  <a:noFill/>
-                </a:ln>
-                <a:effectLst>
-                  <a:glow rad="38100">
-                    <a:schemeClr val="bg1">
-                      <a:lumMod val="65000"/>
-                      <a:lumOff val="35000"/>
-                      <a:alpha val="40000"/>
-                    </a:schemeClr>
-                  </a:glow>
-                  <a:outerShdw blurRad="28575" dist="38100" dir="14040000" algn="tl" rotWithShape="0">
-                    <a:srgbClr val="000000">
-                      <a:alpha val="25000"/>
-                    </a:srgbClr>
-                  </a:outerShdw>
-                </a:effectLst>
+            <a:lvl1pPr marL="0" indent="0" algn="ctr">
+              <a:buNone/>
+              <a:defRPr sz="2400" b="0">
+                <a:solidFill>
+                  <a:schemeClr val="tx1"/>
+                </a:solidFill>
               </a:defRPr>
             </a:lvl1pPr>
-            <a:lvl2pPr>
-              <a:defRPr>
-                <a:solidFill>
-                  <a:schemeClr val="tx2"/>
-                </a:solidFill>
-              </a:defRPr>
+            <a:lvl2pPr marL="457200" indent="0">
+              <a:buNone/>
+              <a:defRPr sz="2000" b="1"/>
             </a:lvl2pPr>
-            <a:lvl3pPr>
-              <a:defRPr>
-                <a:solidFill>
-                  <a:schemeClr val="tx2"/>
-                </a:solidFill>
-              </a:defRPr>
+            <a:lvl3pPr marL="914400" indent="0">
+              <a:buNone/>
+              <a:defRPr sz="1800" b="1"/>
             </a:lvl3pPr>
-            <a:lvl4pPr>
-              <a:defRPr>
-                <a:solidFill>
-                  <a:schemeClr val="tx2"/>
-                </a:solidFill>
-              </a:defRPr>
+            <a:lvl4pPr marL="1371600" indent="0">
+              <a:buNone/>
+              <a:defRPr sz="1600" b="1"/>
             </a:lvl4pPr>
-            <a:lvl5pPr>
-              <a:defRPr>
-                <a:solidFill>
-                  <a:schemeClr val="tx2"/>
-                </a:solidFill>
-              </a:defRPr>
+            <a:lvl5pPr marL="1828800" indent="0">
+              <a:buNone/>
+              <a:defRPr sz="1600" b="1"/>
             </a:lvl5pPr>
-            <a:lvl6pPr>
-              <a:defRPr>
-                <a:solidFill>
-                  <a:schemeClr val="tx2"/>
-                </a:solidFill>
-              </a:defRPr>
+            <a:lvl6pPr marL="2286000" indent="0">
+              <a:buNone/>
+              <a:defRPr sz="1600" b="1"/>
             </a:lvl6pPr>
-            <a:lvl7pPr>
-              <a:defRPr>
-                <a:solidFill>
-                  <a:schemeClr val="tx2"/>
-                </a:solidFill>
-              </a:defRPr>
+            <a:lvl7pPr marL="2743200" indent="0">
+              <a:buNone/>
+              <a:defRPr sz="1600" b="1"/>
             </a:lvl7pPr>
-            <a:lvl8pPr>
-              <a:defRPr>
-                <a:solidFill>
-                  <a:schemeClr val="tx2"/>
-                </a:solidFill>
-              </a:defRPr>
+            <a:lvl8pPr marL="3200400" indent="0">
+              <a:buNone/>
+              <a:defRPr sz="1600" b="1"/>
             </a:lvl8pPr>
-            <a:lvl9pPr>
-              <a:defRPr>
-                <a:solidFill>
-                  <a:schemeClr val="tx2"/>
-                </a:solidFill>
-              </a:defRPr>
+            <a:lvl9pPr marL="3657600" indent="0">
+              <a:buNone/>
+              <a:defRPr sz="1600" b="1"/>
             </a:lvl9pPr>
           </a:lstStyle>
           <a:p>
             <a:pPr lvl="0"/>
             <a:r>
-              <a:rPr lang="en-US" sz="8000" dirty="0">
-                <a:solidFill>
-                  <a:schemeClr val="accent1"/>
-                </a:solidFill>
-              </a:rPr>
-              <a:t>“</a:t>
-            </a:r>
-          </a:p>
-        </p:txBody>
-      </p:sp>
-      <p:sp>
-        <p:nvSpPr>
-          <p:cNvPr id="16" name="TextBox 15"/>
-          <p:cNvSpPr txBox="1"/>
-          <p:nvPr/>
+              <a:rPr lang="en-US"/>
+              <a:t>Click to edit Master text styles</a:t>
+            </a:r>
+          </a:p>
+        </p:txBody>
+      </p:sp>
+      <p:sp>
+        <p:nvSpPr>
+          <p:cNvPr id="8" name="Text Placeholder 3"/>
+          <p:cNvSpPr>
+            <a:spLocks noGrp="1"/>
+          </p:cNvSpPr>
+          <p:nvPr>
+            <p:ph type="body" sz="half" idx="15"/>
+          </p:nvPr>
         </p:nvSpPr>
         <p:spPr>
           <a:xfrm>
-            <a:off x="7887556" y="2879498"/>
-            <a:ext cx="457319" cy="584776"/>
-          </a:xfrm>
-          <a:prstGeom prst="rect">
-            <a:avLst/>
-          </a:prstGeom>
-        </p:spPr>
-        <p:txBody>
-          <a:bodyPr vert="horz" lIns="91440" tIns="45720" rIns="91440" bIns="45720" rtlCol="0" anchor="ctr">
-            <a:noAutofit/>
-          </a:bodyPr>
-          <a:lstStyle>
-            <a:lvl1pPr>
-              <a:spcBef>
-                <a:spcPct val="0"/>
-              </a:spcBef>
-              <a:buNone/>
-              <a:defRPr sz="3200" b="0" cap="all">
-                <a:ln w="3175" cmpd="sng">
-                  <a:noFill/>
-                </a:ln>
-                <a:effectLst>
-                  <a:glow rad="38100">
-                    <a:schemeClr val="bg1">
-                      <a:lumMod val="65000"/>
-                      <a:lumOff val="35000"/>
-                      <a:alpha val="40000"/>
-                    </a:schemeClr>
-                  </a:glow>
-                  <a:outerShdw blurRad="28575" dist="38100" dir="14040000" algn="tl" rotWithShape="0">
-                    <a:srgbClr val="000000">
-                      <a:alpha val="25000"/>
-                    </a:srgbClr>
-                  </a:outerShdw>
-                </a:effectLst>
-              </a:defRPr>
-            </a:lvl1pPr>
-            <a:lvl2pPr>
-              <a:defRPr>
-                <a:solidFill>
-                  <a:schemeClr val="tx2"/>
-                </a:solidFill>
-              </a:defRPr>
-            </a:lvl2pPr>
-            <a:lvl3pPr>
-              <a:defRPr>
-                <a:solidFill>
-                  <a:schemeClr val="tx2"/>
-                </a:solidFill>
-              </a:defRPr>
-            </a:lvl3pPr>
-            <a:lvl4pPr>
-              <a:defRPr>
-                <a:solidFill>
-                  <a:schemeClr val="tx2"/>
-                </a:solidFill>
-              </a:defRPr>
-            </a:lvl4pPr>
-            <a:lvl5pPr>
-              <a:defRPr>
-                <a:solidFill>
-                  <a:schemeClr val="tx2"/>
-                </a:solidFill>
-              </a:defRPr>
-            </a:lvl5pPr>
-            <a:lvl6pPr>
-              <a:defRPr>
-                <a:solidFill>
-                  <a:schemeClr val="tx2"/>
-                </a:solidFill>
-              </a:defRPr>
-            </a:lvl6pPr>
-            <a:lvl7pPr>
-              <a:defRPr>
-                <a:solidFill>
-                  <a:schemeClr val="tx2"/>
-                </a:solidFill>
-              </a:defRPr>
-            </a:lvl7pPr>
-            <a:lvl8pPr>
-              <a:defRPr>
-                <a:solidFill>
-                  <a:schemeClr val="tx2"/>
-                </a:solidFill>
-              </a:defRPr>
-            </a:lvl8pPr>
-            <a:lvl9pPr>
-              <a:defRPr>
-                <a:solidFill>
-                  <a:schemeClr val="tx2"/>
-                </a:solidFill>
-              </a:defRPr>
-            </a:lvl9pPr>
-          </a:lstStyle>
-          <a:p>
-            <a:pPr lvl="0" algn="r"/>
-            <a:r>
-              <a:rPr lang="en-US" sz="8000" dirty="0">
-                <a:solidFill>
-                  <a:schemeClr val="accent1"/>
-                </a:solidFill>
-              </a:rPr>
-              <a:t>”</a:t>
-            </a:r>
-          </a:p>
-        </p:txBody>
-      </p:sp>
-      <p:sp>
-        <p:nvSpPr>
-          <p:cNvPr id="2" name="Title 1"/>
-          <p:cNvSpPr>
-            <a:spLocks noGrp="1"/>
-          </p:cNvSpPr>
-          <p:nvPr>
-            <p:ph type="title"/>
-          </p:nvPr>
-        </p:nvSpPr>
-        <p:spPr>
-          <a:xfrm>
-            <a:off x="1084942" y="596018"/>
-            <a:ext cx="6974115" cy="2844369"/>
-          </a:xfrm>
-        </p:spPr>
-        <p:txBody>
-          <a:bodyPr anchor="ctr">
-            <a:normAutofit/>
-          </a:bodyPr>
-          <a:lstStyle>
-            <a:lvl1pPr algn="l">
-              <a:defRPr sz="2800" b="0" cap="all">
-                <a:gradFill flip="none" rotWithShape="1">
-                  <a:gsLst>
-                    <a:gs pos="0">
-                      <a:schemeClr val="tx1"/>
-                    </a:gs>
-                    <a:gs pos="100000">
-                      <a:schemeClr val="tx1">
-                        <a:lumMod val="75000"/>
-                      </a:schemeClr>
-                    </a:gs>
-                  </a:gsLst>
-                  <a:lin ang="5400000" scaled="0"/>
-                  <a:tileRect/>
-                </a:gradFill>
-              </a:defRPr>
-            </a:lvl1pPr>
-          </a:lstStyle>
-          <a:p>
-            <a:r>
-              <a:rPr lang="en-US"/>
-              <a:t>Click to edit Master title style</a:t>
-            </a:r>
-            <a:endParaRPr lang="en-US" dirty="0"/>
-          </a:p>
-        </p:txBody>
-      </p:sp>
-      <p:sp>
-        <p:nvSpPr>
-          <p:cNvPr id="10" name="Text Placeholder 9"/>
-          <p:cNvSpPr>
-            <a:spLocks noGrp="1"/>
-          </p:cNvSpPr>
-          <p:nvPr>
-            <p:ph type="body" sz="quarter" idx="13"/>
-          </p:nvPr>
-        </p:nvSpPr>
-        <p:spPr>
-          <a:xfrm>
-            <a:off x="818347" y="3886200"/>
-            <a:ext cx="7512338" cy="1053662"/>
-          </a:xfrm>
-        </p:spPr>
-        <p:txBody>
-          <a:bodyPr vert="horz" lIns="91440" tIns="45720" rIns="91440" bIns="45720" rtlCol="0" anchor="b">
-            <a:normAutofit/>
-          </a:bodyPr>
-          <a:lstStyle>
-            <a:lvl1pPr>
-              <a:buNone/>
-              <a:defRPr lang="en-US" sz="2000" b="0" cap="all" dirty="0">
-                <a:ln w="3175" cmpd="sng">
-                  <a:noFill/>
-                </a:ln>
-                <a:gradFill flip="none" rotWithShape="1">
-                  <a:gsLst>
-                    <a:gs pos="0">
-                      <a:schemeClr val="tx1"/>
-                    </a:gs>
-                    <a:gs pos="100000">
-                      <a:schemeClr val="tx1">
-                        <a:lumMod val="75000"/>
-                      </a:schemeClr>
-                    </a:gs>
-                  </a:gsLst>
-                  <a:lin ang="0" scaled="1"/>
-                  <a:tileRect/>
-                </a:gradFill>
-                <a:effectLst>
-                  <a:glow rad="38100">
-                    <a:schemeClr val="bg1">
-                      <a:lumMod val="65000"/>
-                      <a:lumOff val="35000"/>
-                      <a:alpha val="40000"/>
-                    </a:schemeClr>
-                  </a:glow>
-                  <a:outerShdw blurRad="28575" dist="38100" dir="14040000" algn="tl" rotWithShape="0">
-                    <a:srgbClr val="000000">
-                      <a:alpha val="25000"/>
-                    </a:srgbClr>
-                  </a:outerShdw>
-                </a:effectLst>
-              </a:defRPr>
-            </a:lvl1pPr>
-          </a:lstStyle>
-          <a:p>
-            <a:pPr marL="0" lvl="0">
-              <a:spcBef>
-                <a:spcPct val="0"/>
-              </a:spcBef>
-              <a:buNone/>
-            </a:pPr>
-            <a:r>
-              <a:rPr lang="en-US"/>
-              <a:t>Edit Master text styles</a:t>
-            </a:r>
-          </a:p>
-        </p:txBody>
-      </p:sp>
-      <p:sp>
-        <p:nvSpPr>
-          <p:cNvPr id="3" name="Text Placeholder 2"/>
-          <p:cNvSpPr>
-            <a:spLocks noGrp="1"/>
-          </p:cNvSpPr>
-          <p:nvPr>
-            <p:ph type="body" idx="1"/>
-          </p:nvPr>
-        </p:nvSpPr>
-        <p:spPr>
-          <a:xfrm>
-            <a:off x="818347" y="4939862"/>
-            <a:ext cx="7512338" cy="1162198"/>
+            <a:off x="685346" y="2571750"/>
+            <a:ext cx="2475738" cy="3219450"/>
           </a:xfrm>
         </p:spPr>
         <p:txBody>
@@ -2532,118 +2053,331 @@
             <a:normAutofit/>
           </a:bodyPr>
           <a:lstStyle>
-            <a:lvl1pPr marL="0" indent="0" algn="l">
-              <a:buNone/>
-              <a:defRPr sz="1600">
-                <a:gradFill flip="none" rotWithShape="1">
-                  <a:gsLst>
-                    <a:gs pos="0">
-                      <a:schemeClr val="tx1"/>
-                    </a:gs>
-                    <a:gs pos="100000">
-                      <a:schemeClr val="tx1">
-                        <a:lumMod val="75000"/>
-                      </a:schemeClr>
-                    </a:gs>
-                  </a:gsLst>
-                  <a:lin ang="5400000" scaled="0"/>
-                  <a:tileRect/>
-                </a:gradFill>
+            <a:lvl1pPr marL="0" indent="0" algn="ctr">
+              <a:buNone/>
+              <a:defRPr sz="1400"/>
+            </a:lvl1pPr>
+            <a:lvl2pPr marL="457200" indent="0">
+              <a:buNone/>
+              <a:defRPr sz="1200"/>
+            </a:lvl2pPr>
+            <a:lvl3pPr marL="914400" indent="0">
+              <a:buNone/>
+              <a:defRPr sz="1000"/>
+            </a:lvl3pPr>
+            <a:lvl4pPr marL="1371600" indent="0">
+              <a:buNone/>
+              <a:defRPr sz="900"/>
+            </a:lvl4pPr>
+            <a:lvl5pPr marL="1828800" indent="0">
+              <a:buNone/>
+              <a:defRPr sz="900"/>
+            </a:lvl5pPr>
+            <a:lvl6pPr marL="2286000" indent="0">
+              <a:buNone/>
+              <a:defRPr sz="900"/>
+            </a:lvl6pPr>
+            <a:lvl7pPr marL="2743200" indent="0">
+              <a:buNone/>
+              <a:defRPr sz="900"/>
+            </a:lvl7pPr>
+            <a:lvl8pPr marL="3200400" indent="0">
+              <a:buNone/>
+              <a:defRPr sz="900"/>
+            </a:lvl8pPr>
+            <a:lvl9pPr marL="3657600" indent="0">
+              <a:buNone/>
+              <a:defRPr sz="900"/>
+            </a:lvl9pPr>
+          </a:lstStyle>
+          <a:p>
+            <a:pPr lvl="0"/>
+            <a:r>
+              <a:rPr lang="en-US"/>
+              <a:t>Click to edit Master text styles</a:t>
+            </a:r>
+          </a:p>
+        </p:txBody>
+      </p:sp>
+      <p:sp>
+        <p:nvSpPr>
+          <p:cNvPr id="9" name="Text Placeholder 4"/>
+          <p:cNvSpPr>
+            <a:spLocks noGrp="1"/>
+          </p:cNvSpPr>
+          <p:nvPr>
+            <p:ph type="body" sz="quarter" idx="3"/>
+          </p:nvPr>
+        </p:nvSpPr>
+        <p:spPr>
+          <a:xfrm>
+            <a:off x="3335033" y="1885950"/>
+            <a:ext cx="2475738" cy="576262"/>
+          </a:xfrm>
+        </p:spPr>
+        <p:txBody>
+          <a:bodyPr anchor="b">
+            <a:noAutofit/>
+          </a:bodyPr>
+          <a:lstStyle>
+            <a:lvl1pPr marL="0" indent="0" algn="ctr">
+              <a:buNone/>
+              <a:defRPr sz="2400" b="0">
+                <a:solidFill>
+                  <a:schemeClr val="tx1"/>
+                </a:solidFill>
               </a:defRPr>
             </a:lvl1pPr>
             <a:lvl2pPr marL="457200" indent="0">
               <a:buNone/>
-              <a:defRPr sz="1600">
+              <a:defRPr sz="2000" b="1"/>
+            </a:lvl2pPr>
+            <a:lvl3pPr marL="914400" indent="0">
+              <a:buNone/>
+              <a:defRPr sz="1800" b="1"/>
+            </a:lvl3pPr>
+            <a:lvl4pPr marL="1371600" indent="0">
+              <a:buNone/>
+              <a:defRPr sz="1600" b="1"/>
+            </a:lvl4pPr>
+            <a:lvl5pPr marL="1828800" indent="0">
+              <a:buNone/>
+              <a:defRPr sz="1600" b="1"/>
+            </a:lvl5pPr>
+            <a:lvl6pPr marL="2286000" indent="0">
+              <a:buNone/>
+              <a:defRPr sz="1600" b="1"/>
+            </a:lvl6pPr>
+            <a:lvl7pPr marL="2743200" indent="0">
+              <a:buNone/>
+              <a:defRPr sz="1600" b="1"/>
+            </a:lvl7pPr>
+            <a:lvl8pPr marL="3200400" indent="0">
+              <a:buNone/>
+              <a:defRPr sz="1600" b="1"/>
+            </a:lvl8pPr>
+            <a:lvl9pPr marL="3657600" indent="0">
+              <a:buNone/>
+              <a:defRPr sz="1600" b="1"/>
+            </a:lvl9pPr>
+          </a:lstStyle>
+          <a:p>
+            <a:pPr lvl="0"/>
+            <a:r>
+              <a:rPr lang="en-US"/>
+              <a:t>Click to edit Master text styles</a:t>
+            </a:r>
+          </a:p>
+        </p:txBody>
+      </p:sp>
+      <p:sp>
+        <p:nvSpPr>
+          <p:cNvPr id="10" name="Text Placeholder 3"/>
+          <p:cNvSpPr>
+            <a:spLocks noGrp="1"/>
+          </p:cNvSpPr>
+          <p:nvPr>
+            <p:ph type="body" sz="half" idx="16"/>
+          </p:nvPr>
+        </p:nvSpPr>
+        <p:spPr>
+          <a:xfrm>
+            <a:off x="3331076" y="2571750"/>
+            <a:ext cx="2475738" cy="3219450"/>
+          </a:xfrm>
+        </p:spPr>
+        <p:txBody>
+          <a:bodyPr anchor="t">
+            <a:normAutofit/>
+          </a:bodyPr>
+          <a:lstStyle>
+            <a:lvl1pPr marL="0" indent="0" algn="ctr">
+              <a:buNone/>
+              <a:defRPr sz="1400"/>
+            </a:lvl1pPr>
+            <a:lvl2pPr marL="457200" indent="0">
+              <a:buNone/>
+              <a:defRPr sz="1200"/>
+            </a:lvl2pPr>
+            <a:lvl3pPr marL="914400" indent="0">
+              <a:buNone/>
+              <a:defRPr sz="1000"/>
+            </a:lvl3pPr>
+            <a:lvl4pPr marL="1371600" indent="0">
+              <a:buNone/>
+              <a:defRPr sz="900"/>
+            </a:lvl4pPr>
+            <a:lvl5pPr marL="1828800" indent="0">
+              <a:buNone/>
+              <a:defRPr sz="900"/>
+            </a:lvl5pPr>
+            <a:lvl6pPr marL="2286000" indent="0">
+              <a:buNone/>
+              <a:defRPr sz="900"/>
+            </a:lvl6pPr>
+            <a:lvl7pPr marL="2743200" indent="0">
+              <a:buNone/>
+              <a:defRPr sz="900"/>
+            </a:lvl7pPr>
+            <a:lvl8pPr marL="3200400" indent="0">
+              <a:buNone/>
+              <a:defRPr sz="900"/>
+            </a:lvl8pPr>
+            <a:lvl9pPr marL="3657600" indent="0">
+              <a:buNone/>
+              <a:defRPr sz="900"/>
+            </a:lvl9pPr>
+          </a:lstStyle>
+          <a:p>
+            <a:pPr lvl="0"/>
+            <a:r>
+              <a:rPr lang="en-US"/>
+              <a:t>Click to edit Master text styles</a:t>
+            </a:r>
+          </a:p>
+        </p:txBody>
+      </p:sp>
+      <p:sp>
+        <p:nvSpPr>
+          <p:cNvPr id="11" name="Text Placeholder 4"/>
+          <p:cNvSpPr>
+            <a:spLocks noGrp="1"/>
+          </p:cNvSpPr>
+          <p:nvPr>
+            <p:ph type="body" sz="quarter" idx="13"/>
+          </p:nvPr>
+        </p:nvSpPr>
+        <p:spPr>
+          <a:xfrm>
+            <a:off x="5974929" y="1885950"/>
+            <a:ext cx="2475738" cy="576262"/>
+          </a:xfrm>
+        </p:spPr>
+        <p:txBody>
+          <a:bodyPr anchor="b">
+            <a:noAutofit/>
+          </a:bodyPr>
+          <a:lstStyle>
+            <a:lvl1pPr marL="0" indent="0" algn="ctr">
+              <a:buNone/>
+              <a:defRPr sz="2400" b="0">
                 <a:solidFill>
-                  <a:schemeClr val="tx1">
-                    <a:tint val="75000"/>
-                  </a:schemeClr>
+                  <a:schemeClr val="tx1"/>
                 </a:solidFill>
               </a:defRPr>
+            </a:lvl1pPr>
+            <a:lvl2pPr marL="457200" indent="0">
+              <a:buNone/>
+              <a:defRPr sz="2000" b="1"/>
             </a:lvl2pPr>
             <a:lvl3pPr marL="914400" indent="0">
               <a:buNone/>
-              <a:defRPr sz="1600">
-                <a:solidFill>
-                  <a:schemeClr val="tx1">
-                    <a:tint val="75000"/>
-                  </a:schemeClr>
-                </a:solidFill>
-              </a:defRPr>
+              <a:defRPr sz="1800" b="1"/>
             </a:lvl3pPr>
             <a:lvl4pPr marL="1371600" indent="0">
               <a:buNone/>
-              <a:defRPr sz="1400">
-                <a:solidFill>
-                  <a:schemeClr val="tx1">
-                    <a:tint val="75000"/>
-                  </a:schemeClr>
-                </a:solidFill>
-              </a:defRPr>
+              <a:defRPr sz="1600" b="1"/>
             </a:lvl4pPr>
             <a:lvl5pPr marL="1828800" indent="0">
               <a:buNone/>
-              <a:defRPr sz="1400">
-                <a:solidFill>
-                  <a:schemeClr val="tx1">
-                    <a:tint val="75000"/>
-                  </a:schemeClr>
-                </a:solidFill>
-              </a:defRPr>
+              <a:defRPr sz="1600" b="1"/>
             </a:lvl5pPr>
             <a:lvl6pPr marL="2286000" indent="0">
               <a:buNone/>
-              <a:defRPr sz="1400">
-                <a:solidFill>
-                  <a:schemeClr val="tx1">
-                    <a:tint val="75000"/>
-                  </a:schemeClr>
-                </a:solidFill>
-              </a:defRPr>
+              <a:defRPr sz="1600" b="1"/>
             </a:lvl6pPr>
             <a:lvl7pPr marL="2743200" indent="0">
               <a:buNone/>
-              <a:defRPr sz="1400">
-                <a:solidFill>
-                  <a:schemeClr val="tx1">
-                    <a:tint val="75000"/>
-                  </a:schemeClr>
-                </a:solidFill>
-              </a:defRPr>
+              <a:defRPr sz="1600" b="1"/>
             </a:lvl7pPr>
             <a:lvl8pPr marL="3200400" indent="0">
               <a:buNone/>
-              <a:defRPr sz="1400">
-                <a:solidFill>
-                  <a:schemeClr val="tx1">
-                    <a:tint val="75000"/>
-                  </a:schemeClr>
-                </a:solidFill>
-              </a:defRPr>
+              <a:defRPr sz="1600" b="1"/>
             </a:lvl8pPr>
             <a:lvl9pPr marL="3657600" indent="0">
               <a:buNone/>
-              <a:defRPr sz="1400">
-                <a:solidFill>
-                  <a:schemeClr val="tx1">
-                    <a:tint val="75000"/>
-                  </a:schemeClr>
-                </a:solidFill>
-              </a:defRPr>
+              <a:defRPr sz="1600" b="1"/>
             </a:lvl9pPr>
           </a:lstStyle>
           <a:p>
             <a:pPr lvl="0"/>
             <a:r>
               <a:rPr lang="en-US"/>
-              <a:t>Edit Master text styles</a:t>
-            </a:r>
-          </a:p>
-        </p:txBody>
-      </p:sp>
-      <p:sp>
-        <p:nvSpPr>
-          <p:cNvPr id="4" name="Date Placeholder 3"/>
+              <a:t>Click to edit Master text styles</a:t>
+            </a:r>
+          </a:p>
+        </p:txBody>
+      </p:sp>
+      <p:sp>
+        <p:nvSpPr>
+          <p:cNvPr id="12" name="Text Placeholder 3"/>
+          <p:cNvSpPr>
+            <a:spLocks noGrp="1"/>
+          </p:cNvSpPr>
+          <p:nvPr>
+            <p:ph type="body" sz="half" idx="17"/>
+          </p:nvPr>
+        </p:nvSpPr>
+        <p:spPr>
+          <a:xfrm>
+            <a:off x="5974929" y="2571750"/>
+            <a:ext cx="2475738" cy="3219450"/>
+          </a:xfrm>
+        </p:spPr>
+        <p:txBody>
+          <a:bodyPr anchor="t">
+            <a:normAutofit/>
+          </a:bodyPr>
+          <a:lstStyle>
+            <a:lvl1pPr marL="0" indent="0" algn="ctr">
+              <a:buNone/>
+              <a:defRPr sz="1400"/>
+            </a:lvl1pPr>
+            <a:lvl2pPr marL="457200" indent="0">
+              <a:buNone/>
+              <a:defRPr sz="1200"/>
+            </a:lvl2pPr>
+            <a:lvl3pPr marL="914400" indent="0">
+              <a:buNone/>
+              <a:defRPr sz="1000"/>
+            </a:lvl3pPr>
+            <a:lvl4pPr marL="1371600" indent="0">
+              <a:buNone/>
+              <a:defRPr sz="900"/>
+            </a:lvl4pPr>
+            <a:lvl5pPr marL="1828800" indent="0">
+              <a:buNone/>
+              <a:defRPr sz="900"/>
+            </a:lvl5pPr>
+            <a:lvl6pPr marL="2286000" indent="0">
+              <a:buNone/>
+              <a:defRPr sz="900"/>
+            </a:lvl6pPr>
+            <a:lvl7pPr marL="2743200" indent="0">
+              <a:buNone/>
+              <a:defRPr sz="900"/>
+            </a:lvl7pPr>
+            <a:lvl8pPr marL="3200400" indent="0">
+              <a:buNone/>
+              <a:defRPr sz="900"/>
+            </a:lvl8pPr>
+            <a:lvl9pPr marL="3657600" indent="0">
+              <a:buNone/>
+              <a:defRPr sz="900"/>
+            </a:lvl9pPr>
+          </a:lstStyle>
+          <a:p>
+            <a:pPr lvl="0"/>
+            <a:r>
+              <a:rPr lang="en-US"/>
+              <a:t>Click to edit Master text styles</a:t>
+            </a:r>
+          </a:p>
+        </p:txBody>
+      </p:sp>
+      <p:sp>
+        <p:nvSpPr>
+          <p:cNvPr id="3" name="Date Placeholder 2"/>
           <p:cNvSpPr>
             <a:spLocks noGrp="1"/>
           </p:cNvSpPr>
@@ -2666,7 +2400,7 @@
       </p:sp>
       <p:sp>
         <p:nvSpPr>
-          <p:cNvPr id="5" name="Footer Placeholder 4"/>
+          <p:cNvPr id="4" name="Footer Placeholder 3"/>
           <p:cNvSpPr>
             <a:spLocks noGrp="1"/>
           </p:cNvSpPr>
@@ -2685,7 +2419,7 @@
       </p:sp>
       <p:sp>
         <p:nvSpPr>
-          <p:cNvPr id="6" name="Slide Number Placeholder 5"/>
+          <p:cNvPr id="5" name="Slide Number Placeholder 4"/>
           <p:cNvSpPr>
             <a:spLocks noGrp="1"/>
           </p:cNvSpPr>
@@ -2709,7 +2443,7 @@
     </p:spTree>
     <p:extLst>
       <p:ext uri="{BB962C8B-B14F-4D97-AF65-F5344CB8AC3E}">
-        <p14:creationId xmlns:p14="http://schemas.microsoft.com/office/powerpoint/2010/main" val="2349379850"/>
+        <p14:creationId xmlns:p14="http://schemas.microsoft.com/office/powerpoint/2010/main" val="3948217870"/>
       </p:ext>
     </p:extLst>
   </p:cSld>
@@ -2721,7 +2455,7 @@
 
 <file path=ppt/slideLayouts/slideLayout15.xml><?xml version="1.0" encoding="utf-8"?>
 <p:sldLayout xmlns:a="http://schemas.openxmlformats.org/drawingml/2006/main" xmlns:r="http://schemas.openxmlformats.org/officeDocument/2006/relationships" xmlns:p="http://schemas.openxmlformats.org/presentationml/2006/main" preserve="1">
-  <p:cSld name="True or False">
+  <p:cSld name="3 Picture Column">
     <p:spTree>
       <p:nvGrpSpPr>
         <p:cNvPr id="1" name=""/>
@@ -2736,246 +2470,778 @@
           <a:chExt cx="0" cy="0"/>
         </a:xfrm>
       </p:grpSpPr>
-      <p:sp>
-        <p:nvSpPr>
-          <p:cNvPr id="2" name="Title 1"/>
-          <p:cNvSpPr>
-            <a:spLocks noGrp="1"/>
-          </p:cNvSpPr>
-          <p:nvPr>
-            <p:ph type="title"/>
-          </p:nvPr>
-        </p:nvSpPr>
+      <p:pic>
+        <p:nvPicPr>
+          <p:cNvPr id="6" name="Picture 5" descr="Slate-V2-SD-3colPhotoInset.png"/>
+          <p:cNvPicPr>
+            <a:picLocks noChangeAspect="1"/>
+          </p:cNvPicPr>
+          <p:nvPr/>
+        </p:nvPicPr>
+        <p:blipFill>
+          <a:blip r:embed="rId2">
+            <a:extLst>
+              <a:ext uri="{28A0092B-C50C-407E-A947-70E740481C1C}">
+                <a14:useLocalDpi xmlns:a14="http://schemas.microsoft.com/office/drawing/2010/main" val="0"/>
+              </a:ext>
+            </a:extLst>
+          </a:blip>
+          <a:stretch>
+            <a:fillRect/>
+          </a:stretch>
+        </p:blipFill>
         <p:spPr>
           <a:xfrm>
-            <a:off x="818346" y="596018"/>
-            <a:ext cx="7511473" cy="2756783"/>
+            <a:off x="659239" y="1826045"/>
+            <a:ext cx="2529046" cy="1833558"/>
+          </a:xfrm>
+          <a:prstGeom prst="rect">
+            <a:avLst/>
+          </a:prstGeom>
+        </p:spPr>
+      </p:pic>
+      <p:pic>
+        <p:nvPicPr>
+          <p:cNvPr id="28" name="Picture 27" descr="Slate-V2-SD-3colPhotoInset.png"/>
+          <p:cNvPicPr>
+            <a:picLocks noChangeAspect="1"/>
+          </p:cNvPicPr>
+          <p:nvPr/>
+        </p:nvPicPr>
+        <p:blipFill>
+          <a:blip r:embed="rId2">
+            <a:extLst>
+              <a:ext uri="{28A0092B-C50C-407E-A947-70E740481C1C}">
+                <a14:useLocalDpi xmlns:a14="http://schemas.microsoft.com/office/drawing/2010/main" val="0"/>
+              </a:ext>
+            </a:extLst>
+          </a:blip>
+          <a:stretch>
+            <a:fillRect/>
+          </a:stretch>
+        </p:blipFill>
+        <p:spPr>
+          <a:xfrm>
+            <a:off x="3293813" y="1826045"/>
+            <a:ext cx="2529046" cy="1833558"/>
+          </a:xfrm>
+          <a:prstGeom prst="rect">
+            <a:avLst/>
+          </a:prstGeom>
+        </p:spPr>
+      </p:pic>
+      <p:pic>
+        <p:nvPicPr>
+          <p:cNvPr id="29" name="Picture 28" descr="Slate-V2-SD-3colPhotoInset.png"/>
+          <p:cNvPicPr>
+            <a:picLocks noChangeAspect="1"/>
+          </p:cNvPicPr>
+          <p:nvPr/>
+        </p:nvPicPr>
+        <p:blipFill>
+          <a:blip r:embed="rId2">
+            <a:extLst>
+              <a:ext uri="{28A0092B-C50C-407E-A947-70E740481C1C}">
+                <a14:useLocalDpi xmlns:a14="http://schemas.microsoft.com/office/drawing/2010/main" val="0"/>
+              </a:ext>
+            </a:extLst>
+          </a:blip>
+          <a:stretch>
+            <a:fillRect/>
+          </a:stretch>
+        </p:blipFill>
+        <p:spPr>
+          <a:xfrm>
+            <a:off x="5921715" y="1826045"/>
+            <a:ext cx="2529046" cy="1833558"/>
+          </a:xfrm>
+          <a:prstGeom prst="rect">
+            <a:avLst/>
+          </a:prstGeom>
+        </p:spPr>
+      </p:pic>
+      <p:sp>
+        <p:nvSpPr>
+          <p:cNvPr id="30" name="Title 1"/>
+          <p:cNvSpPr>
+            <a:spLocks noGrp="1"/>
+          </p:cNvSpPr>
+          <p:nvPr>
+            <p:ph type="title"/>
+          </p:nvPr>
+        </p:nvSpPr>
+        <p:spPr>
+          <a:xfrm>
+            <a:off x="685346" y="609600"/>
+            <a:ext cx="7765322" cy="970450"/>
           </a:xfrm>
         </p:spPr>
         <p:txBody>
-          <a:bodyPr vert="horz" lIns="91440" tIns="45720" rIns="91440" bIns="45720" rtlCol="0" anchor="ctr">
-            <a:normAutofit/>
+          <a:bodyPr/>
+          <a:lstStyle/>
+          <a:p>
+            <a:r>
+              <a:rPr lang="en-US"/>
+              <a:t>Click to edit Master title style</a:t>
+            </a:r>
+            <a:endParaRPr lang="en-US" dirty="0"/>
+          </a:p>
+        </p:txBody>
+      </p:sp>
+      <p:sp>
+        <p:nvSpPr>
+          <p:cNvPr id="19" name="Text Placeholder 2"/>
+          <p:cNvSpPr>
+            <a:spLocks noGrp="1"/>
+          </p:cNvSpPr>
+          <p:nvPr>
+            <p:ph type="body" idx="1"/>
+          </p:nvPr>
+        </p:nvSpPr>
+        <p:spPr>
+          <a:xfrm>
+            <a:off x="685346" y="3904106"/>
+            <a:ext cx="2475738" cy="576262"/>
+          </a:xfrm>
+        </p:spPr>
+        <p:txBody>
+          <a:bodyPr anchor="b">
+            <a:noAutofit/>
           </a:bodyPr>
           <a:lstStyle>
-            <a:lvl1pPr>
-              <a:defRPr lang="en-US" sz="2800" b="0" dirty="0"/>
+            <a:lvl1pPr marL="0" indent="0" algn="ctr">
+              <a:buNone/>
+              <a:defRPr sz="2000" b="0">
+                <a:solidFill>
+                  <a:schemeClr val="tx1"/>
+                </a:solidFill>
+              </a:defRPr>
             </a:lvl1pPr>
+            <a:lvl2pPr marL="457200" indent="0">
+              <a:buNone/>
+              <a:defRPr sz="2000" b="1"/>
+            </a:lvl2pPr>
+            <a:lvl3pPr marL="914400" indent="0">
+              <a:buNone/>
+              <a:defRPr sz="1800" b="1"/>
+            </a:lvl3pPr>
+            <a:lvl4pPr marL="1371600" indent="0">
+              <a:buNone/>
+              <a:defRPr sz="1600" b="1"/>
+            </a:lvl4pPr>
+            <a:lvl5pPr marL="1828800" indent="0">
+              <a:buNone/>
+              <a:defRPr sz="1600" b="1"/>
+            </a:lvl5pPr>
+            <a:lvl6pPr marL="2286000" indent="0">
+              <a:buNone/>
+              <a:defRPr sz="1600" b="1"/>
+            </a:lvl6pPr>
+            <a:lvl7pPr marL="2743200" indent="0">
+              <a:buNone/>
+              <a:defRPr sz="1600" b="1"/>
+            </a:lvl7pPr>
+            <a:lvl8pPr marL="3200400" indent="0">
+              <a:buNone/>
+              <a:defRPr sz="1600" b="1"/>
+            </a:lvl8pPr>
+            <a:lvl9pPr marL="3657600" indent="0">
+              <a:buNone/>
+              <a:defRPr sz="1600" b="1"/>
+            </a:lvl9pPr>
           </a:lstStyle>
           <a:p>
-            <a:pPr marL="0" lvl="0"/>
+            <a:pPr lvl="0"/>
             <a:r>
               <a:rPr lang="en-US"/>
-              <a:t>Click to edit Master title style</a:t>
-            </a:r>
-            <a:endParaRPr lang="en-US" dirty="0"/>
-          </a:p>
-        </p:txBody>
-      </p:sp>
-      <p:sp>
-        <p:nvSpPr>
-          <p:cNvPr id="10" name="Text Placeholder 9"/>
-          <p:cNvSpPr>
-            <a:spLocks noGrp="1"/>
-          </p:cNvSpPr>
-          <p:nvPr>
-            <p:ph type="body" sz="quarter" idx="13"/>
+              <a:t>Click to edit Master text styles</a:t>
+            </a:r>
+          </a:p>
+        </p:txBody>
+      </p:sp>
+      <p:sp>
+        <p:nvSpPr>
+          <p:cNvPr id="20" name="Picture Placeholder 2"/>
+          <p:cNvSpPr>
+            <a:spLocks noGrp="1" noChangeAspect="1"/>
+          </p:cNvSpPr>
+          <p:nvPr>
+            <p:ph type="pic" idx="15"/>
           </p:nvPr>
         </p:nvSpPr>
         <p:spPr>
           <a:xfrm>
-            <a:off x="818346" y="3682941"/>
-            <a:ext cx="7511473" cy="1049283"/>
+            <a:off x="763577" y="1938918"/>
+            <a:ext cx="2319276" cy="1602954"/>
           </a:xfrm>
-        </p:spPr>
-        <p:txBody>
-          <a:bodyPr vert="horz" lIns="91440" tIns="45720" rIns="91440" bIns="45720" rtlCol="0" anchor="b">
-            <a:normAutofit/>
-          </a:bodyPr>
-          <a:lstStyle>
-            <a:lvl1pPr>
-              <a:buNone/>
-              <a:defRPr lang="en-US" sz="2400" b="0" cap="all" dirty="0">
-                <a:ln w="3175" cmpd="sng">
-                  <a:noFill/>
-                </a:ln>
-                <a:gradFill flip="none" rotWithShape="1">
-                  <a:gsLst>
-                    <a:gs pos="0">
-                      <a:schemeClr val="tx1"/>
-                    </a:gs>
-                    <a:gs pos="100000">
-                      <a:schemeClr val="tx1">
-                        <a:lumMod val="75000"/>
-                      </a:schemeClr>
-                    </a:gs>
-                  </a:gsLst>
-                  <a:lin ang="5400000" scaled="0"/>
-                  <a:tileRect/>
-                </a:gradFill>
-                <a:effectLst>
-                  <a:glow rad="38100">
-                    <a:schemeClr val="bg1">
-                      <a:lumMod val="65000"/>
-                      <a:lumOff val="35000"/>
-                      <a:alpha val="40000"/>
-                    </a:schemeClr>
-                  </a:glow>
-                  <a:outerShdw blurRad="28575" dist="38100" dir="14040000" algn="tl" rotWithShape="0">
-                    <a:srgbClr val="000000">
-                      <a:alpha val="25000"/>
-                    </a:srgbClr>
-                  </a:outerShdw>
-                </a:effectLst>
-              </a:defRPr>
-            </a:lvl1pPr>
-          </a:lstStyle>
-          <a:p>
-            <a:pPr marL="0" lvl="0">
-              <a:spcBef>
-                <a:spcPct val="0"/>
-              </a:spcBef>
-              <a:buNone/>
-            </a:pPr>
-            <a:r>
-              <a:rPr lang="en-US"/>
-              <a:t>Edit Master text styles</a:t>
-            </a:r>
-          </a:p>
-        </p:txBody>
-      </p:sp>
-      <p:sp>
-        <p:nvSpPr>
-          <p:cNvPr id="3" name="Text Placeholder 2"/>
-          <p:cNvSpPr>
-            <a:spLocks noGrp="1"/>
-          </p:cNvSpPr>
-          <p:nvPr>
-            <p:ph type="body" idx="1"/>
-          </p:nvPr>
-        </p:nvSpPr>
-        <p:spPr>
-          <a:xfrm>
-            <a:off x="818347" y="4732224"/>
-            <a:ext cx="7511472" cy="1369836"/>
-          </a:xfrm>
+          <a:prstGeom prst="roundRect">
+            <a:avLst>
+              <a:gd name="adj" fmla="val 1858"/>
+            </a:avLst>
+          </a:prstGeom>
+          <a:effectLst>
+            <a:outerShdw blurRad="38100" dist="25400" dir="4440000">
+              <a:srgbClr val="000000">
+                <a:alpha val="36000"/>
+              </a:srgbClr>
+            </a:outerShdw>
+          </a:effectLst>
         </p:spPr>
         <p:txBody>
           <a:bodyPr anchor="t">
             <a:normAutofit/>
           </a:bodyPr>
           <a:lstStyle>
-            <a:lvl1pPr marL="0" indent="0" algn="l">
-              <a:buNone/>
-              <a:defRPr sz="1600">
-                <a:gradFill flip="none" rotWithShape="1">
-                  <a:gsLst>
-                    <a:gs pos="0">
-                      <a:schemeClr val="tx1"/>
-                    </a:gs>
-                    <a:gs pos="100000">
-                      <a:schemeClr val="tx1">
-                        <a:lumMod val="75000"/>
-                      </a:schemeClr>
-                    </a:gs>
-                  </a:gsLst>
-                  <a:lin ang="5400000" scaled="0"/>
-                  <a:tileRect/>
-                </a:gradFill>
+            <a:lvl1pPr marL="0" indent="0" algn="ctr">
+              <a:buNone/>
+              <a:defRPr sz="1600"/>
+            </a:lvl1pPr>
+            <a:lvl2pPr marL="457200" indent="0">
+              <a:buNone/>
+              <a:defRPr sz="1600"/>
+            </a:lvl2pPr>
+            <a:lvl3pPr marL="914400" indent="0">
+              <a:buNone/>
+              <a:defRPr sz="1600"/>
+            </a:lvl3pPr>
+            <a:lvl4pPr marL="1371600" indent="0">
+              <a:buNone/>
+              <a:defRPr sz="1600"/>
+            </a:lvl4pPr>
+            <a:lvl5pPr marL="1828800" indent="0">
+              <a:buNone/>
+              <a:defRPr sz="1600"/>
+            </a:lvl5pPr>
+            <a:lvl6pPr marL="2286000" indent="0">
+              <a:buNone/>
+              <a:defRPr sz="1600"/>
+            </a:lvl6pPr>
+            <a:lvl7pPr marL="2743200" indent="0">
+              <a:buNone/>
+              <a:defRPr sz="1600"/>
+            </a:lvl7pPr>
+            <a:lvl8pPr marL="3200400" indent="0">
+              <a:buNone/>
+              <a:defRPr sz="1600"/>
+            </a:lvl8pPr>
+            <a:lvl9pPr marL="3657600" indent="0">
+              <a:buNone/>
+              <a:defRPr sz="1600"/>
+            </a:lvl9pPr>
+          </a:lstStyle>
+          <a:p>
+            <a:r>
+              <a:rPr lang="en-US"/>
+              <a:t>Click icon to add picture</a:t>
+            </a:r>
+            <a:endParaRPr lang="en-US" dirty="0"/>
+          </a:p>
+        </p:txBody>
+      </p:sp>
+      <p:sp>
+        <p:nvSpPr>
+          <p:cNvPr id="21" name="Text Placeholder 3"/>
+          <p:cNvSpPr>
+            <a:spLocks noGrp="1"/>
+          </p:cNvSpPr>
+          <p:nvPr>
+            <p:ph type="body" sz="half" idx="18"/>
+          </p:nvPr>
+        </p:nvSpPr>
+        <p:spPr>
+          <a:xfrm>
+            <a:off x="685346" y="4480369"/>
+            <a:ext cx="2475738" cy="1310833"/>
+          </a:xfrm>
+        </p:spPr>
+        <p:txBody>
+          <a:bodyPr anchor="t">
+            <a:normAutofit/>
+          </a:bodyPr>
+          <a:lstStyle>
+            <a:lvl1pPr marL="0" indent="0" algn="ctr">
+              <a:buNone/>
+              <a:defRPr sz="1400"/>
+            </a:lvl1pPr>
+            <a:lvl2pPr marL="457200" indent="0">
+              <a:buNone/>
+              <a:defRPr sz="1200"/>
+            </a:lvl2pPr>
+            <a:lvl3pPr marL="914400" indent="0">
+              <a:buNone/>
+              <a:defRPr sz="1000"/>
+            </a:lvl3pPr>
+            <a:lvl4pPr marL="1371600" indent="0">
+              <a:buNone/>
+              <a:defRPr sz="900"/>
+            </a:lvl4pPr>
+            <a:lvl5pPr marL="1828800" indent="0">
+              <a:buNone/>
+              <a:defRPr sz="900"/>
+            </a:lvl5pPr>
+            <a:lvl6pPr marL="2286000" indent="0">
+              <a:buNone/>
+              <a:defRPr sz="900"/>
+            </a:lvl6pPr>
+            <a:lvl7pPr marL="2743200" indent="0">
+              <a:buNone/>
+              <a:defRPr sz="900"/>
+            </a:lvl7pPr>
+            <a:lvl8pPr marL="3200400" indent="0">
+              <a:buNone/>
+              <a:defRPr sz="900"/>
+            </a:lvl8pPr>
+            <a:lvl9pPr marL="3657600" indent="0">
+              <a:buNone/>
+              <a:defRPr sz="900"/>
+            </a:lvl9pPr>
+          </a:lstStyle>
+          <a:p>
+            <a:pPr lvl="0"/>
+            <a:r>
+              <a:rPr lang="en-US"/>
+              <a:t>Click to edit Master text styles</a:t>
+            </a:r>
+          </a:p>
+        </p:txBody>
+      </p:sp>
+      <p:sp>
+        <p:nvSpPr>
+          <p:cNvPr id="22" name="Text Placeholder 4"/>
+          <p:cNvSpPr>
+            <a:spLocks noGrp="1"/>
+          </p:cNvSpPr>
+          <p:nvPr>
+            <p:ph type="body" sz="quarter" idx="3"/>
+          </p:nvPr>
+        </p:nvSpPr>
+        <p:spPr>
+          <a:xfrm>
+            <a:off x="3332091" y="3904106"/>
+            <a:ext cx="2475738" cy="576262"/>
+          </a:xfrm>
+        </p:spPr>
+        <p:txBody>
+          <a:bodyPr anchor="b">
+            <a:noAutofit/>
+          </a:bodyPr>
+          <a:lstStyle>
+            <a:lvl1pPr marL="0" indent="0" algn="ctr">
+              <a:buNone/>
+              <a:defRPr sz="2000" b="0">
+                <a:solidFill>
+                  <a:schemeClr val="tx1"/>
+                </a:solidFill>
               </a:defRPr>
             </a:lvl1pPr>
             <a:lvl2pPr marL="457200" indent="0">
               <a:buNone/>
-              <a:defRPr sz="1600">
+              <a:defRPr sz="2000" b="1"/>
+            </a:lvl2pPr>
+            <a:lvl3pPr marL="914400" indent="0">
+              <a:buNone/>
+              <a:defRPr sz="1800" b="1"/>
+            </a:lvl3pPr>
+            <a:lvl4pPr marL="1371600" indent="0">
+              <a:buNone/>
+              <a:defRPr sz="1600" b="1"/>
+            </a:lvl4pPr>
+            <a:lvl5pPr marL="1828800" indent="0">
+              <a:buNone/>
+              <a:defRPr sz="1600" b="1"/>
+            </a:lvl5pPr>
+            <a:lvl6pPr marL="2286000" indent="0">
+              <a:buNone/>
+              <a:defRPr sz="1600" b="1"/>
+            </a:lvl6pPr>
+            <a:lvl7pPr marL="2743200" indent="0">
+              <a:buNone/>
+              <a:defRPr sz="1600" b="1"/>
+            </a:lvl7pPr>
+            <a:lvl8pPr marL="3200400" indent="0">
+              <a:buNone/>
+              <a:defRPr sz="1600" b="1"/>
+            </a:lvl8pPr>
+            <a:lvl9pPr marL="3657600" indent="0">
+              <a:buNone/>
+              <a:defRPr sz="1600" b="1"/>
+            </a:lvl9pPr>
+          </a:lstStyle>
+          <a:p>
+            <a:pPr lvl="0"/>
+            <a:r>
+              <a:rPr lang="en-US"/>
+              <a:t>Click to edit Master text styles</a:t>
+            </a:r>
+          </a:p>
+        </p:txBody>
+      </p:sp>
+      <p:sp>
+        <p:nvSpPr>
+          <p:cNvPr id="23" name="Picture Placeholder 2"/>
+          <p:cNvSpPr>
+            <a:spLocks noGrp="1" noChangeAspect="1"/>
+          </p:cNvSpPr>
+          <p:nvPr>
+            <p:ph type="pic" idx="21"/>
+          </p:nvPr>
+        </p:nvSpPr>
+        <p:spPr>
+          <a:xfrm>
+            <a:off x="3409307" y="1939094"/>
+            <a:ext cx="2319276" cy="1608164"/>
+          </a:xfrm>
+          <a:prstGeom prst="roundRect">
+            <a:avLst>
+              <a:gd name="adj" fmla="val 1858"/>
+            </a:avLst>
+          </a:prstGeom>
+          <a:effectLst>
+            <a:outerShdw blurRad="38100" dist="25400" dir="4440000">
+              <a:srgbClr val="000000">
+                <a:alpha val="36000"/>
+              </a:srgbClr>
+            </a:outerShdw>
+          </a:effectLst>
+        </p:spPr>
+        <p:txBody>
+          <a:bodyPr anchor="t">
+            <a:normAutofit/>
+          </a:bodyPr>
+          <a:lstStyle>
+            <a:lvl1pPr marL="0" indent="0" algn="ctr">
+              <a:buNone/>
+              <a:defRPr sz="1600"/>
+            </a:lvl1pPr>
+            <a:lvl2pPr marL="457200" indent="0">
+              <a:buNone/>
+              <a:defRPr sz="1600"/>
+            </a:lvl2pPr>
+            <a:lvl3pPr marL="914400" indent="0">
+              <a:buNone/>
+              <a:defRPr sz="1600"/>
+            </a:lvl3pPr>
+            <a:lvl4pPr marL="1371600" indent="0">
+              <a:buNone/>
+              <a:defRPr sz="1600"/>
+            </a:lvl4pPr>
+            <a:lvl5pPr marL="1828800" indent="0">
+              <a:buNone/>
+              <a:defRPr sz="1600"/>
+            </a:lvl5pPr>
+            <a:lvl6pPr marL="2286000" indent="0">
+              <a:buNone/>
+              <a:defRPr sz="1600"/>
+            </a:lvl6pPr>
+            <a:lvl7pPr marL="2743200" indent="0">
+              <a:buNone/>
+              <a:defRPr sz="1600"/>
+            </a:lvl7pPr>
+            <a:lvl8pPr marL="3200400" indent="0">
+              <a:buNone/>
+              <a:defRPr sz="1600"/>
+            </a:lvl8pPr>
+            <a:lvl9pPr marL="3657600" indent="0">
+              <a:buNone/>
+              <a:defRPr sz="1600"/>
+            </a:lvl9pPr>
+          </a:lstStyle>
+          <a:p>
+            <a:r>
+              <a:rPr lang="en-US"/>
+              <a:t>Click icon to add picture</a:t>
+            </a:r>
+            <a:endParaRPr lang="en-US" dirty="0"/>
+          </a:p>
+        </p:txBody>
+      </p:sp>
+      <p:sp>
+        <p:nvSpPr>
+          <p:cNvPr id="24" name="Text Placeholder 3"/>
+          <p:cNvSpPr>
+            <a:spLocks noGrp="1"/>
+          </p:cNvSpPr>
+          <p:nvPr>
+            <p:ph type="body" sz="half" idx="19"/>
+          </p:nvPr>
+        </p:nvSpPr>
+        <p:spPr>
+          <a:xfrm>
+            <a:off x="3331075" y="4480368"/>
+            <a:ext cx="2476753" cy="1310833"/>
+          </a:xfrm>
+        </p:spPr>
+        <p:txBody>
+          <a:bodyPr anchor="t">
+            <a:normAutofit/>
+          </a:bodyPr>
+          <a:lstStyle>
+            <a:lvl1pPr marL="0" indent="0" algn="ctr">
+              <a:buNone/>
+              <a:defRPr sz="1400"/>
+            </a:lvl1pPr>
+            <a:lvl2pPr marL="457200" indent="0">
+              <a:buNone/>
+              <a:defRPr sz="1200"/>
+            </a:lvl2pPr>
+            <a:lvl3pPr marL="914400" indent="0">
+              <a:buNone/>
+              <a:defRPr sz="1000"/>
+            </a:lvl3pPr>
+            <a:lvl4pPr marL="1371600" indent="0">
+              <a:buNone/>
+              <a:defRPr sz="900"/>
+            </a:lvl4pPr>
+            <a:lvl5pPr marL="1828800" indent="0">
+              <a:buNone/>
+              <a:defRPr sz="900"/>
+            </a:lvl5pPr>
+            <a:lvl6pPr marL="2286000" indent="0">
+              <a:buNone/>
+              <a:defRPr sz="900"/>
+            </a:lvl6pPr>
+            <a:lvl7pPr marL="2743200" indent="0">
+              <a:buNone/>
+              <a:defRPr sz="900"/>
+            </a:lvl7pPr>
+            <a:lvl8pPr marL="3200400" indent="0">
+              <a:buNone/>
+              <a:defRPr sz="900"/>
+            </a:lvl8pPr>
+            <a:lvl9pPr marL="3657600" indent="0">
+              <a:buNone/>
+              <a:defRPr sz="900"/>
+            </a:lvl9pPr>
+          </a:lstStyle>
+          <a:p>
+            <a:pPr lvl="0"/>
+            <a:r>
+              <a:rPr lang="en-US"/>
+              <a:t>Click to edit Master text styles</a:t>
+            </a:r>
+          </a:p>
+        </p:txBody>
+      </p:sp>
+      <p:sp>
+        <p:nvSpPr>
+          <p:cNvPr id="25" name="Text Placeholder 4"/>
+          <p:cNvSpPr>
+            <a:spLocks noGrp="1"/>
+          </p:cNvSpPr>
+          <p:nvPr>
+            <p:ph type="body" sz="quarter" idx="13"/>
+          </p:nvPr>
+        </p:nvSpPr>
+        <p:spPr>
+          <a:xfrm>
+            <a:off x="5975023" y="3904106"/>
+            <a:ext cx="2475738" cy="576262"/>
+          </a:xfrm>
+        </p:spPr>
+        <p:txBody>
+          <a:bodyPr anchor="b">
+            <a:noAutofit/>
+          </a:bodyPr>
+          <a:lstStyle>
+            <a:lvl1pPr marL="0" indent="0" algn="ctr">
+              <a:buNone/>
+              <a:defRPr sz="2000" b="0">
                 <a:solidFill>
-                  <a:schemeClr val="tx1">
-                    <a:tint val="75000"/>
-                  </a:schemeClr>
+                  <a:schemeClr val="tx1"/>
                 </a:solidFill>
               </a:defRPr>
+            </a:lvl1pPr>
+            <a:lvl2pPr marL="457200" indent="0">
+              <a:buNone/>
+              <a:defRPr sz="2000" b="1"/>
             </a:lvl2pPr>
             <a:lvl3pPr marL="914400" indent="0">
               <a:buNone/>
-              <a:defRPr sz="1600">
-                <a:solidFill>
-                  <a:schemeClr val="tx1">
-                    <a:tint val="75000"/>
-                  </a:schemeClr>
-                </a:solidFill>
-              </a:defRPr>
+              <a:defRPr sz="1800" b="1"/>
             </a:lvl3pPr>
             <a:lvl4pPr marL="1371600" indent="0">
               <a:buNone/>
-              <a:defRPr sz="1400">
-                <a:solidFill>
-                  <a:schemeClr val="tx1">
-                    <a:tint val="75000"/>
-                  </a:schemeClr>
-                </a:solidFill>
-              </a:defRPr>
+              <a:defRPr sz="1600" b="1"/>
             </a:lvl4pPr>
             <a:lvl5pPr marL="1828800" indent="0">
               <a:buNone/>
-              <a:defRPr sz="1400">
-                <a:solidFill>
-                  <a:schemeClr val="tx1">
-                    <a:tint val="75000"/>
-                  </a:schemeClr>
-                </a:solidFill>
-              </a:defRPr>
+              <a:defRPr sz="1600" b="1"/>
             </a:lvl5pPr>
             <a:lvl6pPr marL="2286000" indent="0">
               <a:buNone/>
-              <a:defRPr sz="1400">
-                <a:solidFill>
-                  <a:schemeClr val="tx1">
-                    <a:tint val="75000"/>
-                  </a:schemeClr>
-                </a:solidFill>
-              </a:defRPr>
+              <a:defRPr sz="1600" b="1"/>
             </a:lvl6pPr>
             <a:lvl7pPr marL="2743200" indent="0">
               <a:buNone/>
-              <a:defRPr sz="1400">
-                <a:solidFill>
-                  <a:schemeClr val="tx1">
-                    <a:tint val="75000"/>
-                  </a:schemeClr>
-                </a:solidFill>
-              </a:defRPr>
+              <a:defRPr sz="1600" b="1"/>
             </a:lvl7pPr>
             <a:lvl8pPr marL="3200400" indent="0">
               <a:buNone/>
-              <a:defRPr sz="1400">
-                <a:solidFill>
-                  <a:schemeClr val="tx1">
-                    <a:tint val="75000"/>
-                  </a:schemeClr>
-                </a:solidFill>
-              </a:defRPr>
+              <a:defRPr sz="1600" b="1"/>
             </a:lvl8pPr>
             <a:lvl9pPr marL="3657600" indent="0">
               <a:buNone/>
-              <a:defRPr sz="1400">
-                <a:solidFill>
-                  <a:schemeClr val="tx1">
-                    <a:tint val="75000"/>
-                  </a:schemeClr>
-                </a:solidFill>
-              </a:defRPr>
+              <a:defRPr sz="1600" b="1"/>
             </a:lvl9pPr>
           </a:lstStyle>
           <a:p>
             <a:pPr lvl="0"/>
             <a:r>
               <a:rPr lang="en-US"/>
-              <a:t>Edit Master text styles</a:t>
-            </a:r>
-          </a:p>
-        </p:txBody>
-      </p:sp>
-      <p:sp>
-        <p:nvSpPr>
-          <p:cNvPr id="4" name="Date Placeholder 3"/>
+              <a:t>Click to edit Master text styles</a:t>
+            </a:r>
+          </a:p>
+        </p:txBody>
+      </p:sp>
+      <p:sp>
+        <p:nvSpPr>
+          <p:cNvPr id="26" name="Picture Placeholder 2"/>
+          <p:cNvSpPr>
+            <a:spLocks noGrp="1" noChangeAspect="1"/>
+          </p:cNvSpPr>
+          <p:nvPr>
+            <p:ph type="pic" idx="22"/>
+          </p:nvPr>
+        </p:nvSpPr>
+        <p:spPr>
+          <a:xfrm>
+            <a:off x="6056774" y="1934432"/>
+            <a:ext cx="2319276" cy="1607294"/>
+          </a:xfrm>
+          <a:prstGeom prst="roundRect">
+            <a:avLst>
+              <a:gd name="adj" fmla="val 1858"/>
+            </a:avLst>
+          </a:prstGeom>
+          <a:effectLst>
+            <a:outerShdw blurRad="38100" dist="25400" dir="4440000">
+              <a:srgbClr val="000000">
+                <a:alpha val="36000"/>
+              </a:srgbClr>
+            </a:outerShdw>
+          </a:effectLst>
+        </p:spPr>
+        <p:txBody>
+          <a:bodyPr anchor="t">
+            <a:normAutofit/>
+          </a:bodyPr>
+          <a:lstStyle>
+            <a:lvl1pPr marL="0" indent="0" algn="ctr">
+              <a:buNone/>
+              <a:defRPr sz="1600"/>
+            </a:lvl1pPr>
+            <a:lvl2pPr marL="457200" indent="0">
+              <a:buNone/>
+              <a:defRPr sz="1600"/>
+            </a:lvl2pPr>
+            <a:lvl3pPr marL="914400" indent="0">
+              <a:buNone/>
+              <a:defRPr sz="1600"/>
+            </a:lvl3pPr>
+            <a:lvl4pPr marL="1371600" indent="0">
+              <a:buNone/>
+              <a:defRPr sz="1600"/>
+            </a:lvl4pPr>
+            <a:lvl5pPr marL="1828800" indent="0">
+              <a:buNone/>
+              <a:defRPr sz="1600"/>
+            </a:lvl5pPr>
+            <a:lvl6pPr marL="2286000" indent="0">
+              <a:buNone/>
+              <a:defRPr sz="1600"/>
+            </a:lvl6pPr>
+            <a:lvl7pPr marL="2743200" indent="0">
+              <a:buNone/>
+              <a:defRPr sz="1600"/>
+            </a:lvl7pPr>
+            <a:lvl8pPr marL="3200400" indent="0">
+              <a:buNone/>
+              <a:defRPr sz="1600"/>
+            </a:lvl8pPr>
+            <a:lvl9pPr marL="3657600" indent="0">
+              <a:buNone/>
+              <a:defRPr sz="1600"/>
+            </a:lvl9pPr>
+          </a:lstStyle>
+          <a:p>
+            <a:r>
+              <a:rPr lang="en-US"/>
+              <a:t>Click icon to add picture</a:t>
+            </a:r>
+            <a:endParaRPr lang="en-US" dirty="0"/>
+          </a:p>
+        </p:txBody>
+      </p:sp>
+      <p:sp>
+        <p:nvSpPr>
+          <p:cNvPr id="27" name="Text Placeholder 3"/>
+          <p:cNvSpPr>
+            <a:spLocks noGrp="1"/>
+          </p:cNvSpPr>
+          <p:nvPr>
+            <p:ph type="body" sz="half" idx="20"/>
+          </p:nvPr>
+        </p:nvSpPr>
+        <p:spPr>
+          <a:xfrm>
+            <a:off x="5974929" y="4480366"/>
+            <a:ext cx="2475738" cy="1310835"/>
+          </a:xfrm>
+        </p:spPr>
+        <p:txBody>
+          <a:bodyPr anchor="t">
+            <a:normAutofit/>
+          </a:bodyPr>
+          <a:lstStyle>
+            <a:lvl1pPr marL="0" indent="0" algn="ctr">
+              <a:buNone/>
+              <a:defRPr sz="1400"/>
+            </a:lvl1pPr>
+            <a:lvl2pPr marL="457200" indent="0">
+              <a:buNone/>
+              <a:defRPr sz="1200"/>
+            </a:lvl2pPr>
+            <a:lvl3pPr marL="914400" indent="0">
+              <a:buNone/>
+              <a:defRPr sz="1000"/>
+            </a:lvl3pPr>
+            <a:lvl4pPr marL="1371600" indent="0">
+              <a:buNone/>
+              <a:defRPr sz="900"/>
+            </a:lvl4pPr>
+            <a:lvl5pPr marL="1828800" indent="0">
+              <a:buNone/>
+              <a:defRPr sz="900"/>
+            </a:lvl5pPr>
+            <a:lvl6pPr marL="2286000" indent="0">
+              <a:buNone/>
+              <a:defRPr sz="900"/>
+            </a:lvl6pPr>
+            <a:lvl7pPr marL="2743200" indent="0">
+              <a:buNone/>
+              <a:defRPr sz="900"/>
+            </a:lvl7pPr>
+            <a:lvl8pPr marL="3200400" indent="0">
+              <a:buNone/>
+              <a:defRPr sz="900"/>
+            </a:lvl8pPr>
+            <a:lvl9pPr marL="3657600" indent="0">
+              <a:buNone/>
+              <a:defRPr sz="900"/>
+            </a:lvl9pPr>
+          </a:lstStyle>
+          <a:p>
+            <a:pPr lvl="0"/>
+            <a:r>
+              <a:rPr lang="en-US"/>
+              <a:t>Click to edit Master text styles</a:t>
+            </a:r>
+          </a:p>
+        </p:txBody>
+      </p:sp>
+      <p:sp>
+        <p:nvSpPr>
+          <p:cNvPr id="3" name="Date Placeholder 2"/>
           <p:cNvSpPr>
             <a:spLocks noGrp="1"/>
           </p:cNvSpPr>
@@ -2998,7 +3264,7 @@
       </p:sp>
       <p:sp>
         <p:nvSpPr>
-          <p:cNvPr id="5" name="Footer Placeholder 4"/>
+          <p:cNvPr id="4" name="Footer Placeholder 3"/>
           <p:cNvSpPr>
             <a:spLocks noGrp="1"/>
           </p:cNvSpPr>
@@ -3017,7 +3283,7 @@
       </p:sp>
       <p:sp>
         <p:nvSpPr>
-          <p:cNvPr id="6" name="Slide Number Placeholder 5"/>
+          <p:cNvPr id="5" name="Slide Number Placeholder 4"/>
           <p:cNvSpPr>
             <a:spLocks noGrp="1"/>
           </p:cNvSpPr>
@@ -3041,7 +3307,7 @@
     </p:spTree>
     <p:extLst>
       <p:ext uri="{BB962C8B-B14F-4D97-AF65-F5344CB8AC3E}">
-        <p14:creationId xmlns:p14="http://schemas.microsoft.com/office/powerpoint/2010/main" val="510918673"/>
+        <p14:creationId xmlns:p14="http://schemas.microsoft.com/office/powerpoint/2010/main" val="1566707297"/>
       </p:ext>
     </p:extLst>
   </p:cSld>
@@ -3070,7 +3336,7 @@
       </p:grpSpPr>
       <p:sp>
         <p:nvSpPr>
-          <p:cNvPr id="7" name="Title 1"/>
+          <p:cNvPr id="2" name="Title 1"/>
           <p:cNvSpPr>
             <a:spLocks noGrp="1"/>
           </p:cNvSpPr>
@@ -3078,12 +3344,7 @@
             <p:ph type="title"/>
           </p:nvPr>
         </p:nvSpPr>
-        <p:spPr>
-          <a:xfrm>
-            <a:off x="818347" y="596018"/>
-            <a:ext cx="7511473" cy="1312480"/>
-          </a:xfrm>
-        </p:spPr>
+        <p:spPr/>
         <p:txBody>
           <a:bodyPr/>
           <a:lstStyle/>
@@ -3114,7 +3375,7 @@
             <a:pPr lvl="0"/>
             <a:r>
               <a:rPr lang="en-US"/>
-              <a:t>Edit Master text styles</a:t>
+              <a:t>Click to edit Master text styles</a:t>
             </a:r>
           </a:p>
           <a:p>
@@ -3216,7 +3477,7 @@
     </p:spTree>
     <p:extLst>
       <p:ext uri="{BB962C8B-B14F-4D97-AF65-F5344CB8AC3E}">
-        <p14:creationId xmlns:p14="http://schemas.microsoft.com/office/powerpoint/2010/main" val="1718933819"/>
+        <p14:creationId xmlns:p14="http://schemas.microsoft.com/office/powerpoint/2010/main" val="3721452234"/>
       </p:ext>
     </p:extLst>
   </p:cSld>
@@ -3255,13 +3516,17 @@
         </p:nvSpPr>
         <p:spPr>
           <a:xfrm>
-            <a:off x="6551708" y="596018"/>
-            <a:ext cx="1778112" cy="5506042"/>
+            <a:off x="6737302" y="609600"/>
+            <a:ext cx="1713365" cy="5181601"/>
           </a:xfrm>
         </p:spPr>
         <p:txBody>
           <a:bodyPr vert="eaVert"/>
-          <a:lstStyle/>
+          <a:lstStyle>
+            <a:lvl1pPr algn="l">
+              <a:defRPr/>
+            </a:lvl1pPr>
+          </a:lstStyle>
           <a:p>
             <a:r>
               <a:rPr lang="en-US"/>
@@ -3283,8 +3548,8 @@
         </p:nvSpPr>
         <p:spPr>
           <a:xfrm>
-            <a:off x="818347" y="596018"/>
-            <a:ext cx="5624137" cy="5506042"/>
+            <a:off x="685347" y="609600"/>
+            <a:ext cx="5937654" cy="5181601"/>
           </a:xfrm>
         </p:spPr>
         <p:txBody>
@@ -3294,7 +3559,7 @@
             <a:pPr lvl="0"/>
             <a:r>
               <a:rPr lang="en-US"/>
-              <a:t>Edit Master text styles</a:t>
+              <a:t>Click to edit Master text styles</a:t>
             </a:r>
           </a:p>
           <a:p>
@@ -3396,7 +3661,7 @@
     </p:spTree>
     <p:extLst>
       <p:ext uri="{BB962C8B-B14F-4D97-AF65-F5344CB8AC3E}">
-        <p14:creationId xmlns:p14="http://schemas.microsoft.com/office/powerpoint/2010/main" val="2137899945"/>
+        <p14:creationId xmlns:p14="http://schemas.microsoft.com/office/powerpoint/2010/main" val="629939756"/>
       </p:ext>
     </p:extLst>
   </p:cSld>
@@ -3458,13 +3723,13 @@
         </p:nvSpPr>
         <p:spPr/>
         <p:txBody>
-          <a:bodyPr anchor="ctr"/>
+          <a:bodyPr/>
           <a:lstStyle/>
           <a:p>
             <a:pPr lvl="0"/>
             <a:r>
               <a:rPr lang="en-US"/>
-              <a:t>Edit Master text styles</a:t>
+              <a:t>Click to edit Master text styles</a:t>
             </a:r>
           </a:p>
           <a:p>
@@ -3566,7 +3831,7 @@
     </p:spTree>
     <p:extLst>
       <p:ext uri="{BB962C8B-B14F-4D97-AF65-F5344CB8AC3E}">
-        <p14:creationId xmlns:p14="http://schemas.microsoft.com/office/powerpoint/2010/main" val="2107223676"/>
+        <p14:creationId xmlns:p14="http://schemas.microsoft.com/office/powerpoint/2010/main" val="3668051443"/>
       </p:ext>
     </p:extLst>
   </p:cSld>
@@ -3605,17 +3870,15 @@
         </p:nvSpPr>
         <p:spPr>
           <a:xfrm>
-            <a:off x="819314" y="3270698"/>
-            <a:ext cx="7510506" cy="1823305"/>
+            <a:off x="971551" y="1761068"/>
+            <a:ext cx="7192913" cy="1828813"/>
           </a:xfrm>
         </p:spPr>
         <p:txBody>
-          <a:bodyPr anchor="b">
-            <a:normAutofit/>
-          </a:bodyPr>
+          <a:bodyPr anchor="b"/>
           <a:lstStyle>
-            <a:lvl1pPr algn="r">
-              <a:defRPr sz="2800" b="0" cap="all"/>
+            <a:lvl1pPr algn="ctr">
+              <a:defRPr sz="4000" b="0" cap="none"/>
             </a:lvl1pPr>
           </a:lstStyle>
           <a:p>
@@ -3639,32 +3902,19 @@
         </p:nvSpPr>
         <p:spPr>
           <a:xfrm>
-            <a:off x="819314" y="5103810"/>
-            <a:ext cx="7510506" cy="998250"/>
+            <a:off x="971551" y="3589879"/>
+            <a:ext cx="7192913" cy="1507054"/>
           </a:xfrm>
         </p:spPr>
         <p:txBody>
-          <a:bodyPr anchor="t">
-            <a:normAutofit/>
-          </a:bodyPr>
+          <a:bodyPr anchor="t"/>
           <a:lstStyle>
-            <a:lvl1pPr marL="0" indent="0" algn="r">
-              <a:buNone/>
-              <a:defRPr sz="1800">
-                <a:gradFill flip="none" rotWithShape="1">
-                  <a:gsLst>
-                    <a:gs pos="0">
-                      <a:schemeClr val="tx1"/>
-                    </a:gs>
-                    <a:gs pos="100000">
-                      <a:schemeClr val="tx1">
-                        <a:lumMod val="75000"/>
-                      </a:schemeClr>
-                    </a:gs>
-                  </a:gsLst>
-                  <a:lin ang="5400000" scaled="0"/>
-                  <a:tileRect/>
-                </a:gradFill>
+            <a:lvl1pPr marL="0" indent="0" algn="ctr">
+              <a:buNone/>
+              <a:defRPr sz="2000">
+                <a:solidFill>
+                  <a:schemeClr val="tx1"/>
+                </a:solidFill>
               </a:defRPr>
             </a:lvl1pPr>
             <a:lvl2pPr marL="457200" indent="0">
@@ -3752,7 +4002,7 @@
             <a:pPr lvl="0"/>
             <a:r>
               <a:rPr lang="en-US"/>
-              <a:t>Edit Master text styles</a:t>
+              <a:t>Click to edit Master text styles</a:t>
             </a:r>
           </a:p>
         </p:txBody>
@@ -3825,7 +4075,7 @@
     </p:spTree>
     <p:extLst>
       <p:ext uri="{BB962C8B-B14F-4D97-AF65-F5344CB8AC3E}">
-        <p14:creationId xmlns:p14="http://schemas.microsoft.com/office/powerpoint/2010/main" val="3868646564"/>
+        <p14:creationId xmlns:p14="http://schemas.microsoft.com/office/powerpoint/2010/main" val="3721810519"/>
       </p:ext>
     </p:extLst>
   </p:cSld>
@@ -3887,48 +4137,20 @@
         </p:nvSpPr>
         <p:spPr>
           <a:xfrm>
-            <a:off x="818347" y="2060898"/>
-            <a:ext cx="3685073" cy="4031331"/>
+            <a:off x="685347" y="1732449"/>
+            <a:ext cx="3795373" cy="4058750"/>
           </a:xfrm>
         </p:spPr>
         <p:txBody>
-          <a:bodyPr>
+          <a:bodyPr anchor="t">
             <a:normAutofit/>
           </a:bodyPr>
-          <a:lstStyle>
-            <a:lvl1pPr>
-              <a:defRPr sz="1600"/>
-            </a:lvl1pPr>
-            <a:lvl2pPr>
-              <a:defRPr sz="1400"/>
-            </a:lvl2pPr>
-            <a:lvl3pPr>
-              <a:defRPr sz="1200"/>
-            </a:lvl3pPr>
-            <a:lvl4pPr>
-              <a:defRPr sz="1100"/>
-            </a:lvl4pPr>
-            <a:lvl5pPr>
-              <a:defRPr sz="1100"/>
-            </a:lvl5pPr>
-            <a:lvl6pPr>
-              <a:defRPr sz="1100"/>
-            </a:lvl6pPr>
-            <a:lvl7pPr>
-              <a:defRPr sz="1100"/>
-            </a:lvl7pPr>
-            <a:lvl8pPr>
-              <a:defRPr sz="1100"/>
-            </a:lvl8pPr>
-            <a:lvl9pPr>
-              <a:defRPr sz="1100"/>
-            </a:lvl9pPr>
-          </a:lstStyle>
+          <a:lstStyle/>
           <a:p>
             <a:pPr lvl="0"/>
             <a:r>
               <a:rPr lang="en-US"/>
-              <a:t>Edit Master text styles</a:t>
+              <a:t>Click to edit Master text styles</a:t>
             </a:r>
           </a:p>
           <a:p>
@@ -3974,48 +4196,20 @@
         </p:nvSpPr>
         <p:spPr>
           <a:xfrm>
-            <a:off x="4640580" y="2060898"/>
-            <a:ext cx="3689239" cy="4031330"/>
+            <a:off x="4652169" y="1732450"/>
+            <a:ext cx="3798499" cy="4058751"/>
           </a:xfrm>
         </p:spPr>
         <p:txBody>
-          <a:bodyPr>
+          <a:bodyPr anchor="t">
             <a:normAutofit/>
           </a:bodyPr>
-          <a:lstStyle>
-            <a:lvl1pPr>
-              <a:defRPr sz="1600"/>
-            </a:lvl1pPr>
-            <a:lvl2pPr>
-              <a:defRPr sz="1400"/>
-            </a:lvl2pPr>
-            <a:lvl3pPr>
-              <a:defRPr sz="1200"/>
-            </a:lvl3pPr>
-            <a:lvl4pPr>
-              <a:defRPr sz="1100"/>
-            </a:lvl4pPr>
-            <a:lvl5pPr>
-              <a:defRPr sz="1100"/>
-            </a:lvl5pPr>
-            <a:lvl6pPr>
-              <a:defRPr sz="1100"/>
-            </a:lvl6pPr>
-            <a:lvl7pPr>
-              <a:defRPr sz="1100"/>
-            </a:lvl7pPr>
-            <a:lvl8pPr>
-              <a:defRPr sz="1100"/>
-            </a:lvl8pPr>
-            <a:lvl9pPr>
-              <a:defRPr sz="1100"/>
-            </a:lvl9pPr>
-          </a:lstStyle>
+          <a:lstStyle/>
           <a:p>
             <a:pPr lvl="0"/>
             <a:r>
               <a:rPr lang="en-US"/>
-              <a:t>Edit Master text styles</a:t>
+              <a:t>Click to edit Master text styles</a:t>
             </a:r>
           </a:p>
           <a:p>
@@ -4117,7 +4311,7 @@
     </p:spTree>
     <p:extLst>
       <p:ext uri="{BB962C8B-B14F-4D97-AF65-F5344CB8AC3E}">
-        <p14:creationId xmlns:p14="http://schemas.microsoft.com/office/powerpoint/2010/main" val="2070450026"/>
+        <p14:creationId xmlns:p14="http://schemas.microsoft.com/office/powerpoint/2010/main" val="2294604878"/>
       </p:ext>
     </p:extLst>
   </p:cSld>
@@ -4144,6 +4338,66 @@
           <a:chExt cx="0" cy="0"/>
         </a:xfrm>
       </p:grpSpPr>
+      <p:pic>
+        <p:nvPicPr>
+          <p:cNvPr id="10" name="Picture 9" descr="Slate-V2-SD-compPhotoInset.png"/>
+          <p:cNvPicPr>
+            <a:picLocks noChangeAspect="1"/>
+          </p:cNvPicPr>
+          <p:nvPr/>
+        </p:nvPicPr>
+        <p:blipFill>
+          <a:blip r:embed="rId2">
+            <a:extLst>
+              <a:ext uri="{28A0092B-C50C-407E-A947-70E740481C1C}">
+                <a14:useLocalDpi xmlns:a14="http://schemas.microsoft.com/office/drawing/2010/main" val="0"/>
+              </a:ext>
+            </a:extLst>
+          </a:blip>
+          <a:stretch>
+            <a:fillRect/>
+          </a:stretch>
+        </p:blipFill>
+        <p:spPr>
+          <a:xfrm>
+            <a:off x="685345" y="1770323"/>
+            <a:ext cx="3787423" cy="4112953"/>
+          </a:xfrm>
+          <a:prstGeom prst="rect">
+            <a:avLst/>
+          </a:prstGeom>
+        </p:spPr>
+      </p:pic>
+      <p:pic>
+        <p:nvPicPr>
+          <p:cNvPr id="14" name="Picture 13" descr="Slate-V2-SD-compPhotoInset.png"/>
+          <p:cNvPicPr>
+            <a:picLocks noChangeAspect="1"/>
+          </p:cNvPicPr>
+          <p:nvPr/>
+        </p:nvPicPr>
+        <p:blipFill>
+          <a:blip r:embed="rId2">
+            <a:extLst>
+              <a:ext uri="{28A0092B-C50C-407E-A947-70E740481C1C}">
+                <a14:useLocalDpi xmlns:a14="http://schemas.microsoft.com/office/drawing/2010/main" val="0"/>
+              </a:ext>
+            </a:extLst>
+          </a:blip>
+          <a:stretch>
+            <a:fillRect/>
+          </a:stretch>
+        </p:blipFill>
+        <p:spPr>
+          <a:xfrm>
+            <a:off x="4663245" y="1770323"/>
+            <a:ext cx="3787423" cy="4112953"/>
+          </a:xfrm>
+          <a:prstGeom prst="rect">
+            <a:avLst/>
+          </a:prstGeom>
+        </p:spPr>
+      </p:pic>
       <p:sp>
         <p:nvSpPr>
           <p:cNvPr id="2" name="Title 1"/>
@@ -4183,8 +4437,8 @@
         </p:nvSpPr>
         <p:spPr>
           <a:xfrm>
-            <a:off x="1106306" y="2060898"/>
-            <a:ext cx="3397113" cy="733596"/>
+            <a:off x="754404" y="1835254"/>
+            <a:ext cx="3657258" cy="544884"/>
           </a:xfrm>
         </p:spPr>
         <p:txBody>
@@ -4192,9 +4446,9 @@
             <a:noAutofit/>
           </a:bodyPr>
           <a:lstStyle>
-            <a:lvl1pPr marL="0" indent="0">
-              <a:buNone/>
-              <a:defRPr sz="2200" b="0"/>
+            <a:lvl1pPr marL="0" indent="0" algn="ctr">
+              <a:buNone/>
+              <a:defRPr sz="2400" b="0"/>
             </a:lvl1pPr>
             <a:lvl2pPr marL="457200" indent="0">
               <a:buNone/>
@@ -4233,7 +4487,7 @@
             <a:pPr lvl="0"/>
             <a:r>
               <a:rPr lang="en-US"/>
-              <a:t>Edit Master text styles</a:t>
+              <a:t>Click to edit Master text styles</a:t>
             </a:r>
           </a:p>
         </p:txBody>
@@ -4250,8 +4504,8 @@
         </p:nvSpPr>
         <p:spPr>
           <a:xfrm>
-            <a:off x="818347" y="2786027"/>
-            <a:ext cx="3685073" cy="3316033"/>
+            <a:off x="754404" y="2380138"/>
+            <a:ext cx="3657258" cy="3411063"/>
           </a:xfrm>
         </p:spPr>
         <p:txBody>
@@ -4260,38 +4514,26 @@
           </a:bodyPr>
           <a:lstStyle>
             <a:lvl1pPr>
-              <a:defRPr sz="1600"/>
+              <a:defRPr sz="1800"/>
             </a:lvl1pPr>
             <a:lvl2pPr>
-              <a:defRPr sz="1400"/>
+              <a:defRPr sz="1600"/>
             </a:lvl2pPr>
             <a:lvl3pPr>
-              <a:defRPr sz="1200"/>
+              <a:defRPr sz="1400"/>
             </a:lvl3pPr>
             <a:lvl4pPr>
-              <a:defRPr sz="1100"/>
+              <a:defRPr sz="1200"/>
             </a:lvl4pPr>
             <a:lvl5pPr>
-              <a:defRPr sz="1100"/>
+              <a:defRPr sz="1200"/>
             </a:lvl5pPr>
-            <a:lvl6pPr>
-              <a:defRPr sz="1100"/>
-            </a:lvl6pPr>
-            <a:lvl7pPr>
-              <a:defRPr sz="1100"/>
-            </a:lvl7pPr>
-            <a:lvl8pPr>
-              <a:defRPr sz="1100"/>
-            </a:lvl8pPr>
-            <a:lvl9pPr>
-              <a:defRPr sz="1100"/>
-            </a:lvl9pPr>
           </a:lstStyle>
           <a:p>
             <a:pPr lvl="0"/>
             <a:r>
               <a:rPr lang="en-US"/>
-              <a:t>Edit Master text styles</a:t>
+              <a:t>Click to edit Master text styles</a:t>
             </a:r>
           </a:p>
           <a:p>
@@ -4337,8 +4579,8 @@
         </p:nvSpPr>
         <p:spPr>
           <a:xfrm>
-            <a:off x="4910150" y="2060898"/>
-            <a:ext cx="3419670" cy="725129"/>
+            <a:off x="4721225" y="1835255"/>
+            <a:ext cx="3671498" cy="544883"/>
           </a:xfrm>
         </p:spPr>
         <p:txBody>
@@ -4346,9 +4588,9 @@
             <a:noAutofit/>
           </a:bodyPr>
           <a:lstStyle>
-            <a:lvl1pPr marL="0" indent="0">
-              <a:buNone/>
-              <a:defRPr sz="2200" b="0"/>
+            <a:lvl1pPr marL="0" indent="0" algn="ctr">
+              <a:buNone/>
+              <a:defRPr sz="2400" b="0"/>
             </a:lvl1pPr>
             <a:lvl2pPr marL="457200" indent="0">
               <a:buNone/>
@@ -4387,7 +4629,7 @@
             <a:pPr lvl="0"/>
             <a:r>
               <a:rPr lang="en-US"/>
-              <a:t>Edit Master text styles</a:t>
+              <a:t>Click to edit Master text styles</a:t>
             </a:r>
           </a:p>
         </p:txBody>
@@ -4404,8 +4646,8 @@
         </p:nvSpPr>
         <p:spPr>
           <a:xfrm>
-            <a:off x="4629165" y="2786027"/>
-            <a:ext cx="3701520" cy="3316033"/>
+            <a:off x="4721225" y="2380138"/>
+            <a:ext cx="3671498" cy="3411063"/>
           </a:xfrm>
         </p:spPr>
         <p:txBody>
@@ -4414,38 +4656,26 @@
           </a:bodyPr>
           <a:lstStyle>
             <a:lvl1pPr>
-              <a:defRPr sz="1600"/>
+              <a:defRPr sz="1800"/>
             </a:lvl1pPr>
             <a:lvl2pPr>
-              <a:defRPr sz="1400"/>
+              <a:defRPr sz="1600"/>
             </a:lvl2pPr>
             <a:lvl3pPr>
-              <a:defRPr sz="1200"/>
+              <a:defRPr sz="1400"/>
             </a:lvl3pPr>
             <a:lvl4pPr>
-              <a:defRPr sz="1100"/>
+              <a:defRPr sz="1200"/>
             </a:lvl4pPr>
             <a:lvl5pPr>
-              <a:defRPr sz="1100"/>
+              <a:defRPr sz="1200"/>
             </a:lvl5pPr>
-            <a:lvl6pPr>
-              <a:defRPr sz="1100"/>
-            </a:lvl6pPr>
-            <a:lvl7pPr>
-              <a:defRPr sz="1100"/>
-            </a:lvl7pPr>
-            <a:lvl8pPr>
-              <a:defRPr sz="1100"/>
-            </a:lvl8pPr>
-            <a:lvl9pPr>
-              <a:defRPr sz="1100"/>
-            </a:lvl9pPr>
           </a:lstStyle>
           <a:p>
             <a:pPr lvl="0"/>
             <a:r>
               <a:rPr lang="en-US"/>
-              <a:t>Edit Master text styles</a:t>
+              <a:t>Click to edit Master text styles</a:t>
             </a:r>
           </a:p>
           <a:p>
@@ -4547,7 +4777,7 @@
     </p:spTree>
     <p:extLst>
       <p:ext uri="{BB962C8B-B14F-4D97-AF65-F5344CB8AC3E}">
-        <p14:creationId xmlns:p14="http://schemas.microsoft.com/office/powerpoint/2010/main" val="679721706"/>
+        <p14:creationId xmlns:p14="http://schemas.microsoft.com/office/powerpoint/2010/main" val="3147512915"/>
       </p:ext>
     </p:extLst>
   </p:cSld>
@@ -4586,14 +4816,8 @@
         </p:nvSpPr>
         <p:spPr/>
         <p:txBody>
-          <a:bodyPr>
-            <a:normAutofit/>
-          </a:bodyPr>
-          <a:lstStyle>
-            <a:lvl1pPr>
-              <a:defRPr sz="2600"/>
-            </a:lvl1pPr>
-          </a:lstStyle>
+          <a:bodyPr/>
+          <a:lstStyle/>
           <a:p>
             <a:r>
               <a:rPr lang="en-US"/>
@@ -4671,7 +4895,7 @@
     </p:spTree>
     <p:extLst>
       <p:ext uri="{BB962C8B-B14F-4D97-AF65-F5344CB8AC3E}">
-        <p14:creationId xmlns:p14="http://schemas.microsoft.com/office/powerpoint/2010/main" val="3608733949"/>
+        <p14:creationId xmlns:p14="http://schemas.microsoft.com/office/powerpoint/2010/main" val="2043274634"/>
       </p:ext>
     </p:extLst>
   </p:cSld>
@@ -4766,7 +4990,7 @@
     </p:spTree>
     <p:extLst>
       <p:ext uri="{BB962C8B-B14F-4D97-AF65-F5344CB8AC3E}">
-        <p14:creationId xmlns:p14="http://schemas.microsoft.com/office/powerpoint/2010/main" val="2894279877"/>
+        <p14:creationId xmlns:p14="http://schemas.microsoft.com/office/powerpoint/2010/main" val="880979069"/>
       </p:ext>
     </p:extLst>
   </p:cSld>
@@ -4805,8 +5029,8 @@
         </p:nvSpPr>
         <p:spPr>
           <a:xfrm>
-            <a:off x="818347" y="1754928"/>
-            <a:ext cx="2729523" cy="1371600"/>
+            <a:off x="685347" y="609600"/>
+            <a:ext cx="2780167" cy="1821918"/>
           </a:xfrm>
         </p:spPr>
         <p:txBody>
@@ -4814,8 +5038,8 @@
             <a:normAutofit/>
           </a:bodyPr>
           <a:lstStyle>
-            <a:lvl1pPr algn="l">
-              <a:defRPr sz="2200" b="0"/>
+            <a:lvl1pPr algn="ctr">
+              <a:defRPr sz="2400" b="0"/>
             </a:lvl1pPr>
           </a:lstStyle>
           <a:p>
@@ -4839,103 +5063,75 @@
         </p:nvSpPr>
         <p:spPr>
           <a:xfrm>
-            <a:off x="3828856" y="596018"/>
-            <a:ext cx="4500964" cy="5506041"/>
+            <a:off x="3641725" y="609600"/>
+            <a:ext cx="4808943" cy="5181600"/>
           </a:xfrm>
         </p:spPr>
         <p:txBody>
-          <a:bodyPr anchor="ctr">
+          <a:bodyPr>
+            <a:normAutofit/>
+          </a:bodyPr>
+          <a:lstStyle/>
+          <a:p>
+            <a:pPr lvl="0"/>
+            <a:r>
+              <a:rPr lang="en-US"/>
+              <a:t>Click to edit Master text styles</a:t>
+            </a:r>
+          </a:p>
+          <a:p>
+            <a:pPr lvl="1"/>
+            <a:r>
+              <a:rPr lang="en-US"/>
+              <a:t>Second level</a:t>
+            </a:r>
+          </a:p>
+          <a:p>
+            <a:pPr lvl="2"/>
+            <a:r>
+              <a:rPr lang="en-US"/>
+              <a:t>Third level</a:t>
+            </a:r>
+          </a:p>
+          <a:p>
+            <a:pPr lvl="3"/>
+            <a:r>
+              <a:rPr lang="en-US"/>
+              <a:t>Fourth level</a:t>
+            </a:r>
+          </a:p>
+          <a:p>
+            <a:pPr lvl="4"/>
+            <a:r>
+              <a:rPr lang="en-US"/>
+              <a:t>Fifth level</a:t>
+            </a:r>
+            <a:endParaRPr lang="en-US" dirty="0"/>
+          </a:p>
+        </p:txBody>
+      </p:sp>
+      <p:sp>
+        <p:nvSpPr>
+          <p:cNvPr id="4" name="Text Placeholder 3"/>
+          <p:cNvSpPr>
+            <a:spLocks noGrp="1"/>
+          </p:cNvSpPr>
+          <p:nvPr>
+            <p:ph type="body" sz="half" idx="2"/>
+          </p:nvPr>
+        </p:nvSpPr>
+        <p:spPr>
+          <a:xfrm>
+            <a:off x="685347" y="2431518"/>
+            <a:ext cx="2780167" cy="3359681"/>
+          </a:xfrm>
+        </p:spPr>
+        <p:txBody>
+          <a:bodyPr anchor="t">
             <a:normAutofit/>
           </a:bodyPr>
           <a:lstStyle>
-            <a:lvl1pPr>
-              <a:defRPr sz="1800"/>
-            </a:lvl1pPr>
-            <a:lvl2pPr>
-              <a:defRPr sz="1600"/>
-            </a:lvl2pPr>
-            <a:lvl3pPr>
-              <a:defRPr sz="1400"/>
-            </a:lvl3pPr>
-            <a:lvl4pPr>
-              <a:defRPr sz="1200"/>
-            </a:lvl4pPr>
-            <a:lvl5pPr>
-              <a:defRPr sz="1100"/>
-            </a:lvl5pPr>
-            <a:lvl6pPr>
-              <a:defRPr sz="1100"/>
-            </a:lvl6pPr>
-            <a:lvl7pPr>
-              <a:defRPr sz="1100"/>
-            </a:lvl7pPr>
-            <a:lvl8pPr>
-              <a:defRPr sz="1100"/>
-            </a:lvl8pPr>
-            <a:lvl9pPr>
-              <a:defRPr sz="1100"/>
-            </a:lvl9pPr>
-          </a:lstStyle>
-          <a:p>
-            <a:pPr lvl="0"/>
-            <a:r>
-              <a:rPr lang="en-US"/>
-              <a:t>Edit Master text styles</a:t>
-            </a:r>
-          </a:p>
-          <a:p>
-            <a:pPr lvl="1"/>
-            <a:r>
-              <a:rPr lang="en-US"/>
-              <a:t>Second level</a:t>
-            </a:r>
-          </a:p>
-          <a:p>
-            <a:pPr lvl="2"/>
-            <a:r>
-              <a:rPr lang="en-US"/>
-              <a:t>Third level</a:t>
-            </a:r>
-          </a:p>
-          <a:p>
-            <a:pPr lvl="3"/>
-            <a:r>
-              <a:rPr lang="en-US"/>
-              <a:t>Fourth level</a:t>
-            </a:r>
-          </a:p>
-          <a:p>
-            <a:pPr lvl="4"/>
-            <a:r>
-              <a:rPr lang="en-US"/>
-              <a:t>Fifth level</a:t>
-            </a:r>
-            <a:endParaRPr lang="en-US" dirty="0"/>
-          </a:p>
-        </p:txBody>
-      </p:sp>
-      <p:sp>
-        <p:nvSpPr>
-          <p:cNvPr id="4" name="Text Placeholder 3"/>
-          <p:cNvSpPr>
-            <a:spLocks noGrp="1"/>
-          </p:cNvSpPr>
-          <p:nvPr>
-            <p:ph type="body" sz="half" idx="2"/>
-          </p:nvPr>
-        </p:nvSpPr>
-        <p:spPr>
-          <a:xfrm>
-            <a:off x="818347" y="3126528"/>
-            <a:ext cx="2729523" cy="1828800"/>
-          </a:xfrm>
-        </p:spPr>
-        <p:txBody>
-          <a:bodyPr>
-            <a:normAutofit/>
-          </a:bodyPr>
-          <a:lstStyle>
-            <a:lvl1pPr marL="0" indent="0">
+            <a:lvl1pPr marL="0" indent="0" algn="ctr">
               <a:buNone/>
               <a:defRPr sz="1600"/>
             </a:lvl1pPr>
@@ -4976,7 +5172,7 @@
             <a:pPr lvl="0"/>
             <a:r>
               <a:rPr lang="en-US"/>
-              <a:t>Edit Master text styles</a:t>
+              <a:t>Click to edit Master text styles</a:t>
             </a:r>
           </a:p>
         </p:txBody>
@@ -5049,7 +5245,7 @@
     </p:spTree>
     <p:extLst>
       <p:ext uri="{BB962C8B-B14F-4D97-AF65-F5344CB8AC3E}">
-        <p14:creationId xmlns:p14="http://schemas.microsoft.com/office/powerpoint/2010/main" val="2969853896"/>
+        <p14:creationId xmlns:p14="http://schemas.microsoft.com/office/powerpoint/2010/main" val="3175106406"/>
       </p:ext>
     </p:extLst>
   </p:cSld>
@@ -5076,29 +5272,59 @@
           <a:chExt cx="0" cy="0"/>
         </a:xfrm>
       </p:grpSpPr>
-      <p:sp>
-        <p:nvSpPr>
-          <p:cNvPr id="2" name="Title 1"/>
-          <p:cNvSpPr>
-            <a:spLocks noGrp="1"/>
-          </p:cNvSpPr>
-          <p:nvPr>
-            <p:ph type="title"/>
-          </p:nvPr>
-        </p:nvSpPr>
+      <p:pic>
+        <p:nvPicPr>
+          <p:cNvPr id="12" name="Picture 11" descr="Slate-V2-SD-vertPhotoInset.png"/>
+          <p:cNvPicPr>
+            <a:picLocks noChangeAspect="1"/>
+          </p:cNvPicPr>
+          <p:nvPr/>
+        </p:nvPicPr>
+        <p:blipFill>
+          <a:blip r:embed="rId2">
+            <a:extLst>
+              <a:ext uri="{28A0092B-C50C-407E-A947-70E740481C1C}">
+                <a14:useLocalDpi xmlns:a14="http://schemas.microsoft.com/office/drawing/2010/main" val="0"/>
+              </a:ext>
+            </a:extLst>
+          </a:blip>
+          <a:stretch>
+            <a:fillRect/>
+          </a:stretch>
+        </p:blipFill>
         <p:spPr>
           <a:xfrm>
-            <a:off x="818347" y="1898269"/>
-            <a:ext cx="4423803" cy="1371600"/>
+            <a:off x="4844987" y="609923"/>
+            <a:ext cx="3428146" cy="5205472"/>
+          </a:xfrm>
+          <a:prstGeom prst="rect">
+            <a:avLst/>
+          </a:prstGeom>
+        </p:spPr>
+      </p:pic>
+      <p:sp>
+        <p:nvSpPr>
+          <p:cNvPr id="2" name="Title 1"/>
+          <p:cNvSpPr>
+            <a:spLocks noGrp="1"/>
+          </p:cNvSpPr>
+          <p:nvPr>
+            <p:ph type="title"/>
+          </p:nvPr>
+        </p:nvSpPr>
+        <p:spPr>
+          <a:xfrm>
+            <a:off x="685347" y="609923"/>
+            <a:ext cx="3924676" cy="1829338"/>
           </a:xfrm>
         </p:spPr>
         <p:txBody>
           <a:bodyPr anchor="b">
-            <a:normAutofit/>
+            <a:noAutofit/>
           </a:bodyPr>
           <a:lstStyle>
-            <a:lvl1pPr algn="l">
-              <a:defRPr sz="2400" b="0"/>
+            <a:lvl1pPr algn="ctr">
+              <a:defRPr sz="3200" b="0"/>
             </a:lvl1pPr>
           </a:lstStyle>
           <a:p>
@@ -5112,7 +5338,7 @@
       </p:sp>
       <p:sp>
         <p:nvSpPr>
-          <p:cNvPr id="14" name="Picture Placeholder 2"/>
+          <p:cNvPr id="3" name="Picture Placeholder 2"/>
           <p:cNvSpPr>
             <a:spLocks noGrp="1" noChangeAspect="1"/>
           </p:cNvSpPr>
@@ -5122,31 +5348,15 @@
         </p:nvSpPr>
         <p:spPr>
           <a:xfrm>
-            <a:off x="5515442" y="-18288"/>
-            <a:ext cx="2500062" cy="6903720"/>
+            <a:off x="4976728" y="743989"/>
+            <a:ext cx="3165375" cy="4912822"/>
           </a:xfrm>
-          <a:ln w="38100">
-            <a:gradFill flip="none" rotWithShape="1">
-              <a:gsLst>
-                <a:gs pos="0">
-                  <a:schemeClr val="bg2"/>
-                </a:gs>
-                <a:gs pos="100000">
-                  <a:schemeClr val="bg2">
-                    <a:lumMod val="75000"/>
-                  </a:schemeClr>
-                </a:gs>
-              </a:gsLst>
-              <a:lin ang="5400000" scaled="0"/>
-              <a:tileRect/>
-            </a:gradFill>
-          </a:ln>
           <a:effectLst>
-            <a:innerShdw blurRad="57150" dist="38100" dir="10800000">
+            <a:outerShdw blurRad="38100" dist="25400" dir="4440000">
               <a:srgbClr val="000000">
-                <a:alpha val="70000"/>
+                <a:alpha val="36000"/>
               </a:srgbClr>
-            </a:innerShdw>
+            </a:outerShdw>
           </a:effectLst>
         </p:spPr>
         <p:txBody>
@@ -5212,16 +5422,16 @@
         </p:nvSpPr>
         <p:spPr>
           <a:xfrm>
-            <a:off x="817318" y="3269869"/>
-            <a:ext cx="4423803" cy="1828800"/>
+            <a:off x="685347" y="2439261"/>
+            <a:ext cx="3924676" cy="3376134"/>
           </a:xfrm>
         </p:spPr>
         <p:txBody>
-          <a:bodyPr>
+          <a:bodyPr anchor="t">
             <a:normAutofit/>
           </a:bodyPr>
           <a:lstStyle>
-            <a:lvl1pPr marL="0" indent="0">
+            <a:lvl1pPr marL="0" indent="0" algn="ctr">
               <a:buNone/>
               <a:defRPr sz="1600"/>
             </a:lvl1pPr>
@@ -5262,7 +5472,7 @@
             <a:pPr lvl="0"/>
             <a:r>
               <a:rPr lang="en-US"/>
-              <a:t>Edit Master text styles</a:t>
+              <a:t>Click to edit Master text styles</a:t>
             </a:r>
           </a:p>
         </p:txBody>
@@ -5277,12 +5487,7 @@
             <p:ph type="dt" sz="half" idx="10"/>
           </p:nvPr>
         </p:nvSpPr>
-        <p:spPr>
-          <a:xfrm>
-            <a:off x="4523649" y="6181344"/>
-            <a:ext cx="718502" cy="365125"/>
-          </a:xfrm>
-        </p:spPr>
+        <p:spPr/>
         <p:txBody>
           <a:bodyPr/>
           <a:lstStyle/>
@@ -5305,12 +5510,7 @@
             <p:ph type="ftr" sz="quarter" idx="11"/>
           </p:nvPr>
         </p:nvSpPr>
-        <p:spPr>
-          <a:xfrm>
-            <a:off x="818348" y="6181344"/>
-            <a:ext cx="3705300" cy="365125"/>
-          </a:xfrm>
-        </p:spPr>
+        <p:spPr/>
         <p:txBody>
           <a:bodyPr/>
           <a:lstStyle/>
@@ -5329,12 +5529,7 @@
             <p:ph type="sldNum" sz="quarter" idx="12"/>
           </p:nvPr>
         </p:nvSpPr>
-        <p:spPr>
-          <a:xfrm>
-            <a:off x="8024262" y="6181344"/>
-            <a:ext cx="305186" cy="329250"/>
-          </a:xfrm>
-        </p:spPr>
+        <p:spPr/>
         <p:txBody>
           <a:bodyPr/>
           <a:lstStyle/>
@@ -5350,7 +5545,7 @@
     </p:spTree>
     <p:extLst>
       <p:ext uri="{BB962C8B-B14F-4D97-AF65-F5344CB8AC3E}">
-        <p14:creationId xmlns:p14="http://schemas.microsoft.com/office/powerpoint/2010/main" val="1282302972"/>
+        <p14:creationId xmlns:p14="http://schemas.microsoft.com/office/powerpoint/2010/main" val="151583220"/>
       </p:ext>
     </p:extLst>
   </p:cSld>
@@ -5394,103 +5589,209 @@
         </p:nvSpPr>
         <p:spPr>
           <a:xfrm>
-            <a:off x="818347" y="596018"/>
-            <a:ext cx="7511473" cy="1312480"/>
+            <a:off x="685346" y="609600"/>
+            <a:ext cx="7765322" cy="970450"/>
+          </a:xfrm>
+          <a:prstGeom prst="rect">
+            <a:avLst/>
+          </a:prstGeom>
+          <a:effectLst>
+            <a:outerShdw blurRad="25400" dir="17880000">
+              <a:srgbClr val="000000">
+                <a:alpha val="46000"/>
+              </a:srgbClr>
+            </a:outerShdw>
+          </a:effectLst>
+        </p:spPr>
+        <p:txBody>
+          <a:bodyPr vert="horz" lIns="91440" tIns="45720" rIns="91440" bIns="45720" rtlCol="0" anchor="ctr">
+            <a:normAutofit/>
+          </a:bodyPr>
+          <a:lstStyle/>
+          <a:p>
+            <a:r>
+              <a:rPr lang="en-US"/>
+              <a:t>Click to edit Master title style</a:t>
+            </a:r>
+            <a:endParaRPr lang="en-US" dirty="0"/>
+          </a:p>
+        </p:txBody>
+      </p:sp>
+      <p:sp>
+        <p:nvSpPr>
+          <p:cNvPr id="3" name="Text Placeholder 2"/>
+          <p:cNvSpPr>
+            <a:spLocks noGrp="1"/>
+          </p:cNvSpPr>
+          <p:nvPr>
+            <p:ph type="body" idx="1"/>
+          </p:nvPr>
+        </p:nvSpPr>
+        <p:spPr>
+          <a:xfrm>
+            <a:off x="685346" y="1732450"/>
+            <a:ext cx="7765322" cy="4058751"/>
+          </a:xfrm>
+          <a:prstGeom prst="rect">
+            <a:avLst/>
+          </a:prstGeom>
+          <a:effectLst>
+            <a:outerShdw blurRad="25400" dir="17880000">
+              <a:srgbClr val="000000">
+                <a:alpha val="46000"/>
+              </a:srgbClr>
+            </a:outerShdw>
+          </a:effectLst>
+        </p:spPr>
+        <p:txBody>
+          <a:bodyPr vert="horz" lIns="91440" tIns="45720" rIns="91440" bIns="45720" rtlCol="0" anchor="t">
+            <a:normAutofit/>
+          </a:bodyPr>
+          <a:lstStyle/>
+          <a:p>
+            <a:pPr lvl="0"/>
+            <a:r>
+              <a:rPr lang="en-US"/>
+              <a:t>Click to edit Master text styles</a:t>
+            </a:r>
+          </a:p>
+          <a:p>
+            <a:pPr lvl="1"/>
+            <a:r>
+              <a:rPr lang="en-US"/>
+              <a:t>Second level</a:t>
+            </a:r>
+          </a:p>
+          <a:p>
+            <a:pPr lvl="2"/>
+            <a:r>
+              <a:rPr lang="en-US"/>
+              <a:t>Third level</a:t>
+            </a:r>
+          </a:p>
+          <a:p>
+            <a:pPr lvl="3"/>
+            <a:r>
+              <a:rPr lang="en-US"/>
+              <a:t>Fourth level</a:t>
+            </a:r>
+          </a:p>
+          <a:p>
+            <a:pPr lvl="4"/>
+            <a:r>
+              <a:rPr lang="en-US"/>
+              <a:t>Fifth level</a:t>
+            </a:r>
+            <a:endParaRPr lang="en-US" dirty="0"/>
+          </a:p>
+        </p:txBody>
+      </p:sp>
+      <p:sp>
+        <p:nvSpPr>
+          <p:cNvPr id="4" name="Date Placeholder 3"/>
+          <p:cNvSpPr>
+            <a:spLocks noGrp="1"/>
+          </p:cNvSpPr>
+          <p:nvPr>
+            <p:ph type="dt" sz="half" idx="2"/>
+          </p:nvPr>
+        </p:nvSpPr>
+        <p:spPr>
+          <a:xfrm>
+            <a:off x="5759052" y="5883276"/>
+            <a:ext cx="2057400" cy="365125"/>
           </a:xfrm>
           <a:prstGeom prst="rect">
             <a:avLst/>
           </a:prstGeom>
         </p:spPr>
         <p:txBody>
-          <a:bodyPr vert="horz" lIns="91440" tIns="45720" rIns="91440" bIns="45720" rtlCol="0" anchor="ctr">
-            <a:normAutofit/>
-          </a:bodyPr>
-          <a:lstStyle/>
-          <a:p>
-            <a:r>
-              <a:rPr lang="en-US"/>
-              <a:t>Click to edit Master title style</a:t>
-            </a:r>
-            <a:endParaRPr lang="en-US" dirty="0"/>
-          </a:p>
-        </p:txBody>
-      </p:sp>
-      <p:sp>
-        <p:nvSpPr>
-          <p:cNvPr id="3" name="Text Placeholder 2"/>
-          <p:cNvSpPr>
-            <a:spLocks noGrp="1"/>
-          </p:cNvSpPr>
-          <p:nvPr>
-            <p:ph type="body" idx="1"/>
+          <a:bodyPr vert="horz" lIns="91440" tIns="45720" rIns="91440" bIns="45720" rtlCol="0" anchor="ctr"/>
+          <a:lstStyle>
+            <a:lvl1pPr algn="r">
+              <a:defRPr sz="1000">
+                <a:solidFill>
+                  <a:schemeClr val="tx1">
+                    <a:lumMod val="95000"/>
+                  </a:schemeClr>
+                </a:solidFill>
+                <a:effectLst>
+                  <a:outerShdw blurRad="50800" dist="38100" dir="2700000" algn="tl" rotWithShape="0">
+                    <a:schemeClr val="bg1">
+                      <a:alpha val="43000"/>
+                    </a:schemeClr>
+                  </a:outerShdw>
+                </a:effectLst>
+              </a:defRPr>
+            </a:lvl1pPr>
+          </a:lstStyle>
+          <a:p>
+            <a:fld id="{3AC926F6-494B-48CC-A404-D203D5876B03}" type="datetimeFigureOut">
+              <a:rPr lang="en-IN" smtClean="0"/>
+              <a:t>12-04-2021</a:t>
+            </a:fld>
+            <a:endParaRPr lang="en-IN"/>
+          </a:p>
+        </p:txBody>
+      </p:sp>
+      <p:sp>
+        <p:nvSpPr>
+          <p:cNvPr id="5" name="Footer Placeholder 4"/>
+          <p:cNvSpPr>
+            <a:spLocks noGrp="1"/>
+          </p:cNvSpPr>
+          <p:nvPr>
+            <p:ph type="ftr" sz="quarter" idx="3"/>
           </p:nvPr>
         </p:nvSpPr>
         <p:spPr>
           <a:xfrm>
-            <a:off x="818348" y="2060898"/>
-            <a:ext cx="7511472" cy="4041162"/>
+            <a:off x="685347" y="5883276"/>
+            <a:ext cx="5004649" cy="365125"/>
           </a:xfrm>
           <a:prstGeom prst="rect">
             <a:avLst/>
           </a:prstGeom>
         </p:spPr>
         <p:txBody>
-          <a:bodyPr vert="horz" lIns="91440" tIns="45720" rIns="91440" bIns="45720" rtlCol="0" anchor="ctr">
-            <a:normAutofit/>
-          </a:bodyPr>
-          <a:lstStyle/>
-          <a:p>
-            <a:pPr lvl="0"/>
-            <a:r>
-              <a:rPr lang="en-US"/>
-              <a:t>Edit Master text styles</a:t>
-            </a:r>
-          </a:p>
-          <a:p>
-            <a:pPr lvl="1"/>
-            <a:r>
-              <a:rPr lang="en-US"/>
-              <a:t>Second level</a:t>
-            </a:r>
-          </a:p>
-          <a:p>
-            <a:pPr lvl="2"/>
-            <a:r>
-              <a:rPr lang="en-US"/>
-              <a:t>Third level</a:t>
-            </a:r>
-          </a:p>
-          <a:p>
-            <a:pPr lvl="3"/>
-            <a:r>
-              <a:rPr lang="en-US"/>
-              <a:t>Fourth level</a:t>
-            </a:r>
-          </a:p>
-          <a:p>
-            <a:pPr lvl="4"/>
-            <a:r>
-              <a:rPr lang="en-US"/>
-              <a:t>Fifth level</a:t>
-            </a:r>
-            <a:endParaRPr lang="en-US" dirty="0"/>
-          </a:p>
-        </p:txBody>
-      </p:sp>
-      <p:sp>
-        <p:nvSpPr>
-          <p:cNvPr id="4" name="Date Placeholder 3"/>
-          <p:cNvSpPr>
-            <a:spLocks noGrp="1"/>
-          </p:cNvSpPr>
-          <p:nvPr>
-            <p:ph type="dt" sz="half" idx="2"/>
+          <a:bodyPr vert="horz" lIns="91440" tIns="45720" rIns="91440" bIns="45720" rtlCol="0" anchor="ctr"/>
+          <a:lstStyle>
+            <a:lvl1pPr algn="l">
+              <a:defRPr sz="1000">
+                <a:solidFill>
+                  <a:schemeClr val="tx1">
+                    <a:lumMod val="95000"/>
+                  </a:schemeClr>
+                </a:solidFill>
+                <a:effectLst>
+                  <a:outerShdw blurRad="50800" dist="38100" dir="2700000" algn="tl" rotWithShape="0">
+                    <a:schemeClr val="bg1">
+                      <a:alpha val="43000"/>
+                    </a:schemeClr>
+                  </a:outerShdw>
+                </a:effectLst>
+              </a:defRPr>
+            </a:lvl1pPr>
+          </a:lstStyle>
+          <a:p>
+            <a:endParaRPr lang="en-IN"/>
+          </a:p>
+        </p:txBody>
+      </p:sp>
+      <p:sp>
+        <p:nvSpPr>
+          <p:cNvPr id="6" name="Slide Number Placeholder 5"/>
+          <p:cNvSpPr>
+            <a:spLocks noGrp="1"/>
+          </p:cNvSpPr>
+          <p:nvPr>
+            <p:ph type="sldNum" sz="quarter" idx="4"/>
           </p:nvPr>
         </p:nvSpPr>
         <p:spPr>
           <a:xfrm>
-            <a:off x="6551708" y="6178260"/>
-            <a:ext cx="1287464" cy="365125"/>
+            <a:off x="7885509" y="5883276"/>
+            <a:ext cx="565159" cy="365125"/>
           </a:xfrm>
           <a:prstGeom prst="rect">
             <a:avLst/>
@@ -5500,114 +5801,19 @@
           <a:bodyPr vert="horz" lIns="91440" tIns="45720" rIns="91440" bIns="45720" rtlCol="0" anchor="ctr"/>
           <a:lstStyle>
             <a:lvl1pPr algn="r">
-              <a:defRPr sz="800" b="1" i="0">
+              <a:defRPr sz="1000">
                 <a:solidFill>
                   <a:schemeClr val="tx1">
-                    <a:lumMod val="75000"/>
+                    <a:lumMod val="95000"/>
                   </a:schemeClr>
                 </a:solidFill>
                 <a:effectLst>
                   <a:outerShdw blurRad="50800" dist="38100" dir="2700000" algn="tl" rotWithShape="0">
-                    <a:srgbClr val="000000">
+                    <a:schemeClr val="bg1">
                       <a:alpha val="43000"/>
-                    </a:srgbClr>
+                    </a:schemeClr>
                   </a:outerShdw>
                 </a:effectLst>
-                <a:latin typeface="+mn-lt"/>
-              </a:defRPr>
-            </a:lvl1pPr>
-          </a:lstStyle>
-          <a:p>
-            <a:fld id="{3AC926F6-494B-48CC-A404-D203D5876B03}" type="datetimeFigureOut">
-              <a:rPr lang="en-IN" smtClean="0"/>
-              <a:t>12-04-2021</a:t>
-            </a:fld>
-            <a:endParaRPr lang="en-IN"/>
-          </a:p>
-        </p:txBody>
-      </p:sp>
-      <p:sp>
-        <p:nvSpPr>
-          <p:cNvPr id="5" name="Footer Placeholder 4"/>
-          <p:cNvSpPr>
-            <a:spLocks noGrp="1"/>
-          </p:cNvSpPr>
-          <p:nvPr>
-            <p:ph type="ftr" sz="quarter" idx="3"/>
-          </p:nvPr>
-        </p:nvSpPr>
-        <p:spPr>
-          <a:xfrm>
-            <a:off x="818347" y="6178260"/>
-            <a:ext cx="5624137" cy="365125"/>
-          </a:xfrm>
-          <a:prstGeom prst="rect">
-            <a:avLst/>
-          </a:prstGeom>
-        </p:spPr>
-        <p:txBody>
-          <a:bodyPr vert="horz" lIns="91440" tIns="45720" rIns="91440" bIns="45720" rtlCol="0" anchor="ctr"/>
-          <a:lstStyle>
-            <a:lvl1pPr algn="l">
-              <a:defRPr sz="800" b="1" i="0">
-                <a:solidFill>
-                  <a:schemeClr val="tx1">
-                    <a:lumMod val="75000"/>
-                  </a:schemeClr>
-                </a:solidFill>
-                <a:effectLst>
-                  <a:outerShdw blurRad="50800" dist="38100" dir="2700000" algn="tl" rotWithShape="0">
-                    <a:srgbClr val="000000">
-                      <a:alpha val="43000"/>
-                    </a:srgbClr>
-                  </a:outerShdw>
-                </a:effectLst>
-                <a:latin typeface="+mn-lt"/>
-              </a:defRPr>
-            </a:lvl1pPr>
-          </a:lstStyle>
-          <a:p>
-            <a:endParaRPr lang="en-IN"/>
-          </a:p>
-        </p:txBody>
-      </p:sp>
-      <p:sp>
-        <p:nvSpPr>
-          <p:cNvPr id="6" name="Slide Number Placeholder 5"/>
-          <p:cNvSpPr>
-            <a:spLocks noGrp="1"/>
-          </p:cNvSpPr>
-          <p:nvPr>
-            <p:ph type="sldNum" sz="quarter" idx="4"/>
-          </p:nvPr>
-        </p:nvSpPr>
-        <p:spPr>
-          <a:xfrm>
-            <a:off x="7917202" y="6178260"/>
-            <a:ext cx="413483" cy="365125"/>
-          </a:xfrm>
-          <a:prstGeom prst="rect">
-            <a:avLst/>
-          </a:prstGeom>
-        </p:spPr>
-        <p:txBody>
-          <a:bodyPr vert="horz" lIns="91440" tIns="45720" rIns="91440" bIns="45720" rtlCol="0" anchor="ctr"/>
-          <a:lstStyle>
-            <a:lvl1pPr algn="r">
-              <a:defRPr sz="800" b="1" i="0">
-                <a:solidFill>
-                  <a:schemeClr val="tx1">
-                    <a:lumMod val="75000"/>
-                  </a:schemeClr>
-                </a:solidFill>
-                <a:effectLst>
-                  <a:outerShdw blurRad="50800" dist="38100" dir="2700000" algn="tl" rotWithShape="0">
-                    <a:srgbClr val="000000">
-                      <a:alpha val="43000"/>
-                    </a:srgbClr>
-                  </a:outerShdw>
-                </a:effectLst>
-                <a:latin typeface="+mn-lt"/>
               </a:defRPr>
             </a:lvl1pPr>
           </a:lstStyle>
@@ -5623,72 +5829,60 @@
     </p:spTree>
     <p:extLst>
       <p:ext uri="{BB962C8B-B14F-4D97-AF65-F5344CB8AC3E}">
-        <p14:creationId xmlns:p14="http://schemas.microsoft.com/office/powerpoint/2010/main" val="3349830988"/>
+        <p14:creationId xmlns:p14="http://schemas.microsoft.com/office/powerpoint/2010/main" val="4137687563"/>
       </p:ext>
     </p:extLst>
   </p:cSld>
   <p:clrMap bg1="dk1" tx1="lt1" bg2="dk2" tx2="lt2" accent1="accent1" accent2="accent2" accent3="accent3" accent4="accent4" accent5="accent5" accent6="accent6" hlink="hlink" folHlink="folHlink"/>
   <p:sldLayoutIdLst>
-    <p:sldLayoutId id="2147483745" r:id="rId1"/>
-    <p:sldLayoutId id="2147483746" r:id="rId2"/>
-    <p:sldLayoutId id="2147483747" r:id="rId3"/>
-    <p:sldLayoutId id="2147483748" r:id="rId4"/>
-    <p:sldLayoutId id="2147483749" r:id="rId5"/>
-    <p:sldLayoutId id="2147483750" r:id="rId6"/>
-    <p:sldLayoutId id="2147483751" r:id="rId7"/>
-    <p:sldLayoutId id="2147483752" r:id="rId8"/>
-    <p:sldLayoutId id="2147483753" r:id="rId9"/>
-    <p:sldLayoutId id="2147483754" r:id="rId10"/>
-    <p:sldLayoutId id="2147483755" r:id="rId11"/>
-    <p:sldLayoutId id="2147483756" r:id="rId12"/>
-    <p:sldLayoutId id="2147483757" r:id="rId13"/>
-    <p:sldLayoutId id="2147483758" r:id="rId14"/>
-    <p:sldLayoutId id="2147483759" r:id="rId15"/>
-    <p:sldLayoutId id="2147483760" r:id="rId16"/>
-    <p:sldLayoutId id="2147483761" r:id="rId17"/>
+    <p:sldLayoutId id="2147483943" r:id="rId1"/>
+    <p:sldLayoutId id="2147483944" r:id="rId2"/>
+    <p:sldLayoutId id="2147483945" r:id="rId3"/>
+    <p:sldLayoutId id="2147483946" r:id="rId4"/>
+    <p:sldLayoutId id="2147483947" r:id="rId5"/>
+    <p:sldLayoutId id="2147483948" r:id="rId6"/>
+    <p:sldLayoutId id="2147483949" r:id="rId7"/>
+    <p:sldLayoutId id="2147483950" r:id="rId8"/>
+    <p:sldLayoutId id="2147483951" r:id="rId9"/>
+    <p:sldLayoutId id="2147483952" r:id="rId10"/>
+    <p:sldLayoutId id="2147483953" r:id="rId11"/>
+    <p:sldLayoutId id="2147483954" r:id="rId12"/>
+    <p:sldLayoutId id="2147483955" r:id="rId13"/>
+    <p:sldLayoutId id="2147483956" r:id="rId14"/>
+    <p:sldLayoutId id="2147483957" r:id="rId15"/>
+    <p:sldLayoutId id="2147483958" r:id="rId16"/>
+    <p:sldLayoutId id="2147483959" r:id="rId17"/>
   </p:sldLayoutIdLst>
   <p:txStyles>
     <p:titleStyle>
-      <a:lvl1pPr algn="l" defTabSz="457200" rtl="0" eaLnBrk="1" latinLnBrk="0" hangingPunct="1">
+      <a:lvl1pPr algn="ctr" defTabSz="457200" rtl="0" eaLnBrk="1" latinLnBrk="0" hangingPunct="1">
         <a:spcBef>
           <a:spcPct val="0"/>
         </a:spcBef>
         <a:buNone/>
-        <a:defRPr sz="2800" kern="1200" cap="all">
-          <a:ln w="3175" cmpd="sng">
-            <a:noFill/>
+        <a:defRPr sz="4000" kern="1200">
+          <a:ln>
+            <a:solidFill>
+              <a:schemeClr val="bg1">
+                <a:lumMod val="75000"/>
+                <a:lumOff val="25000"/>
+                <a:alpha val="10000"/>
+              </a:schemeClr>
+            </a:solidFill>
           </a:ln>
-          <a:gradFill flip="none" rotWithShape="1">
-            <a:gsLst>
-              <a:gs pos="0">
-                <a:schemeClr val="tx1"/>
-              </a:gs>
-              <a:gs pos="100000">
-                <a:schemeClr val="tx1">
-                  <a:lumMod val="75000"/>
-                </a:schemeClr>
-              </a:gs>
-            </a:gsLst>
-            <a:lin ang="5400000" scaled="0"/>
-            <a:tileRect/>
-          </a:gradFill>
+          <a:solidFill>
+            <a:schemeClr val="tx2"/>
+          </a:solidFill>
           <a:effectLst>
-            <a:glow rad="38100">
+            <a:outerShdw blurRad="9525" dist="25400" dir="14640000" algn="tl" rotWithShape="0">
               <a:schemeClr val="bg1">
-                <a:lumMod val="65000"/>
-                <a:lumOff val="35000"/>
-                <a:alpha val="40000"/>
+                <a:alpha val="30000"/>
               </a:schemeClr>
-            </a:glow>
-            <a:outerShdw blurRad="28575" dist="38100" dir="14040000" algn="tl" rotWithShape="0">
-              <a:srgbClr val="000000">
-                <a:alpha val="25000"/>
-              </a:srgbClr>
             </a:outerShdw>
           </a:effectLst>
           <a:latin typeface="+mj-lt"/>
           <a:ea typeface="+mj-ea"/>
-          <a:cs typeface="+mj-cs"/>
+          <a:cs typeface="Trebuchet MS"/>
         </a:defRPr>
       </a:lvl1pPr>
       <a:lvl2pPr eaLnBrk="1" hangingPunct="1">
@@ -5749,7 +5943,7 @@
       </a:lvl9pPr>
     </p:titleStyle>
     <p:bodyStyle>
-      <a:lvl1pPr marL="285750" indent="-285750" algn="l" defTabSz="457200" rtl="0" eaLnBrk="1" latinLnBrk="0" hangingPunct="1">
+      <a:lvl1pPr marL="342900" indent="-306000" algn="l" defTabSz="457200" rtl="0" eaLnBrk="1" latinLnBrk="0" hangingPunct="1">
         <a:spcBef>
           <a:spcPct val="20000"/>
         </a:spcBef>
@@ -5757,38 +5951,29 @@
           <a:spcPts val="600"/>
         </a:spcAft>
         <a:buClr>
-          <a:schemeClr val="tx1"/>
+          <a:schemeClr val="tx2"/>
         </a:buClr>
-        <a:buSzPct val="130000"/>
-        <a:buFont typeface="Arial"/>
-        <a:buChar char="•"/>
-        <a:defRPr sz="1800" kern="1200" cap="small">
-          <a:gradFill flip="none" rotWithShape="1">
-            <a:gsLst>
-              <a:gs pos="0">
-                <a:schemeClr val="tx1"/>
-              </a:gs>
-              <a:gs pos="100000">
-                <a:schemeClr val="tx1">
-                  <a:lumMod val="75000"/>
-                </a:schemeClr>
-              </a:gs>
-            </a:gsLst>
-            <a:lin ang="5400000" scaled="0"/>
-            <a:tileRect/>
-          </a:gradFill>
+        <a:buSzPct val="70000"/>
+        <a:buFont typeface="Wingdings 2" charset="2"/>
+        <a:buChar char=""/>
+        <a:defRPr sz="2000" kern="1200">
+          <a:ln>
+            <a:solidFill>
+              <a:schemeClr val="bg1">
+                <a:lumMod val="75000"/>
+                <a:lumOff val="25000"/>
+                <a:alpha val="10000"/>
+              </a:schemeClr>
+            </a:solidFill>
+          </a:ln>
+          <a:solidFill>
+            <a:schemeClr val="tx2"/>
+          </a:solidFill>
           <a:effectLst>
-            <a:glow rad="38100">
+            <a:outerShdw blurRad="9525" dist="25400" dir="14640000" algn="tl" rotWithShape="0">
               <a:schemeClr val="bg1">
-                <a:lumMod val="50000"/>
-                <a:lumOff val="50000"/>
-                <a:alpha val="20000"/>
+                <a:alpha val="30000"/>
               </a:schemeClr>
-            </a:glow>
-            <a:outerShdw blurRad="44450" dist="12700" dir="13860000" algn="tl" rotWithShape="0">
-              <a:srgbClr val="000000">
-                <a:alpha val="20000"/>
-              </a:srgbClr>
             </a:outerShdw>
           </a:effectLst>
           <a:latin typeface="+mn-lt"/>
@@ -5796,7 +5981,7 @@
           <a:cs typeface="+mn-cs"/>
         </a:defRPr>
       </a:lvl1pPr>
-      <a:lvl2pPr marL="742950" indent="-285750" algn="l" defTabSz="457200" rtl="0" eaLnBrk="1" latinLnBrk="0" hangingPunct="1">
+      <a:lvl2pPr marL="720000" indent="-270000" algn="l" defTabSz="457200" rtl="0" eaLnBrk="1" latinLnBrk="0" hangingPunct="1">
         <a:spcBef>
           <a:spcPct val="20000"/>
         </a:spcBef>
@@ -5804,38 +5989,29 @@
           <a:spcPts val="600"/>
         </a:spcAft>
         <a:buClr>
-          <a:schemeClr val="tx1"/>
+          <a:schemeClr val="tx2"/>
         </a:buClr>
-        <a:buSzPct val="130000"/>
-        <a:buFont typeface="Arial"/>
-        <a:buChar char="•"/>
-        <a:defRPr sz="1600" kern="1200" cap="small">
-          <a:gradFill flip="none" rotWithShape="1">
-            <a:gsLst>
-              <a:gs pos="0">
-                <a:schemeClr val="tx1"/>
-              </a:gs>
-              <a:gs pos="100000">
-                <a:schemeClr val="tx1">
-                  <a:lumMod val="75000"/>
-                </a:schemeClr>
-              </a:gs>
-            </a:gsLst>
-            <a:lin ang="5400000" scaled="0"/>
-            <a:tileRect/>
-          </a:gradFill>
+        <a:buSzPct val="70000"/>
+        <a:buFont typeface="Wingdings 2" charset="2"/>
+        <a:buChar char=""/>
+        <a:defRPr sz="1800" kern="1200">
+          <a:ln>
+            <a:solidFill>
+              <a:schemeClr val="bg1">
+                <a:lumMod val="75000"/>
+                <a:lumOff val="25000"/>
+                <a:alpha val="10000"/>
+              </a:schemeClr>
+            </a:solidFill>
+          </a:ln>
+          <a:solidFill>
+            <a:schemeClr val="tx2"/>
+          </a:solidFill>
           <a:effectLst>
-            <a:glow rad="38100">
+            <a:outerShdw blurRad="9525" dist="25400" dir="14640000" algn="tl" rotWithShape="0">
               <a:schemeClr val="bg1">
-                <a:lumMod val="50000"/>
-                <a:lumOff val="50000"/>
-                <a:alpha val="20000"/>
+                <a:alpha val="30000"/>
               </a:schemeClr>
-            </a:glow>
-            <a:outerShdw blurRad="44450" dist="12700" dir="13860000" algn="tl" rotWithShape="0">
-              <a:srgbClr val="000000">
-                <a:alpha val="20000"/>
-              </a:srgbClr>
             </a:outerShdw>
           </a:effectLst>
           <a:latin typeface="+mn-lt"/>
@@ -5843,7 +6019,7 @@
           <a:cs typeface="+mn-cs"/>
         </a:defRPr>
       </a:lvl2pPr>
-      <a:lvl3pPr marL="1200150" indent="-285750" algn="l" defTabSz="457200" rtl="0" eaLnBrk="1" latinLnBrk="0" hangingPunct="1">
+      <a:lvl3pPr marL="1026000" indent="-216000" algn="l" defTabSz="457200" rtl="0" eaLnBrk="1" latinLnBrk="0" hangingPunct="1">
         <a:spcBef>
           <a:spcPct val="20000"/>
         </a:spcBef>
@@ -5851,38 +6027,29 @@
           <a:spcPts val="600"/>
         </a:spcAft>
         <a:buClr>
-          <a:schemeClr val="tx1"/>
+          <a:schemeClr val="tx2"/>
         </a:buClr>
-        <a:buSzPct val="130000"/>
-        <a:buFont typeface="Arial"/>
-        <a:buChar char="•"/>
-        <a:defRPr sz="1400" kern="1200" cap="small">
-          <a:gradFill flip="none" rotWithShape="1">
-            <a:gsLst>
-              <a:gs pos="0">
-                <a:schemeClr val="tx1"/>
-              </a:gs>
-              <a:gs pos="100000">
-                <a:schemeClr val="tx1">
-                  <a:lumMod val="75000"/>
-                </a:schemeClr>
-              </a:gs>
-            </a:gsLst>
-            <a:lin ang="5400000" scaled="0"/>
-            <a:tileRect/>
-          </a:gradFill>
+        <a:buSzPct val="70000"/>
+        <a:buFont typeface="Wingdings 2" charset="2"/>
+        <a:buChar char=""/>
+        <a:defRPr sz="1600" kern="1200">
+          <a:ln>
+            <a:solidFill>
+              <a:schemeClr val="bg1">
+                <a:lumMod val="75000"/>
+                <a:lumOff val="25000"/>
+                <a:alpha val="10000"/>
+              </a:schemeClr>
+            </a:solidFill>
+          </a:ln>
+          <a:solidFill>
+            <a:schemeClr val="tx2"/>
+          </a:solidFill>
           <a:effectLst>
-            <a:glow rad="38100">
+            <a:outerShdw blurRad="9525" dist="25400" dir="14640000" algn="tl" rotWithShape="0">
               <a:schemeClr val="bg1">
-                <a:lumMod val="50000"/>
-                <a:lumOff val="50000"/>
-                <a:alpha val="20000"/>
+                <a:alpha val="30000"/>
               </a:schemeClr>
-            </a:glow>
-            <a:outerShdw blurRad="44450" dist="12700" dir="13860000" algn="tl" rotWithShape="0">
-              <a:srgbClr val="000000">
-                <a:alpha val="20000"/>
-              </a:srgbClr>
             </a:outerShdw>
           </a:effectLst>
           <a:latin typeface="+mn-lt"/>
@@ -5890,7 +6057,7 @@
           <a:cs typeface="+mn-cs"/>
         </a:defRPr>
       </a:lvl3pPr>
-      <a:lvl4pPr marL="1543050" indent="-171450" algn="l" defTabSz="457200" rtl="0" eaLnBrk="1" latinLnBrk="0" hangingPunct="1">
+      <a:lvl4pPr marL="1386000" indent="-216000" algn="l" defTabSz="457200" rtl="0" eaLnBrk="1" latinLnBrk="0" hangingPunct="1">
         <a:spcBef>
           <a:spcPct val="20000"/>
         </a:spcBef>
@@ -5898,38 +6065,29 @@
           <a:spcPts val="600"/>
         </a:spcAft>
         <a:buClr>
-          <a:schemeClr val="tx1"/>
+          <a:schemeClr val="tx2"/>
         </a:buClr>
-        <a:buSzPct val="130000"/>
-        <a:buFont typeface="Arial"/>
-        <a:buChar char="•"/>
-        <a:defRPr sz="1400" kern="1200" cap="small">
-          <a:gradFill flip="none" rotWithShape="1">
-            <a:gsLst>
-              <a:gs pos="0">
-                <a:schemeClr val="tx1"/>
-              </a:gs>
-              <a:gs pos="100000">
-                <a:schemeClr val="tx1">
-                  <a:lumMod val="75000"/>
-                </a:schemeClr>
-              </a:gs>
-            </a:gsLst>
-            <a:lin ang="5400000" scaled="0"/>
-            <a:tileRect/>
-          </a:gradFill>
+        <a:buSzPct val="70000"/>
+        <a:buFont typeface="Wingdings 2" charset="2"/>
+        <a:buChar char=""/>
+        <a:defRPr sz="1400" kern="1200">
+          <a:ln>
+            <a:solidFill>
+              <a:schemeClr val="bg1">
+                <a:lumMod val="75000"/>
+                <a:lumOff val="25000"/>
+                <a:alpha val="10000"/>
+              </a:schemeClr>
+            </a:solidFill>
+          </a:ln>
+          <a:solidFill>
+            <a:schemeClr val="tx2"/>
+          </a:solidFill>
           <a:effectLst>
-            <a:glow rad="38100">
+            <a:outerShdw blurRad="9525" dist="25400" dir="14640000" algn="tl" rotWithShape="0">
               <a:schemeClr val="bg1">
-                <a:lumMod val="50000"/>
-                <a:lumOff val="50000"/>
-                <a:alpha val="20000"/>
+                <a:alpha val="30000"/>
               </a:schemeClr>
-            </a:glow>
-            <a:outerShdw blurRad="44450" dist="12700" dir="13860000" algn="tl" rotWithShape="0">
-              <a:srgbClr val="000000">
-                <a:alpha val="20000"/>
-              </a:srgbClr>
             </a:outerShdw>
           </a:effectLst>
           <a:latin typeface="+mn-lt"/>
@@ -5937,7 +6095,7 @@
           <a:cs typeface="+mn-cs"/>
         </a:defRPr>
       </a:lvl4pPr>
-      <a:lvl5pPr marL="2000250" indent="-171450" algn="l" defTabSz="457200" rtl="0" eaLnBrk="1" latinLnBrk="0" hangingPunct="1">
+      <a:lvl5pPr marL="1674000" indent="-216000" algn="l" defTabSz="457200" rtl="0" eaLnBrk="1" latinLnBrk="0" hangingPunct="1">
         <a:spcBef>
           <a:spcPct val="20000"/>
         </a:spcBef>
@@ -5945,38 +6103,29 @@
           <a:spcPts val="600"/>
         </a:spcAft>
         <a:buClr>
-          <a:schemeClr val="tx1"/>
+          <a:schemeClr val="tx2"/>
         </a:buClr>
-        <a:buSzPct val="130000"/>
-        <a:buFont typeface="Arial"/>
-        <a:buChar char="•"/>
-        <a:defRPr sz="1200" kern="1200" cap="small">
-          <a:gradFill flip="none" rotWithShape="1">
-            <a:gsLst>
-              <a:gs pos="0">
-                <a:schemeClr val="tx1"/>
-              </a:gs>
-              <a:gs pos="100000">
-                <a:schemeClr val="tx1">
-                  <a:lumMod val="75000"/>
-                </a:schemeClr>
-              </a:gs>
-            </a:gsLst>
-            <a:lin ang="5400000" scaled="0"/>
-            <a:tileRect/>
-          </a:gradFill>
+        <a:buSzPct val="70000"/>
+        <a:buFont typeface="Wingdings 2" charset="2"/>
+        <a:buChar char=""/>
+        <a:defRPr sz="1400" kern="1200">
+          <a:ln>
+            <a:solidFill>
+              <a:schemeClr val="bg1">
+                <a:lumMod val="75000"/>
+                <a:lumOff val="25000"/>
+                <a:alpha val="10000"/>
+              </a:schemeClr>
+            </a:solidFill>
+          </a:ln>
+          <a:solidFill>
+            <a:schemeClr val="tx2"/>
+          </a:solidFill>
           <a:effectLst>
-            <a:glow rad="38100">
+            <a:outerShdw blurRad="9525" dist="25400" dir="14640000" algn="tl" rotWithShape="0">
               <a:schemeClr val="bg1">
-                <a:lumMod val="50000"/>
-                <a:lumOff val="50000"/>
-                <a:alpha val="20000"/>
+                <a:alpha val="30000"/>
               </a:schemeClr>
-            </a:glow>
-            <a:outerShdw blurRad="44450" dist="12700" dir="13860000" algn="tl" rotWithShape="0">
-              <a:srgbClr val="000000">
-                <a:alpha val="20000"/>
-              </a:srgbClr>
             </a:outerShdw>
           </a:effectLst>
           <a:latin typeface="+mn-lt"/>
@@ -5984,7 +6133,7 @@
           <a:cs typeface="+mn-cs"/>
         </a:defRPr>
       </a:lvl5pPr>
-      <a:lvl6pPr marL="2514600" indent="-228600" algn="l" defTabSz="457200" rtl="0" eaLnBrk="1" latinLnBrk="0" hangingPunct="1">
+      <a:lvl6pPr marL="2014600" indent="-228600" algn="l" defTabSz="457200" rtl="0" eaLnBrk="1" latinLnBrk="0" hangingPunct="1">
         <a:spcBef>
           <a:spcPct val="20000"/>
         </a:spcBef>
@@ -5992,38 +6141,29 @@
           <a:spcPts val="600"/>
         </a:spcAft>
         <a:buClr>
-          <a:schemeClr val="tx1"/>
+          <a:schemeClr val="tx2"/>
         </a:buClr>
-        <a:buSzPct val="130000"/>
-        <a:buFont typeface="Arial"/>
-        <a:buChar char="•"/>
-        <a:defRPr sz="1100" kern="1200" cap="small">
-          <a:gradFill flip="none" rotWithShape="1">
-            <a:gsLst>
-              <a:gs pos="0">
-                <a:schemeClr val="tx1"/>
-              </a:gs>
-              <a:gs pos="100000">
-                <a:schemeClr val="tx1">
-                  <a:lumMod val="75000"/>
-                </a:schemeClr>
-              </a:gs>
-            </a:gsLst>
-            <a:lin ang="5400000" scaled="0"/>
-            <a:tileRect/>
-          </a:gradFill>
+        <a:buSzPct val="70000"/>
+        <a:buFont typeface="Wingdings 2" charset="2"/>
+        <a:buChar char=""/>
+        <a:defRPr sz="1400" kern="1200">
+          <a:ln>
+            <a:solidFill>
+              <a:schemeClr val="bg1">
+                <a:lumMod val="75000"/>
+                <a:lumOff val="25000"/>
+                <a:alpha val="10000"/>
+              </a:schemeClr>
+            </a:solidFill>
+          </a:ln>
+          <a:solidFill>
+            <a:schemeClr val="tx2"/>
+          </a:solidFill>
           <a:effectLst>
-            <a:glow rad="38100">
+            <a:outerShdw blurRad="9525" dist="25400" dir="14640000" algn="tl" rotWithShape="0">
               <a:schemeClr val="bg1">
-                <a:lumMod val="50000"/>
-                <a:lumOff val="50000"/>
-                <a:alpha val="20000"/>
+                <a:alpha val="30000"/>
               </a:schemeClr>
-            </a:glow>
-            <a:outerShdw blurRad="44450" dist="12700" dir="13860000" algn="tl" rotWithShape="0">
-              <a:srgbClr val="000000">
-                <a:alpha val="20000"/>
-              </a:srgbClr>
             </a:outerShdw>
           </a:effectLst>
           <a:latin typeface="+mn-lt"/>
@@ -6031,7 +6171,7 @@
           <a:cs typeface="+mn-cs"/>
         </a:defRPr>
       </a:lvl6pPr>
-      <a:lvl7pPr marL="2971800" indent="-228600" algn="l" defTabSz="457200" rtl="0" eaLnBrk="1" latinLnBrk="0" hangingPunct="1">
+      <a:lvl7pPr marL="2401800" indent="-228600" algn="l" defTabSz="457200" rtl="0" eaLnBrk="1" latinLnBrk="0" hangingPunct="1">
         <a:spcBef>
           <a:spcPct val="20000"/>
         </a:spcBef>
@@ -6039,38 +6179,29 @@
           <a:spcPts val="600"/>
         </a:spcAft>
         <a:buClr>
-          <a:schemeClr val="tx1"/>
+          <a:schemeClr val="tx2"/>
         </a:buClr>
-        <a:buSzPct val="130000"/>
-        <a:buFont typeface="Arial"/>
-        <a:buChar char="•"/>
-        <a:defRPr sz="1100" kern="1200" cap="small">
-          <a:gradFill flip="none" rotWithShape="1">
-            <a:gsLst>
-              <a:gs pos="0">
-                <a:schemeClr val="tx1"/>
-              </a:gs>
-              <a:gs pos="100000">
-                <a:schemeClr val="tx1">
-                  <a:lumMod val="75000"/>
-                </a:schemeClr>
-              </a:gs>
-            </a:gsLst>
-            <a:lin ang="5400000" scaled="0"/>
-            <a:tileRect/>
-          </a:gradFill>
+        <a:buSzPct val="70000"/>
+        <a:buFont typeface="Wingdings 2" charset="2"/>
+        <a:buChar char=""/>
+        <a:defRPr sz="1400" kern="1200">
+          <a:ln>
+            <a:solidFill>
+              <a:schemeClr val="bg1">
+                <a:lumMod val="75000"/>
+                <a:lumOff val="25000"/>
+                <a:alpha val="10000"/>
+              </a:schemeClr>
+            </a:solidFill>
+          </a:ln>
+          <a:solidFill>
+            <a:schemeClr val="tx2"/>
+          </a:solidFill>
           <a:effectLst>
-            <a:glow rad="38100">
+            <a:outerShdw blurRad="9525" dist="25400" dir="14640000" algn="tl" rotWithShape="0">
               <a:schemeClr val="bg1">
-                <a:lumMod val="50000"/>
-                <a:lumOff val="50000"/>
-                <a:alpha val="20000"/>
+                <a:alpha val="30000"/>
               </a:schemeClr>
-            </a:glow>
-            <a:outerShdw blurRad="44450" dist="12700" dir="13860000" algn="tl" rotWithShape="0">
-              <a:srgbClr val="000000">
-                <a:alpha val="20000"/>
-              </a:srgbClr>
             </a:outerShdw>
           </a:effectLst>
           <a:latin typeface="+mn-lt"/>
@@ -6078,7 +6209,7 @@
           <a:cs typeface="+mn-cs"/>
         </a:defRPr>
       </a:lvl7pPr>
-      <a:lvl8pPr marL="3429000" indent="-228600" algn="l" defTabSz="457200" rtl="0" eaLnBrk="1" latinLnBrk="0" hangingPunct="1">
+      <a:lvl8pPr marL="2789000" indent="-228600" algn="l" defTabSz="457200" rtl="0" eaLnBrk="1" latinLnBrk="0" hangingPunct="1">
         <a:spcBef>
           <a:spcPct val="20000"/>
         </a:spcBef>
@@ -6086,38 +6217,29 @@
           <a:spcPts val="600"/>
         </a:spcAft>
         <a:buClr>
-          <a:schemeClr val="tx1"/>
+          <a:schemeClr val="tx2"/>
         </a:buClr>
-        <a:buSzPct val="130000"/>
-        <a:buFont typeface="Arial"/>
-        <a:buChar char="•"/>
-        <a:defRPr sz="1100" kern="1200" cap="small">
-          <a:gradFill flip="none" rotWithShape="1">
-            <a:gsLst>
-              <a:gs pos="0">
-                <a:schemeClr val="tx1"/>
-              </a:gs>
-              <a:gs pos="100000">
-                <a:schemeClr val="tx1">
-                  <a:lumMod val="75000"/>
-                </a:schemeClr>
-              </a:gs>
-            </a:gsLst>
-            <a:lin ang="5400000" scaled="0"/>
-            <a:tileRect/>
-          </a:gradFill>
+        <a:buSzPct val="70000"/>
+        <a:buFont typeface="Wingdings 2" charset="2"/>
+        <a:buChar char=""/>
+        <a:defRPr sz="1400" kern="1200">
+          <a:ln>
+            <a:solidFill>
+              <a:schemeClr val="bg1">
+                <a:lumMod val="75000"/>
+                <a:lumOff val="25000"/>
+                <a:alpha val="10000"/>
+              </a:schemeClr>
+            </a:solidFill>
+          </a:ln>
+          <a:solidFill>
+            <a:schemeClr val="tx2"/>
+          </a:solidFill>
           <a:effectLst>
-            <a:glow rad="38100">
+            <a:outerShdw blurRad="9525" dist="25400" dir="14640000" algn="tl" rotWithShape="0">
               <a:schemeClr val="bg1">
-                <a:lumMod val="50000"/>
-                <a:lumOff val="50000"/>
-                <a:alpha val="20000"/>
+                <a:alpha val="30000"/>
               </a:schemeClr>
-            </a:glow>
-            <a:outerShdw blurRad="44450" dist="12700" dir="13860000" algn="tl" rotWithShape="0">
-              <a:srgbClr val="000000">
-                <a:alpha val="20000"/>
-              </a:srgbClr>
             </a:outerShdw>
           </a:effectLst>
           <a:latin typeface="+mn-lt"/>
@@ -6125,7 +6247,7 @@
           <a:cs typeface="+mn-cs"/>
         </a:defRPr>
       </a:lvl8pPr>
-      <a:lvl9pPr marL="3886200" indent="-228600" algn="l" defTabSz="457200" rtl="0" eaLnBrk="1" latinLnBrk="0" hangingPunct="1">
+      <a:lvl9pPr marL="3106200" indent="-228600" algn="l" defTabSz="457200" rtl="0" eaLnBrk="1" latinLnBrk="0" hangingPunct="1">
         <a:spcBef>
           <a:spcPct val="20000"/>
         </a:spcBef>
@@ -6133,38 +6255,29 @@
           <a:spcPts val="600"/>
         </a:spcAft>
         <a:buClr>
-          <a:schemeClr val="tx1"/>
+          <a:schemeClr val="tx2"/>
         </a:buClr>
-        <a:buSzPct val="100000"/>
-        <a:buFont typeface="Arial"/>
-        <a:buChar char="•"/>
-        <a:defRPr sz="1100" kern="1200" cap="small">
-          <a:gradFill flip="none" rotWithShape="1">
-            <a:gsLst>
-              <a:gs pos="0">
-                <a:schemeClr val="tx1"/>
-              </a:gs>
-              <a:gs pos="100000">
-                <a:schemeClr val="tx1">
-                  <a:lumMod val="75000"/>
-                </a:schemeClr>
-              </a:gs>
-            </a:gsLst>
-            <a:lin ang="5400000" scaled="0"/>
-            <a:tileRect/>
-          </a:gradFill>
+        <a:buSzPct val="70000"/>
+        <a:buFont typeface="Wingdings 2" charset="2"/>
+        <a:buChar char=""/>
+        <a:defRPr sz="1400" kern="1200">
+          <a:ln>
+            <a:solidFill>
+              <a:schemeClr val="bg1">
+                <a:lumMod val="75000"/>
+                <a:lumOff val="25000"/>
+                <a:alpha val="10000"/>
+              </a:schemeClr>
+            </a:solidFill>
+          </a:ln>
+          <a:solidFill>
+            <a:schemeClr val="tx2"/>
+          </a:solidFill>
           <a:effectLst>
-            <a:glow rad="38100">
+            <a:outerShdw blurRad="9525" dist="25400" dir="14640000" algn="tl" rotWithShape="0">
               <a:schemeClr val="bg1">
-                <a:lumMod val="50000"/>
-                <a:lumOff val="50000"/>
-                <a:alpha val="20000"/>
+                <a:alpha val="30000"/>
               </a:schemeClr>
-            </a:glow>
-            <a:outerShdw blurRad="44450" dist="12700" dir="13860000" algn="tl" rotWithShape="0">
-              <a:srgbClr val="000000">
-                <a:alpha val="20000"/>
-              </a:srgbClr>
             </a:outerShdw>
           </a:effectLst>
           <a:latin typeface="+mn-lt"/>
@@ -6297,7 +6410,7 @@
         </p:nvSpPr>
         <p:spPr>
           <a:xfrm>
-            <a:off x="158152" y="5101156"/>
+            <a:off x="38576" y="5037977"/>
             <a:ext cx="4038600" cy="1446550"/>
           </a:xfrm>
           <a:prstGeom prst="rect">
@@ -6374,8 +6487,8 @@
         </p:nvSpPr>
         <p:spPr>
           <a:xfrm>
-            <a:off x="4196752" y="5155938"/>
-            <a:ext cx="5091627" cy="1200329"/>
+            <a:off x="4077176" y="5057595"/>
+            <a:ext cx="5159064" cy="1200329"/>
           </a:xfrm>
           <a:prstGeom prst="rect">
             <a:avLst/>
@@ -7717,9 +7830,34 @@
           </a:bodyPr>
           <a:lstStyle/>
           <a:p>
+            <a:pPr algn="ctr">
+              <a:spcBef>
+                <a:spcPct val="0"/>
+              </a:spcBef>
+            </a:pPr>
             <a:r>
               <a:rPr lang="en-IN" sz="4000" dirty="0">
+                <a:ln>
+                  <a:solidFill>
+                    <a:schemeClr val="bg1">
+                      <a:lumMod val="75000"/>
+                      <a:lumOff val="25000"/>
+                      <a:alpha val="10000"/>
+                    </a:schemeClr>
+                  </a:solidFill>
+                </a:ln>
+                <a:solidFill>
+                  <a:schemeClr val="tx2"/>
+                </a:solidFill>
+                <a:effectLst>
+                  <a:outerShdw blurRad="9525" dist="25400" dir="14640000" algn="tl" rotWithShape="0">
+                    <a:schemeClr val="bg1">
+                      <a:alpha val="30000"/>
+                    </a:schemeClr>
+                  </a:outerShdw>
+                </a:effectLst>
                 <a:latin typeface="Calibri" panose="020F0502020204030204" pitchFamily="34" charset="0"/>
+                <a:ea typeface="+mj-ea"/>
                 <a:cs typeface="Calibri" panose="020F0502020204030204" pitchFamily="34" charset="0"/>
               </a:rPr>
               <a:t>Flow Chart Of Partitioner</a:t>
@@ -7775,7 +7913,7 @@
         </p:nvSpPr>
         <p:spPr>
           <a:xfrm>
-            <a:off x="816262" y="200823"/>
+            <a:off x="816262" y="52534"/>
             <a:ext cx="7511473" cy="794632"/>
           </a:xfrm>
         </p:spPr>
@@ -7813,7 +7951,7 @@
         </p:nvSpPr>
         <p:spPr>
           <a:xfrm>
-            <a:off x="816262" y="847166"/>
+            <a:off x="816262" y="844100"/>
             <a:ext cx="7511472" cy="1787202"/>
           </a:xfrm>
         </p:spPr>
@@ -7867,110 +8005,105 @@
         </p:nvSpPr>
         <p:spPr>
           <a:xfrm>
-            <a:off x="816262" y="2634368"/>
+            <a:off x="816261" y="2631302"/>
             <a:ext cx="7511473" cy="794632"/>
           </a:xfrm>
           <a:prstGeom prst="rect">
             <a:avLst/>
           </a:prstGeom>
+          <a:effectLst>
+            <a:outerShdw blurRad="25400" dir="17880000">
+              <a:srgbClr val="000000">
+                <a:alpha val="46000"/>
+              </a:srgbClr>
+            </a:outerShdw>
+          </a:effectLst>
         </p:spPr>
         <p:txBody>
           <a:bodyPr vert="horz" lIns="91440" tIns="45720" rIns="91440" bIns="45720" rtlCol="0" anchor="ctr">
             <a:normAutofit/>
           </a:bodyPr>
           <a:lstStyle>
-            <a:lvl1pPr algn="l" defTabSz="457200" rtl="0" eaLnBrk="1" latinLnBrk="0" hangingPunct="1">
+            <a:lvl1pPr>
               <a:spcBef>
                 <a:spcPct val="0"/>
               </a:spcBef>
               <a:buNone/>
-              <a:defRPr sz="2800" kern="1200" cap="all">
-                <a:ln w="3175" cmpd="sng">
-                  <a:noFill/>
+              <a:defRPr sz="4000">
+                <a:ln>
+                  <a:solidFill>
+                    <a:schemeClr val="bg1">
+                      <a:lumMod val="75000"/>
+                      <a:lumOff val="25000"/>
+                      <a:alpha val="10000"/>
+                    </a:schemeClr>
+                  </a:solidFill>
                 </a:ln>
-                <a:gradFill flip="none" rotWithShape="1">
-                  <a:gsLst>
-                    <a:gs pos="0">
-                      <a:schemeClr val="tx1"/>
-                    </a:gs>
-                    <a:gs pos="100000">
-                      <a:schemeClr val="tx1">
-                        <a:lumMod val="75000"/>
-                      </a:schemeClr>
-                    </a:gs>
-                  </a:gsLst>
-                  <a:lin ang="5400000" scaled="0"/>
-                  <a:tileRect/>
-                </a:gradFill>
+                <a:solidFill>
+                  <a:schemeClr val="tx2"/>
+                </a:solidFill>
                 <a:effectLst>
-                  <a:glow rad="38100">
+                  <a:outerShdw blurRad="9525" dist="25400" dir="14640000" algn="tl" rotWithShape="0">
                     <a:schemeClr val="bg1">
-                      <a:lumMod val="65000"/>
-                      <a:lumOff val="35000"/>
-                      <a:alpha val="40000"/>
+                      <a:alpha val="30000"/>
                     </a:schemeClr>
-                  </a:glow>
-                  <a:outerShdw blurRad="28575" dist="38100" dir="14040000" algn="tl" rotWithShape="0">
-                    <a:srgbClr val="000000">
-                      <a:alpha val="25000"/>
-                    </a:srgbClr>
                   </a:outerShdw>
                 </a:effectLst>
-                <a:latin typeface="+mj-lt"/>
+                <a:latin typeface="Calibri" panose="020F0502020204030204" pitchFamily="34" charset="0"/>
                 <a:ea typeface="+mj-ea"/>
-                <a:cs typeface="+mj-cs"/>
+                <a:cs typeface="Calibri" panose="020F0502020204030204" pitchFamily="34" charset="0"/>
               </a:defRPr>
             </a:lvl1pPr>
-            <a:lvl2pPr eaLnBrk="1" hangingPunct="1">
+            <a:lvl2pPr>
               <a:defRPr>
                 <a:solidFill>
                   <a:schemeClr val="tx2"/>
                 </a:solidFill>
               </a:defRPr>
             </a:lvl2pPr>
-            <a:lvl3pPr eaLnBrk="1" hangingPunct="1">
+            <a:lvl3pPr>
               <a:defRPr>
                 <a:solidFill>
                   <a:schemeClr val="tx2"/>
                 </a:solidFill>
               </a:defRPr>
             </a:lvl3pPr>
-            <a:lvl4pPr eaLnBrk="1" hangingPunct="1">
+            <a:lvl4pPr>
               <a:defRPr>
                 <a:solidFill>
                   <a:schemeClr val="tx2"/>
                 </a:solidFill>
               </a:defRPr>
             </a:lvl4pPr>
-            <a:lvl5pPr eaLnBrk="1" hangingPunct="1">
+            <a:lvl5pPr>
               <a:defRPr>
                 <a:solidFill>
                   <a:schemeClr val="tx2"/>
                 </a:solidFill>
               </a:defRPr>
             </a:lvl5pPr>
-            <a:lvl6pPr eaLnBrk="1" hangingPunct="1">
+            <a:lvl6pPr>
               <a:defRPr>
                 <a:solidFill>
                   <a:schemeClr val="tx2"/>
                 </a:solidFill>
               </a:defRPr>
             </a:lvl6pPr>
-            <a:lvl7pPr eaLnBrk="1" hangingPunct="1">
+            <a:lvl7pPr>
               <a:defRPr>
                 <a:solidFill>
                   <a:schemeClr val="tx2"/>
                 </a:solidFill>
               </a:defRPr>
             </a:lvl7pPr>
-            <a:lvl8pPr eaLnBrk="1" hangingPunct="1">
+            <a:lvl8pPr>
               <a:defRPr>
                 <a:solidFill>
                   <a:schemeClr val="tx2"/>
                 </a:solidFill>
               </a:defRPr>
             </a:lvl8pPr>
-            <a:lvl9pPr eaLnBrk="1" hangingPunct="1">
+            <a:lvl9pPr>
               <a:defRPr>
                 <a:solidFill>
                   <a:schemeClr val="tx2"/>
@@ -7979,17 +8112,12 @@
             </a:lvl9pPr>
           </a:lstStyle>
           <a:p>
-            <a:r>
-              <a:rPr lang="en-US" sz="4000" dirty="0">
-                <a:latin typeface="Calibri" panose="020F0502020204030204" pitchFamily="34" charset="0"/>
-                <a:cs typeface="Calibri" panose="020F0502020204030204" pitchFamily="34" charset="0"/>
-              </a:rPr>
+            <a:pPr algn="ctr"/>
+            <a:r>
+              <a:rPr lang="en-US" dirty="0"/>
               <a:t>Reducer</a:t>
             </a:r>
-            <a:endParaRPr lang="en-IN" sz="4000" dirty="0">
-              <a:latin typeface="Calibri" panose="020F0502020204030204" pitchFamily="34" charset="0"/>
-              <a:cs typeface="Calibri" panose="020F0502020204030204" pitchFamily="34" charset="0"/>
-            </a:endParaRPr>
+            <a:endParaRPr lang="en-IN" dirty="0"/>
           </a:p>
         </p:txBody>
       </p:sp>
@@ -8009,19 +8137,26 @@
         </p:nvSpPr>
         <p:spPr>
           <a:xfrm>
-            <a:off x="816262" y="3429000"/>
+            <a:off x="816262" y="3432067"/>
             <a:ext cx="7511472" cy="3170882"/>
           </a:xfrm>
           <a:prstGeom prst="rect">
             <a:avLst/>
           </a:prstGeom>
+          <a:effectLst>
+            <a:outerShdw blurRad="25400" dir="17880000">
+              <a:srgbClr val="000000">
+                <a:alpha val="46000"/>
+              </a:srgbClr>
+            </a:outerShdw>
+          </a:effectLst>
         </p:spPr>
         <p:txBody>
-          <a:bodyPr vert="horz" lIns="91440" tIns="45720" rIns="91440" bIns="45720" rtlCol="0" anchor="ctr">
+          <a:bodyPr vert="horz" lIns="91440" tIns="45720" rIns="91440" bIns="45720" rtlCol="0" anchor="t">
             <a:noAutofit/>
           </a:bodyPr>
           <a:lstStyle>
-            <a:lvl1pPr marL="285750" indent="-285750" algn="l" defTabSz="457200" rtl="0" eaLnBrk="1" latinLnBrk="0" hangingPunct="1">
+            <a:lvl1pPr marL="342900" indent="-306000">
               <a:spcBef>
                 <a:spcPct val="20000"/>
               </a:spcBef>
@@ -8029,46 +8164,36 @@
                 <a:spcPts val="600"/>
               </a:spcAft>
               <a:buClr>
-                <a:schemeClr val="tx1"/>
+                <a:schemeClr val="tx2"/>
               </a:buClr>
-              <a:buSzPct val="130000"/>
-              <a:buFont typeface="Arial"/>
-              <a:buChar char="•"/>
-              <a:defRPr sz="1800" kern="1200" cap="small">
-                <a:gradFill flip="none" rotWithShape="1">
-                  <a:gsLst>
-                    <a:gs pos="0">
-                      <a:schemeClr val="tx1"/>
-                    </a:gs>
-                    <a:gs pos="100000">
-                      <a:schemeClr val="tx1">
-                        <a:lumMod val="75000"/>
-                      </a:schemeClr>
-                    </a:gs>
-                  </a:gsLst>
-                  <a:lin ang="5400000" scaled="0"/>
-                  <a:tileRect/>
-                </a:gradFill>
+              <a:buSzPct val="70000"/>
+              <a:buFont typeface="Wingdings 2" charset="2"/>
+              <a:buChar char=""/>
+              <a:defRPr sz="2400">
+                <a:ln>
+                  <a:solidFill>
+                    <a:schemeClr val="bg1">
+                      <a:lumMod val="75000"/>
+                      <a:lumOff val="25000"/>
+                      <a:alpha val="10000"/>
+                    </a:schemeClr>
+                  </a:solidFill>
+                </a:ln>
+                <a:solidFill>
+                  <a:schemeClr val="tx2"/>
+                </a:solidFill>
                 <a:effectLst>
-                  <a:glow rad="38100">
+                  <a:outerShdw blurRad="9525" dist="25400" dir="14640000" algn="tl" rotWithShape="0">
                     <a:schemeClr val="bg1">
-                      <a:lumMod val="50000"/>
-                      <a:lumOff val="50000"/>
-                      <a:alpha val="20000"/>
+                      <a:alpha val="30000"/>
                     </a:schemeClr>
-                  </a:glow>
-                  <a:outerShdw blurRad="44450" dist="12700" dir="13860000" algn="tl" rotWithShape="0">
-                    <a:srgbClr val="000000">
-                      <a:alpha val="20000"/>
-                    </a:srgbClr>
                   </a:outerShdw>
                 </a:effectLst>
-                <a:latin typeface="+mn-lt"/>
-                <a:ea typeface="+mn-ea"/>
-                <a:cs typeface="+mn-cs"/>
+                <a:latin typeface="Calibri" panose="020F0502020204030204" pitchFamily="34" charset="0"/>
+                <a:cs typeface="Calibri" panose="020F0502020204030204" pitchFamily="34" charset="0"/>
               </a:defRPr>
             </a:lvl1pPr>
-            <a:lvl2pPr marL="742950" indent="-285750" algn="l" defTabSz="457200" rtl="0" eaLnBrk="1" latinLnBrk="0" hangingPunct="1">
+            <a:lvl2pPr marL="720000" indent="-270000">
               <a:spcBef>
                 <a:spcPct val="20000"/>
               </a:spcBef>
@@ -8076,46 +8201,34 @@
                 <a:spcPts val="600"/>
               </a:spcAft>
               <a:buClr>
-                <a:schemeClr val="tx1"/>
+                <a:schemeClr val="tx2"/>
               </a:buClr>
-              <a:buSzPct val="130000"/>
-              <a:buFont typeface="Arial"/>
-              <a:buChar char="•"/>
-              <a:defRPr sz="1600" kern="1200" cap="small">
-                <a:gradFill flip="none" rotWithShape="1">
-                  <a:gsLst>
-                    <a:gs pos="0">
-                      <a:schemeClr val="tx1"/>
-                    </a:gs>
-                    <a:gs pos="100000">
-                      <a:schemeClr val="tx1">
-                        <a:lumMod val="75000"/>
-                      </a:schemeClr>
-                    </a:gs>
-                  </a:gsLst>
-                  <a:lin ang="5400000" scaled="0"/>
-                  <a:tileRect/>
-                </a:gradFill>
+              <a:buSzPct val="70000"/>
+              <a:buFont typeface="Wingdings 2" charset="2"/>
+              <a:buChar char=""/>
+              <a:defRPr>
+                <a:ln>
+                  <a:solidFill>
+                    <a:schemeClr val="bg1">
+                      <a:lumMod val="75000"/>
+                      <a:lumOff val="25000"/>
+                      <a:alpha val="10000"/>
+                    </a:schemeClr>
+                  </a:solidFill>
+                </a:ln>
+                <a:solidFill>
+                  <a:schemeClr val="tx2"/>
+                </a:solidFill>
                 <a:effectLst>
-                  <a:glow rad="38100">
+                  <a:outerShdw blurRad="9525" dist="25400" dir="14640000" algn="tl" rotWithShape="0">
                     <a:schemeClr val="bg1">
-                      <a:lumMod val="50000"/>
-                      <a:lumOff val="50000"/>
-                      <a:alpha val="20000"/>
+                      <a:alpha val="30000"/>
                     </a:schemeClr>
-                  </a:glow>
-                  <a:outerShdw blurRad="44450" dist="12700" dir="13860000" algn="tl" rotWithShape="0">
-                    <a:srgbClr val="000000">
-                      <a:alpha val="20000"/>
-                    </a:srgbClr>
                   </a:outerShdw>
                 </a:effectLst>
-                <a:latin typeface="+mn-lt"/>
-                <a:ea typeface="+mn-ea"/>
-                <a:cs typeface="+mn-cs"/>
               </a:defRPr>
             </a:lvl2pPr>
-            <a:lvl3pPr marL="1200150" indent="-285750" algn="l" defTabSz="457200" rtl="0" eaLnBrk="1" latinLnBrk="0" hangingPunct="1">
+            <a:lvl3pPr marL="1026000" indent="-216000">
               <a:spcBef>
                 <a:spcPct val="20000"/>
               </a:spcBef>
@@ -8123,46 +8236,34 @@
                 <a:spcPts val="600"/>
               </a:spcAft>
               <a:buClr>
-                <a:schemeClr val="tx1"/>
+                <a:schemeClr val="tx2"/>
               </a:buClr>
-              <a:buSzPct val="130000"/>
-              <a:buFont typeface="Arial"/>
-              <a:buChar char="•"/>
-              <a:defRPr sz="1400" kern="1200" cap="small">
-                <a:gradFill flip="none" rotWithShape="1">
-                  <a:gsLst>
-                    <a:gs pos="0">
-                      <a:schemeClr val="tx1"/>
-                    </a:gs>
-                    <a:gs pos="100000">
-                      <a:schemeClr val="tx1">
-                        <a:lumMod val="75000"/>
-                      </a:schemeClr>
-                    </a:gs>
-                  </a:gsLst>
-                  <a:lin ang="5400000" scaled="0"/>
-                  <a:tileRect/>
-                </a:gradFill>
+              <a:buSzPct val="70000"/>
+              <a:buFont typeface="Wingdings 2" charset="2"/>
+              <a:buChar char=""/>
+              <a:defRPr sz="1600">
+                <a:ln>
+                  <a:solidFill>
+                    <a:schemeClr val="bg1">
+                      <a:lumMod val="75000"/>
+                      <a:lumOff val="25000"/>
+                      <a:alpha val="10000"/>
+                    </a:schemeClr>
+                  </a:solidFill>
+                </a:ln>
+                <a:solidFill>
+                  <a:schemeClr val="tx2"/>
+                </a:solidFill>
                 <a:effectLst>
-                  <a:glow rad="38100">
+                  <a:outerShdw blurRad="9525" dist="25400" dir="14640000" algn="tl" rotWithShape="0">
                     <a:schemeClr val="bg1">
-                      <a:lumMod val="50000"/>
-                      <a:lumOff val="50000"/>
-                      <a:alpha val="20000"/>
+                      <a:alpha val="30000"/>
                     </a:schemeClr>
-                  </a:glow>
-                  <a:outerShdw blurRad="44450" dist="12700" dir="13860000" algn="tl" rotWithShape="0">
-                    <a:srgbClr val="000000">
-                      <a:alpha val="20000"/>
-                    </a:srgbClr>
                   </a:outerShdw>
                 </a:effectLst>
-                <a:latin typeface="+mn-lt"/>
-                <a:ea typeface="+mn-ea"/>
-                <a:cs typeface="+mn-cs"/>
               </a:defRPr>
             </a:lvl3pPr>
-            <a:lvl4pPr marL="1543050" indent="-171450" algn="l" defTabSz="457200" rtl="0" eaLnBrk="1" latinLnBrk="0" hangingPunct="1">
+            <a:lvl4pPr marL="1386000" indent="-216000">
               <a:spcBef>
                 <a:spcPct val="20000"/>
               </a:spcBef>
@@ -8170,46 +8271,34 @@
                 <a:spcPts val="600"/>
               </a:spcAft>
               <a:buClr>
-                <a:schemeClr val="tx1"/>
+                <a:schemeClr val="tx2"/>
               </a:buClr>
-              <a:buSzPct val="130000"/>
-              <a:buFont typeface="Arial"/>
-              <a:buChar char="•"/>
-              <a:defRPr sz="1400" kern="1200" cap="small">
-                <a:gradFill flip="none" rotWithShape="1">
-                  <a:gsLst>
-                    <a:gs pos="0">
-                      <a:schemeClr val="tx1"/>
-                    </a:gs>
-                    <a:gs pos="100000">
-                      <a:schemeClr val="tx1">
-                        <a:lumMod val="75000"/>
-                      </a:schemeClr>
-                    </a:gs>
-                  </a:gsLst>
-                  <a:lin ang="5400000" scaled="0"/>
-                  <a:tileRect/>
-                </a:gradFill>
+              <a:buSzPct val="70000"/>
+              <a:buFont typeface="Wingdings 2" charset="2"/>
+              <a:buChar char=""/>
+              <a:defRPr sz="1400">
+                <a:ln>
+                  <a:solidFill>
+                    <a:schemeClr val="bg1">
+                      <a:lumMod val="75000"/>
+                      <a:lumOff val="25000"/>
+                      <a:alpha val="10000"/>
+                    </a:schemeClr>
+                  </a:solidFill>
+                </a:ln>
+                <a:solidFill>
+                  <a:schemeClr val="tx2"/>
+                </a:solidFill>
                 <a:effectLst>
-                  <a:glow rad="38100">
+                  <a:outerShdw blurRad="9525" dist="25400" dir="14640000" algn="tl" rotWithShape="0">
                     <a:schemeClr val="bg1">
-                      <a:lumMod val="50000"/>
-                      <a:lumOff val="50000"/>
-                      <a:alpha val="20000"/>
+                      <a:alpha val="30000"/>
                     </a:schemeClr>
-                  </a:glow>
-                  <a:outerShdw blurRad="44450" dist="12700" dir="13860000" algn="tl" rotWithShape="0">
-                    <a:srgbClr val="000000">
-                      <a:alpha val="20000"/>
-                    </a:srgbClr>
                   </a:outerShdw>
                 </a:effectLst>
-                <a:latin typeface="+mn-lt"/>
-                <a:ea typeface="+mn-ea"/>
-                <a:cs typeface="+mn-cs"/>
               </a:defRPr>
             </a:lvl4pPr>
-            <a:lvl5pPr marL="2000250" indent="-171450" algn="l" defTabSz="457200" rtl="0" eaLnBrk="1" latinLnBrk="0" hangingPunct="1">
+            <a:lvl5pPr marL="1674000" indent="-216000">
               <a:spcBef>
                 <a:spcPct val="20000"/>
               </a:spcBef>
@@ -8217,46 +8306,34 @@
                 <a:spcPts val="600"/>
               </a:spcAft>
               <a:buClr>
-                <a:schemeClr val="tx1"/>
+                <a:schemeClr val="tx2"/>
               </a:buClr>
-              <a:buSzPct val="130000"/>
-              <a:buFont typeface="Arial"/>
-              <a:buChar char="•"/>
-              <a:defRPr sz="1200" kern="1200" cap="small">
-                <a:gradFill flip="none" rotWithShape="1">
-                  <a:gsLst>
-                    <a:gs pos="0">
-                      <a:schemeClr val="tx1"/>
-                    </a:gs>
-                    <a:gs pos="100000">
-                      <a:schemeClr val="tx1">
-                        <a:lumMod val="75000"/>
-                      </a:schemeClr>
-                    </a:gs>
-                  </a:gsLst>
-                  <a:lin ang="5400000" scaled="0"/>
-                  <a:tileRect/>
-                </a:gradFill>
+              <a:buSzPct val="70000"/>
+              <a:buFont typeface="Wingdings 2" charset="2"/>
+              <a:buChar char=""/>
+              <a:defRPr sz="1400">
+                <a:ln>
+                  <a:solidFill>
+                    <a:schemeClr val="bg1">
+                      <a:lumMod val="75000"/>
+                      <a:lumOff val="25000"/>
+                      <a:alpha val="10000"/>
+                    </a:schemeClr>
+                  </a:solidFill>
+                </a:ln>
+                <a:solidFill>
+                  <a:schemeClr val="tx2"/>
+                </a:solidFill>
                 <a:effectLst>
-                  <a:glow rad="38100">
+                  <a:outerShdw blurRad="9525" dist="25400" dir="14640000" algn="tl" rotWithShape="0">
                     <a:schemeClr val="bg1">
-                      <a:lumMod val="50000"/>
-                      <a:lumOff val="50000"/>
-                      <a:alpha val="20000"/>
+                      <a:alpha val="30000"/>
                     </a:schemeClr>
-                  </a:glow>
-                  <a:outerShdw blurRad="44450" dist="12700" dir="13860000" algn="tl" rotWithShape="0">
-                    <a:srgbClr val="000000">
-                      <a:alpha val="20000"/>
-                    </a:srgbClr>
                   </a:outerShdw>
                 </a:effectLst>
-                <a:latin typeface="+mn-lt"/>
-                <a:ea typeface="+mn-ea"/>
-                <a:cs typeface="+mn-cs"/>
               </a:defRPr>
             </a:lvl5pPr>
-            <a:lvl6pPr marL="2514600" indent="-228600" algn="l" defTabSz="457200" rtl="0" eaLnBrk="1" latinLnBrk="0" hangingPunct="1">
+            <a:lvl6pPr marL="2014600" indent="-228600">
               <a:spcBef>
                 <a:spcPct val="20000"/>
               </a:spcBef>
@@ -8264,46 +8341,34 @@
                 <a:spcPts val="600"/>
               </a:spcAft>
               <a:buClr>
-                <a:schemeClr val="tx1"/>
+                <a:schemeClr val="tx2"/>
               </a:buClr>
-              <a:buSzPct val="130000"/>
-              <a:buFont typeface="Arial"/>
-              <a:buChar char="•"/>
-              <a:defRPr sz="1100" kern="1200" cap="small">
-                <a:gradFill flip="none" rotWithShape="1">
-                  <a:gsLst>
-                    <a:gs pos="0">
-                      <a:schemeClr val="tx1"/>
-                    </a:gs>
-                    <a:gs pos="100000">
-                      <a:schemeClr val="tx1">
-                        <a:lumMod val="75000"/>
-                      </a:schemeClr>
-                    </a:gs>
-                  </a:gsLst>
-                  <a:lin ang="5400000" scaled="0"/>
-                  <a:tileRect/>
-                </a:gradFill>
+              <a:buSzPct val="70000"/>
+              <a:buFont typeface="Wingdings 2" charset="2"/>
+              <a:buChar char=""/>
+              <a:defRPr sz="1400">
+                <a:ln>
+                  <a:solidFill>
+                    <a:schemeClr val="bg1">
+                      <a:lumMod val="75000"/>
+                      <a:lumOff val="25000"/>
+                      <a:alpha val="10000"/>
+                    </a:schemeClr>
+                  </a:solidFill>
+                </a:ln>
+                <a:solidFill>
+                  <a:schemeClr val="tx2"/>
+                </a:solidFill>
                 <a:effectLst>
-                  <a:glow rad="38100">
+                  <a:outerShdw blurRad="9525" dist="25400" dir="14640000" algn="tl" rotWithShape="0">
                     <a:schemeClr val="bg1">
-                      <a:lumMod val="50000"/>
-                      <a:lumOff val="50000"/>
-                      <a:alpha val="20000"/>
+                      <a:alpha val="30000"/>
                     </a:schemeClr>
-                  </a:glow>
-                  <a:outerShdw blurRad="44450" dist="12700" dir="13860000" algn="tl" rotWithShape="0">
-                    <a:srgbClr val="000000">
-                      <a:alpha val="20000"/>
-                    </a:srgbClr>
                   </a:outerShdw>
                 </a:effectLst>
-                <a:latin typeface="+mn-lt"/>
-                <a:ea typeface="+mn-ea"/>
-                <a:cs typeface="+mn-cs"/>
               </a:defRPr>
             </a:lvl6pPr>
-            <a:lvl7pPr marL="2971800" indent="-228600" algn="l" defTabSz="457200" rtl="0" eaLnBrk="1" latinLnBrk="0" hangingPunct="1">
+            <a:lvl7pPr marL="2401800" indent="-228600">
               <a:spcBef>
                 <a:spcPct val="20000"/>
               </a:spcBef>
@@ -8311,46 +8376,34 @@
                 <a:spcPts val="600"/>
               </a:spcAft>
               <a:buClr>
-                <a:schemeClr val="tx1"/>
+                <a:schemeClr val="tx2"/>
               </a:buClr>
-              <a:buSzPct val="130000"/>
-              <a:buFont typeface="Arial"/>
-              <a:buChar char="•"/>
-              <a:defRPr sz="1100" kern="1200" cap="small">
-                <a:gradFill flip="none" rotWithShape="1">
-                  <a:gsLst>
-                    <a:gs pos="0">
-                      <a:schemeClr val="tx1"/>
-                    </a:gs>
-                    <a:gs pos="100000">
-                      <a:schemeClr val="tx1">
-                        <a:lumMod val="75000"/>
-                      </a:schemeClr>
-                    </a:gs>
-                  </a:gsLst>
-                  <a:lin ang="5400000" scaled="0"/>
-                  <a:tileRect/>
-                </a:gradFill>
+              <a:buSzPct val="70000"/>
+              <a:buFont typeface="Wingdings 2" charset="2"/>
+              <a:buChar char=""/>
+              <a:defRPr sz="1400">
+                <a:ln>
+                  <a:solidFill>
+                    <a:schemeClr val="bg1">
+                      <a:lumMod val="75000"/>
+                      <a:lumOff val="25000"/>
+                      <a:alpha val="10000"/>
+                    </a:schemeClr>
+                  </a:solidFill>
+                </a:ln>
+                <a:solidFill>
+                  <a:schemeClr val="tx2"/>
+                </a:solidFill>
                 <a:effectLst>
-                  <a:glow rad="38100">
+                  <a:outerShdw blurRad="9525" dist="25400" dir="14640000" algn="tl" rotWithShape="0">
                     <a:schemeClr val="bg1">
-                      <a:lumMod val="50000"/>
-                      <a:lumOff val="50000"/>
-                      <a:alpha val="20000"/>
+                      <a:alpha val="30000"/>
                     </a:schemeClr>
-                  </a:glow>
-                  <a:outerShdw blurRad="44450" dist="12700" dir="13860000" algn="tl" rotWithShape="0">
-                    <a:srgbClr val="000000">
-                      <a:alpha val="20000"/>
-                    </a:srgbClr>
                   </a:outerShdw>
                 </a:effectLst>
-                <a:latin typeface="+mn-lt"/>
-                <a:ea typeface="+mn-ea"/>
-                <a:cs typeface="+mn-cs"/>
               </a:defRPr>
             </a:lvl7pPr>
-            <a:lvl8pPr marL="3429000" indent="-228600" algn="l" defTabSz="457200" rtl="0" eaLnBrk="1" latinLnBrk="0" hangingPunct="1">
+            <a:lvl8pPr marL="2789000" indent="-228600">
               <a:spcBef>
                 <a:spcPct val="20000"/>
               </a:spcBef>
@@ -8358,46 +8411,34 @@
                 <a:spcPts val="600"/>
               </a:spcAft>
               <a:buClr>
-                <a:schemeClr val="tx1"/>
+                <a:schemeClr val="tx2"/>
               </a:buClr>
-              <a:buSzPct val="130000"/>
-              <a:buFont typeface="Arial"/>
-              <a:buChar char="•"/>
-              <a:defRPr sz="1100" kern="1200" cap="small">
-                <a:gradFill flip="none" rotWithShape="1">
-                  <a:gsLst>
-                    <a:gs pos="0">
-                      <a:schemeClr val="tx1"/>
-                    </a:gs>
-                    <a:gs pos="100000">
-                      <a:schemeClr val="tx1">
-                        <a:lumMod val="75000"/>
-                      </a:schemeClr>
-                    </a:gs>
-                  </a:gsLst>
-                  <a:lin ang="5400000" scaled="0"/>
-                  <a:tileRect/>
-                </a:gradFill>
+              <a:buSzPct val="70000"/>
+              <a:buFont typeface="Wingdings 2" charset="2"/>
+              <a:buChar char=""/>
+              <a:defRPr sz="1400">
+                <a:ln>
+                  <a:solidFill>
+                    <a:schemeClr val="bg1">
+                      <a:lumMod val="75000"/>
+                      <a:lumOff val="25000"/>
+                      <a:alpha val="10000"/>
+                    </a:schemeClr>
+                  </a:solidFill>
+                </a:ln>
+                <a:solidFill>
+                  <a:schemeClr val="tx2"/>
+                </a:solidFill>
                 <a:effectLst>
-                  <a:glow rad="38100">
+                  <a:outerShdw blurRad="9525" dist="25400" dir="14640000" algn="tl" rotWithShape="0">
                     <a:schemeClr val="bg1">
-                      <a:lumMod val="50000"/>
-                      <a:lumOff val="50000"/>
-                      <a:alpha val="20000"/>
+                      <a:alpha val="30000"/>
                     </a:schemeClr>
-                  </a:glow>
-                  <a:outerShdw blurRad="44450" dist="12700" dir="13860000" algn="tl" rotWithShape="0">
-                    <a:srgbClr val="000000">
-                      <a:alpha val="20000"/>
-                    </a:srgbClr>
                   </a:outerShdw>
                 </a:effectLst>
-                <a:latin typeface="+mn-lt"/>
-                <a:ea typeface="+mn-ea"/>
-                <a:cs typeface="+mn-cs"/>
               </a:defRPr>
             </a:lvl8pPr>
-            <a:lvl9pPr marL="3886200" indent="-228600" algn="l" defTabSz="457200" rtl="0" eaLnBrk="1" latinLnBrk="0" hangingPunct="1">
+            <a:lvl9pPr marL="3106200" indent="-228600">
               <a:spcBef>
                 <a:spcPct val="20000"/>
               </a:spcBef>
@@ -8405,97 +8446,55 @@
                 <a:spcPts val="600"/>
               </a:spcAft>
               <a:buClr>
-                <a:schemeClr val="tx1"/>
+                <a:schemeClr val="tx2"/>
               </a:buClr>
-              <a:buSzPct val="100000"/>
-              <a:buFont typeface="Arial"/>
-              <a:buChar char="•"/>
-              <a:defRPr sz="1100" kern="1200" cap="small">
-                <a:gradFill flip="none" rotWithShape="1">
-                  <a:gsLst>
-                    <a:gs pos="0">
-                      <a:schemeClr val="tx1"/>
-                    </a:gs>
-                    <a:gs pos="100000">
-                      <a:schemeClr val="tx1">
-                        <a:lumMod val="75000"/>
-                      </a:schemeClr>
-                    </a:gs>
-                  </a:gsLst>
-                  <a:lin ang="5400000" scaled="0"/>
-                  <a:tileRect/>
-                </a:gradFill>
+              <a:buSzPct val="70000"/>
+              <a:buFont typeface="Wingdings 2" charset="2"/>
+              <a:buChar char=""/>
+              <a:defRPr sz="1400">
+                <a:ln>
+                  <a:solidFill>
+                    <a:schemeClr val="bg1">
+                      <a:lumMod val="75000"/>
+                      <a:lumOff val="25000"/>
+                      <a:alpha val="10000"/>
+                    </a:schemeClr>
+                  </a:solidFill>
+                </a:ln>
+                <a:solidFill>
+                  <a:schemeClr val="tx2"/>
+                </a:solidFill>
                 <a:effectLst>
-                  <a:glow rad="38100">
+                  <a:outerShdw blurRad="9525" dist="25400" dir="14640000" algn="tl" rotWithShape="0">
                     <a:schemeClr val="bg1">
-                      <a:lumMod val="50000"/>
-                      <a:lumOff val="50000"/>
-                      <a:alpha val="20000"/>
+                      <a:alpha val="30000"/>
                     </a:schemeClr>
-                  </a:glow>
-                  <a:outerShdw blurRad="44450" dist="12700" dir="13860000" algn="tl" rotWithShape="0">
-                    <a:srgbClr val="000000">
-                      <a:alpha val="20000"/>
-                    </a:srgbClr>
                   </a:outerShdw>
                 </a:effectLst>
-                <a:latin typeface="+mn-lt"/>
-                <a:ea typeface="+mn-ea"/>
-                <a:cs typeface="+mn-cs"/>
               </a:defRPr>
             </a:lvl9pPr>
           </a:lstStyle>
           <a:p>
-            <a:pPr algn="just"/>
-            <a:r>
-              <a:rPr lang="en-US" sz="2400" dirty="0">
-                <a:latin typeface="Calibri" panose="020F0502020204030204" pitchFamily="34" charset="0"/>
-                <a:cs typeface="Calibri" panose="020F0502020204030204" pitchFamily="34" charset="0"/>
-              </a:rPr>
+            <a:r>
+              <a:rPr lang="en-US" dirty="0"/>
               <a:t>Reducer is the final stage of Map Reduce</a:t>
             </a:r>
           </a:p>
           <a:p>
-            <a:pPr algn="just"/>
-            <a:r>
-              <a:rPr lang="en-US" sz="2400" dirty="0">
-                <a:latin typeface="Calibri" panose="020F0502020204030204" pitchFamily="34" charset="0"/>
-                <a:cs typeface="Calibri" panose="020F0502020204030204" pitchFamily="34" charset="0"/>
-              </a:rPr>
+            <a:r>
+              <a:rPr lang="en-US" dirty="0"/>
               <a:t>It take the preprocessed data coming from some intermediate stages and do either aggregation, filtration or summation independently.</a:t>
             </a:r>
           </a:p>
           <a:p>
-            <a:pPr algn="just"/>
-            <a:r>
-              <a:rPr lang="en-US" sz="2400" dirty="0">
-                <a:latin typeface="Calibri" panose="020F0502020204030204" pitchFamily="34" charset="0"/>
-                <a:cs typeface="Calibri" panose="020F0502020204030204" pitchFamily="34" charset="0"/>
-              </a:rPr>
-              <a:t>The </a:t>
-            </a:r>
-            <a:r>
-              <a:rPr lang="en-US" sz="2400" i="1" dirty="0">
-                <a:latin typeface="Calibri" panose="020F0502020204030204" pitchFamily="34" charset="0"/>
-                <a:cs typeface="Calibri" panose="020F0502020204030204" pitchFamily="34" charset="0"/>
-              </a:rPr>
-              <a:t>OutputCollector.collect()</a:t>
-            </a:r>
-            <a:r>
-              <a:rPr lang="en-US" sz="2400" dirty="0">
-                <a:latin typeface="Calibri" panose="020F0502020204030204" pitchFamily="34" charset="0"/>
-                <a:cs typeface="Calibri" panose="020F0502020204030204" pitchFamily="34" charset="0"/>
-              </a:rPr>
-              <a:t> method, writes the output of the reduce task to the HDFS file system</a:t>
-            </a:r>
-          </a:p>
-          <a:p>
-            <a:pPr algn="just"/>
-            <a:r>
-              <a:rPr lang="en-US" sz="2400" dirty="0">
-                <a:latin typeface="Calibri" panose="020F0502020204030204" pitchFamily="34" charset="0"/>
-                <a:cs typeface="Calibri" panose="020F0502020204030204" pitchFamily="34" charset="0"/>
-              </a:rPr>
+            <a:r>
+              <a:rPr lang="en-US" dirty="0"/>
+              <a:t>The OutputCollector.collect() method, writes the output of the reduce task to the HDFS file system</a:t>
+            </a:r>
+          </a:p>
+          <a:p>
+            <a:r>
+              <a:rPr lang="en-US" dirty="0"/>
               <a:t>Reducer output is not sorted when stored </a:t>
             </a:r>
           </a:p>
@@ -8587,7 +8586,7 @@
         </p:nvSpPr>
         <p:spPr>
           <a:xfrm>
-            <a:off x="816263" y="1203889"/>
+            <a:off x="816263" y="1460563"/>
             <a:ext cx="7511472" cy="2844510"/>
           </a:xfrm>
         </p:spPr>
@@ -8998,8 +8997,8 @@
         </p:nvSpPr>
         <p:spPr>
           <a:xfrm>
-            <a:off x="570698" y="1641798"/>
-            <a:ext cx="7511472" cy="4041162"/>
+            <a:off x="570699" y="1831280"/>
+            <a:ext cx="7511472" cy="2195288"/>
           </a:xfrm>
         </p:spPr>
         <p:txBody>
@@ -9034,19 +9033,7 @@
                 <a:latin typeface="Calibri" panose="020F0502020204030204" pitchFamily="34" charset="0"/>
                 <a:cs typeface="Calibri" panose="020F0502020204030204" pitchFamily="34" charset="0"/>
               </a:rPr>
-              <a:t> Similarity measures are such as Euclidean-based distance or correlation-                            </a:t>
-            </a:r>
-          </a:p>
-          <a:p>
-            <a:pPr marL="0" indent="0" algn="just">
-              <a:buNone/>
-            </a:pPr>
-            <a:r>
-              <a:rPr lang="en-US" sz="2400" dirty="0">
-                <a:latin typeface="Calibri" panose="020F0502020204030204" pitchFamily="34" charset="0"/>
-                <a:cs typeface="Calibri" panose="020F0502020204030204" pitchFamily="34" charset="0"/>
-              </a:rPr>
-              <a:t>			based distance</a:t>
+              <a:t> Similarity measures are such as Euclidean-based distance or correlation-based distance</a:t>
             </a:r>
           </a:p>
           <a:p>
@@ -9147,7 +9134,7 @@
         </p:nvSpPr>
         <p:spPr>
           <a:xfrm>
-            <a:off x="816263" y="1806720"/>
+            <a:off x="816263" y="1660848"/>
             <a:ext cx="7511472" cy="3244560"/>
           </a:xfrm>
         </p:spPr>
@@ -9331,8 +9318,8 @@
         </p:nvSpPr>
         <p:spPr>
           <a:xfrm>
-            <a:off x="818347" y="1664346"/>
-            <a:ext cx="7507306" cy="4041162"/>
+            <a:off x="814180" y="2060898"/>
+            <a:ext cx="7507306" cy="3356833"/>
           </a:xfrm>
         </p:spPr>
         <p:txBody>
@@ -9486,7 +9473,7 @@
         </p:nvSpPr>
         <p:spPr>
           <a:xfrm>
-            <a:off x="814180" y="1408419"/>
+            <a:off x="814179" y="1664083"/>
             <a:ext cx="2779252" cy="4041162"/>
           </a:xfrm>
         </p:spPr>
@@ -9988,8 +9975,8 @@
           </a:p>
         </p:txBody>
       </p:sp>
-      <mc:AlternateContent xmlns:mc="http://schemas.openxmlformats.org/markup-compatibility/2006" xmlns:a14="http://schemas.microsoft.com/office/drawing/2010/main">
-        <mc:Choice Requires="a14">
+      <mc:AlternateContent xmlns:mc="http://schemas.openxmlformats.org/markup-compatibility/2006">
+        <mc:Choice xmlns:a14="http://schemas.microsoft.com/office/drawing/2010/main" Requires="a14">
           <p:sp>
             <p:nvSpPr>
               <p:cNvPr id="3" name="Content Placeholder 2">
@@ -10009,15 +9996,17 @@
             <p:spPr>
               <a:xfrm>
                 <a:off x="816264" y="1908498"/>
-                <a:ext cx="7511472" cy="2263452"/>
+                <a:ext cx="7511472" cy="2615376"/>
               </a:xfrm>
             </p:spPr>
             <p:txBody>
-              <a:bodyPr/>
+              <a:bodyPr>
+                <a:noAutofit/>
+              </a:bodyPr>
               <a:lstStyle/>
               <a:p>
                 <a:r>
-                  <a:rPr lang="en-US" dirty="0">
+                  <a:rPr lang="en-US" sz="2400" dirty="0">
                     <a:latin typeface="Calibri" panose="020F0502020204030204" pitchFamily="34" charset="0"/>
                     <a:cs typeface="Calibri" panose="020F0502020204030204" pitchFamily="34" charset="0"/>
                   </a:rPr>
@@ -10029,14 +10018,14 @@
                   <a:buNone/>
                 </a:pPr>
                 <a:r>
-                  <a:rPr lang="en-US" dirty="0">
+                  <a:rPr lang="en-US" sz="2400" dirty="0">
                     <a:latin typeface="Calibri" panose="020F0502020204030204" pitchFamily="34" charset="0"/>
                     <a:cs typeface="Calibri" panose="020F0502020204030204" pitchFamily="34" charset="0"/>
                   </a:rPr>
                   <a:t>     1. map([</a:t>
                 </a:r>
                 <a:r>
-                  <a:rPr lang="el-GR" dirty="0">
+                  <a:rPr lang="el-GR" sz="2400" dirty="0">
                     <a:latin typeface="Calibri" panose="020F0502020204030204" pitchFamily="34" charset="0"/>
                     <a:cs typeface="Calibri" panose="020F0502020204030204" pitchFamily="34" charset="0"/>
                   </a:rPr>
@@ -10045,7 +10034,7 @@
                 <a14:m>
                   <m:oMath xmlns:m="http://schemas.openxmlformats.org/officeDocument/2006/math">
                     <m:r>
-                      <a:rPr lang="en-US" i="1" baseline="-25000" dirty="0" smtClean="0">
+                      <a:rPr lang="en-US" sz="2400" i="1" baseline="-25000" dirty="0" smtClean="0">
                         <a:latin typeface="Cambria Math" panose="02040503050406030204" pitchFamily="18" charset="0"/>
                       </a:rPr>
                       <m:t>1</m:t>
@@ -10053,63 +10042,63 @@
                   </m:oMath>
                 </a14:m>
                 <a:r>
-                  <a:rPr lang="en-US" dirty="0">
+                  <a:rPr lang="en-US" sz="2400" dirty="0">
                     <a:latin typeface="Calibri" panose="020F0502020204030204" pitchFamily="34" charset="0"/>
                     <a:cs typeface="Calibri" panose="020F0502020204030204" pitchFamily="34" charset="0"/>
                   </a:rPr>
                   <a:t>,</a:t>
                 </a:r>
                 <a:r>
-                  <a:rPr lang="el-GR" dirty="0">
+                  <a:rPr lang="el-GR" sz="2400" dirty="0">
                     <a:latin typeface="Calibri" panose="020F0502020204030204" pitchFamily="34" charset="0"/>
                     <a:cs typeface="Calibri" panose="020F0502020204030204" pitchFamily="34" charset="0"/>
                   </a:rPr>
                   <a:t> μ</a:t>
                 </a:r>
                 <a:r>
-                  <a:rPr lang="en-US" baseline="-25000" dirty="0">
+                  <a:rPr lang="en-US" sz="2400" baseline="-25000" dirty="0">
                     <a:latin typeface="Calibri" panose="020F0502020204030204" pitchFamily="34" charset="0"/>
                     <a:cs typeface="Calibri" panose="020F0502020204030204" pitchFamily="34" charset="0"/>
                   </a:rPr>
                   <a:t>2</a:t>
                 </a:r>
                 <a:r>
-                  <a:rPr lang="en-US" dirty="0">
+                  <a:rPr lang="en-US" sz="2400" dirty="0">
                     <a:latin typeface="Calibri" panose="020F0502020204030204" pitchFamily="34" charset="0"/>
                     <a:cs typeface="Calibri" panose="020F0502020204030204" pitchFamily="34" charset="0"/>
                   </a:rPr>
                   <a:t>……….</a:t>
                 </a:r>
                 <a:r>
-                  <a:rPr lang="el-GR" dirty="0">
+                  <a:rPr lang="el-GR" sz="2400" dirty="0">
                     <a:latin typeface="Calibri" panose="020F0502020204030204" pitchFamily="34" charset="0"/>
                     <a:cs typeface="Calibri" panose="020F0502020204030204" pitchFamily="34" charset="0"/>
                   </a:rPr>
                   <a:t> μ</a:t>
                 </a:r>
                 <a:r>
-                  <a:rPr lang="en-US" baseline="-25000" dirty="0">
+                  <a:rPr lang="en-US" sz="2400" baseline="-25000" dirty="0">
                     <a:latin typeface="Calibri" panose="020F0502020204030204" pitchFamily="34" charset="0"/>
                     <a:cs typeface="Calibri" panose="020F0502020204030204" pitchFamily="34" charset="0"/>
                   </a:rPr>
                   <a:t>k</a:t>
                 </a:r>
                 <a:r>
-                  <a:rPr lang="en-US" dirty="0">
+                  <a:rPr lang="en-US" sz="2400" dirty="0">
                     <a:latin typeface="Calibri" panose="020F0502020204030204" pitchFamily="34" charset="0"/>
                     <a:cs typeface="Calibri" panose="020F0502020204030204" pitchFamily="34" charset="0"/>
                   </a:rPr>
                   <a:t>],X</a:t>
                 </a:r>
                 <a:r>
-                  <a:rPr lang="en-US" baseline="-25000" dirty="0">
+                  <a:rPr lang="en-US" sz="2400" baseline="-25000" dirty="0">
                     <a:latin typeface="Calibri" panose="020F0502020204030204" pitchFamily="34" charset="0"/>
                     <a:cs typeface="Calibri" panose="020F0502020204030204" pitchFamily="34" charset="0"/>
                   </a:rPr>
                   <a:t>i</a:t>
                 </a:r>
                 <a:r>
-                  <a:rPr lang="en-US" dirty="0">
+                  <a:rPr lang="en-US" sz="2400" dirty="0">
                     <a:latin typeface="Calibri" panose="020F0502020204030204" pitchFamily="34" charset="0"/>
                     <a:cs typeface="Calibri" panose="020F0502020204030204" pitchFamily="34" charset="0"/>
                   </a:rPr>
@@ -10121,21 +10110,21 @@
                   <a:buNone/>
                 </a:pPr>
                 <a:r>
-                  <a:rPr lang="en-US" dirty="0">
+                  <a:rPr lang="en-US" sz="2400" dirty="0">
                     <a:latin typeface="Calibri" panose="020F0502020204030204" pitchFamily="34" charset="0"/>
                     <a:cs typeface="Calibri" panose="020F0502020204030204" pitchFamily="34" charset="0"/>
                   </a:rPr>
                   <a:t>     2. Z</a:t>
                 </a:r>
                 <a:r>
-                  <a:rPr lang="en-US" baseline="-25000" dirty="0">
+                  <a:rPr lang="en-US" sz="2400" baseline="-25000" dirty="0">
                     <a:latin typeface="Calibri" panose="020F0502020204030204" pitchFamily="34" charset="0"/>
                     <a:cs typeface="Calibri" panose="020F0502020204030204" pitchFamily="34" charset="0"/>
                   </a:rPr>
                   <a:t>i</a:t>
                 </a:r>
                 <a:r>
-                  <a:rPr lang="en-US" dirty="0">
+                  <a:rPr lang="en-US" sz="2400" dirty="0">
                     <a:latin typeface="Calibri" panose="020F0502020204030204" pitchFamily="34" charset="0"/>
                     <a:cs typeface="Calibri" panose="020F0502020204030204" pitchFamily="34" charset="0"/>
                     <a:sym typeface="Wingdings" panose="05000000000000000000" pitchFamily="2" charset="2"/>
@@ -10143,7 +10132,7 @@
                   <a:t> argmin ||</a:t>
                 </a:r>
                 <a:r>
-                  <a:rPr lang="el-GR" dirty="0">
+                  <a:rPr lang="el-GR" sz="2400" dirty="0">
                     <a:latin typeface="Calibri" panose="020F0502020204030204" pitchFamily="34" charset="0"/>
                     <a:cs typeface="Calibri" panose="020F0502020204030204" pitchFamily="34" charset="0"/>
                     <a:sym typeface="Wingdings" panose="05000000000000000000" pitchFamily="2" charset="2"/>
@@ -10151,7 +10140,7 @@
                   <a:t>μ</a:t>
                 </a:r>
                 <a:r>
-                  <a:rPr lang="en-US" baseline="-25000" dirty="0" err="1">
+                  <a:rPr lang="en-US" sz="2400" baseline="-25000" dirty="0" err="1">
                     <a:latin typeface="Calibri" panose="020F0502020204030204" pitchFamily="34" charset="0"/>
                     <a:cs typeface="Calibri" panose="020F0502020204030204" pitchFamily="34" charset="0"/>
                     <a:sym typeface="Wingdings" panose="05000000000000000000" pitchFamily="2" charset="2"/>
@@ -10159,7 +10148,7 @@
                   <a:t>i</a:t>
                 </a:r>
                 <a:r>
-                  <a:rPr lang="en-US" dirty="0">
+                  <a:rPr lang="en-US" sz="2400" dirty="0">
                     <a:latin typeface="Calibri" panose="020F0502020204030204" pitchFamily="34" charset="0"/>
                     <a:cs typeface="Calibri" panose="020F0502020204030204" pitchFamily="34" charset="0"/>
                     <a:sym typeface="Wingdings" panose="05000000000000000000" pitchFamily="2" charset="2"/>
@@ -10167,7 +10156,7 @@
                   <a:t>-X</a:t>
                 </a:r>
                 <a:r>
-                  <a:rPr lang="en-US" baseline="-25000" dirty="0">
+                  <a:rPr lang="en-US" sz="2400" baseline="-25000" dirty="0">
                     <a:latin typeface="Calibri" panose="020F0502020204030204" pitchFamily="34" charset="0"/>
                     <a:cs typeface="Calibri" panose="020F0502020204030204" pitchFamily="34" charset="0"/>
                     <a:sym typeface="Wingdings" panose="05000000000000000000" pitchFamily="2" charset="2"/>
@@ -10175,7 +10164,7 @@
                   <a:t>i</a:t>
                 </a:r>
                 <a:r>
-                  <a:rPr lang="en-US" dirty="0">
+                  <a:rPr lang="en-US" sz="2400" dirty="0">
                     <a:latin typeface="Calibri" panose="020F0502020204030204" pitchFamily="34" charset="0"/>
                     <a:cs typeface="Calibri" panose="020F0502020204030204" pitchFamily="34" charset="0"/>
                     <a:sym typeface="Wingdings" panose="05000000000000000000" pitchFamily="2" charset="2"/>
@@ -10183,7 +10172,7 @@
                   <a:t>||</a:t>
                 </a:r>
                 <a:r>
-                  <a:rPr lang="en-US" baseline="-25000" dirty="0">
+                  <a:rPr lang="en-US" sz="2400" baseline="-25000" dirty="0">
                     <a:latin typeface="Calibri" panose="020F0502020204030204" pitchFamily="34" charset="0"/>
                     <a:cs typeface="Calibri" panose="020F0502020204030204" pitchFamily="34" charset="0"/>
                     <a:sym typeface="Wingdings" panose="05000000000000000000" pitchFamily="2" charset="2"/>
@@ -10191,7 +10180,7 @@
                   <a:t>2</a:t>
                 </a:r>
                 <a:r>
-                  <a:rPr lang="en-US" baseline="30000" dirty="0">
+                  <a:rPr lang="en-US" sz="2400" baseline="30000" dirty="0">
                     <a:effectLst>
                       <a:outerShdw blurRad="38100" dist="38100" dir="2700000" algn="tl">
                         <a:srgbClr val="000000">
@@ -10211,21 +10200,6 @@
                   <a:buNone/>
                 </a:pPr>
                 <a:r>
-                  <a:rPr lang="en-US" baseline="30000" dirty="0">
-                    <a:effectLst>
-                      <a:outerShdw blurRad="38100" dist="38100" dir="2700000" algn="tl">
-                        <a:srgbClr val="000000">
-                          <a:alpha val="43137"/>
-                        </a:srgbClr>
-                      </a:outerShdw>
-                    </a:effectLst>
-                    <a:latin typeface="Calibri" panose="020F0502020204030204" pitchFamily="34" charset="0"/>
-                    <a:cs typeface="Calibri" panose="020F0502020204030204" pitchFamily="34" charset="0"/>
-                    <a:sym typeface="Wingdings" panose="05000000000000000000" pitchFamily="2" charset="2"/>
-                  </a:rPr>
-                  <a:t>                              </a:t>
-                </a:r>
-                <a:r>
                   <a:rPr lang="en-US" sz="2400" baseline="30000" dirty="0">
                     <a:effectLst>
                       <a:outerShdw blurRad="38100" dist="38100" dir="2700000" algn="tl">
@@ -10238,7 +10212,7 @@
                     <a:cs typeface="Calibri" panose="020F0502020204030204" pitchFamily="34" charset="0"/>
                     <a:sym typeface="Wingdings" panose="05000000000000000000" pitchFamily="2" charset="2"/>
                   </a:rPr>
-                  <a:t>‘I’</a:t>
+                  <a:t>                              ‘i’</a:t>
                 </a:r>
               </a:p>
               <a:p>
@@ -10246,7 +10220,7 @@
                   <a:buNone/>
                 </a:pPr>
                 <a:r>
-                  <a:rPr lang="en-US" dirty="0">
+                  <a:rPr lang="en-US" sz="2400" dirty="0">
                     <a:latin typeface="Calibri" panose="020F0502020204030204" pitchFamily="34" charset="0"/>
                     <a:cs typeface="Calibri" panose="020F0502020204030204" pitchFamily="34" charset="0"/>
                     <a:sym typeface="Wingdings" panose="05000000000000000000" pitchFamily="2" charset="2"/>
@@ -10257,7 +10231,7 @@
             </p:txBody>
           </p:sp>
         </mc:Choice>
-        <mc:Fallback xmlns="">
+        <mc:Fallback>
           <p:sp>
             <p:nvSpPr>
               <p:cNvPr id="3" name="Content Placeholder 2">
@@ -10277,12 +10251,12 @@
             <p:spPr>
               <a:xfrm>
                 <a:off x="816264" y="1908498"/>
-                <a:ext cx="7511472" cy="2263452"/>
+                <a:ext cx="7511472" cy="2615376"/>
               </a:xfrm>
               <a:blipFill>
                 <a:blip r:embed="rId2"/>
                 <a:stretch>
-                  <a:fillRect l="-1542"/>
+                  <a:fillRect/>
                 </a:stretch>
               </a:blipFill>
             </p:spPr>
@@ -13624,9 +13598,9 @@
 </file>
 
 <file path=ppt/theme/theme1.xml><?xml version="1.0" encoding="utf-8"?>
-<a:theme xmlns:a="http://schemas.openxmlformats.org/drawingml/2006/main" name="Mesh">
+<a:theme xmlns:a="http://schemas.openxmlformats.org/drawingml/2006/main" name="Slate">
   <a:themeElements>
-    <a:clrScheme name="Mesh">
+    <a:clrScheme name="Slate">
       <a:dk1>
         <a:sysClr val="windowText" lastClr="000000"/>
       </a:dk1>
@@ -13634,48 +13608,48 @@
         <a:sysClr val="window" lastClr="FFFFFF"/>
       </a:lt1>
       <a:dk2>
-        <a:srgbClr val="363D46"/>
+        <a:srgbClr val="212123"/>
       </a:dk2>
       <a:lt2>
-        <a:srgbClr val="EBEBEB"/>
+        <a:srgbClr val="DADADA"/>
       </a:lt2>
       <a:accent1>
-        <a:srgbClr val="6F6F6F"/>
+        <a:srgbClr val="BC451B"/>
       </a:accent1>
       <a:accent2>
-        <a:srgbClr val="BFBFA5"/>
+        <a:srgbClr val="D3BA68"/>
       </a:accent2>
       <a:accent3>
-        <a:srgbClr val="DCD084"/>
+        <a:srgbClr val="BB8640"/>
       </a:accent3>
       <a:accent4>
-        <a:srgbClr val="E7BF5F"/>
+        <a:srgbClr val="AD9277"/>
       </a:accent4>
       <a:accent5>
-        <a:srgbClr val="E9A039"/>
+        <a:srgbClr val="A55A43"/>
       </a:accent5>
       <a:accent6>
-        <a:srgbClr val="CF7133"/>
+        <a:srgbClr val="AD9D7B"/>
       </a:accent6>
       <a:hlink>
-        <a:srgbClr val="F28943"/>
+        <a:srgbClr val="E98052"/>
       </a:hlink>
       <a:folHlink>
-        <a:srgbClr val="F1B76C"/>
+        <a:srgbClr val="F4B69B"/>
       </a:folHlink>
     </a:clrScheme>
-    <a:fontScheme name="Mesh">
+    <a:fontScheme name="Slate">
       <a:majorFont>
-        <a:latin typeface="Century Gothic" panose="020B0502020202020204"/>
+        <a:latin typeface="Calisto MT" panose="02040603050505030304"/>
         <a:ea typeface=""/>
         <a:cs typeface=""/>
-        <a:font script="Jpan" typeface="ＭＳ ゴシック"/>
-        <a:font script="Hang" typeface="맑은 고딕"/>
-        <a:font script="Hans" typeface="宋体"/>
-        <a:font script="Hant" typeface="新細明體"/>
-        <a:font script="Arab" typeface="Tahoma"/>
-        <a:font script="Hebr" typeface="Gisha"/>
-        <a:font script="Thai" typeface="DilleniaUPC"/>
+        <a:font script="Jpan" typeface="ＭＳ Ｐゴシック"/>
+        <a:font script="Hang" typeface="돋움"/>
+        <a:font script="Hans" typeface="方正舒体"/>
+        <a:font script="Hant" typeface="微軟正黑體"/>
+        <a:font script="Arab" typeface="Arial"/>
+        <a:font script="Hebr" typeface="Arial"/>
+        <a:font script="Thai" typeface="Cordia New"/>
         <a:font script="Ethi" typeface="Nyala"/>
         <a:font script="Beng" typeface="Vrinda"/>
         <a:font script="Gujr" typeface="Shruti"/>
@@ -13696,21 +13670,21 @@
         <a:font script="Laoo" typeface="DokChampa"/>
         <a:font script="Sinh" typeface="Iskoola Pota"/>
         <a:font script="Mong" typeface="Mongolian Baiti"/>
-        <a:font script="Viet" typeface="Tahoma"/>
+        <a:font script="Viet" typeface="Arial"/>
         <a:font script="Uigh" typeface="Microsoft Uighur"/>
         <a:font script="Geor" typeface="Sylfaen"/>
       </a:majorFont>
       <a:minorFont>
-        <a:latin typeface="Century Gothic" panose="020B0502020202020204"/>
+        <a:latin typeface="Calisto MT" panose="02040603050505030304"/>
         <a:ea typeface=""/>
         <a:cs typeface=""/>
-        <a:font script="Jpan" typeface="ＭＳ ゴシック"/>
-        <a:font script="Hang" typeface="맑은 고딕"/>
-        <a:font script="Hans" typeface="宋体"/>
-        <a:font script="Hant" typeface="新細明體"/>
-        <a:font script="Arab" typeface="Tahoma"/>
-        <a:font script="Hebr" typeface="Gisha"/>
-        <a:font script="Thai" typeface="DilleniaUPC"/>
+        <a:font script="Jpan" typeface="ＭＳ Ｐゴシック"/>
+        <a:font script="Hang" typeface="돋움"/>
+        <a:font script="Hans" typeface="方正舒体"/>
+        <a:font script="Hant" typeface="微軟正黑體"/>
+        <a:font script="Arab" typeface="Arial"/>
+        <a:font script="Hebr" typeface="Arial"/>
+        <a:font script="Thai" typeface="Cordia New"/>
         <a:font script="Ethi" typeface="Nyala"/>
         <a:font script="Beng" typeface="Vrinda"/>
         <a:font script="Gujr" typeface="Shruti"/>
@@ -13731,12 +13705,12 @@
         <a:font script="Laoo" typeface="DokChampa"/>
         <a:font script="Sinh" typeface="Iskoola Pota"/>
         <a:font script="Mong" typeface="Mongolian Baiti"/>
-        <a:font script="Viet" typeface="Verdana"/>
+        <a:font script="Viet" typeface="Arial"/>
         <a:font script="Uigh" typeface="Microsoft Uighur"/>
         <a:font script="Geor" typeface="Sylfaen"/>
       </a:minorFont>
     </a:fontScheme>
-    <a:fmtScheme name="Mesh">
+    <a:fmtScheme name="Slate">
       <a:fillStyleLst>
         <a:solidFill>
           <a:schemeClr val="phClr"/>
@@ -13751,7 +13725,7 @@
             </a:gs>
             <a:gs pos="100000">
               <a:schemeClr val="phClr">
-                <a:tint val="82000"/>
+                <a:tint val="88000"/>
               </a:schemeClr>
             </a:gs>
           </a:gsLst>
@@ -13767,8 +13741,8 @@
             </a:gs>
             <a:gs pos="100000">
               <a:schemeClr val="phClr">
-                <a:shade val="84000"/>
-                <a:lumMod val="84000"/>
+                <a:shade val="90000"/>
+                <a:lumMod val="90000"/>
               </a:schemeClr>
             </a:gs>
           </a:gsLst>
@@ -13778,11 +13752,13 @@
       <a:lnStyleLst>
         <a:ln w="9525" cap="rnd" cmpd="sng" algn="ctr">
           <a:solidFill>
-            <a:schemeClr val="phClr"/>
+            <a:schemeClr val="phClr">
+              <a:shade val="90000"/>
+            </a:schemeClr>
           </a:solidFill>
           <a:prstDash val="solid"/>
         </a:ln>
-        <a:ln w="19050" cap="rnd" cmpd="sng" algn="ctr">
+        <a:ln w="15875" cap="rnd" cmpd="sng" algn="ctr">
           <a:solidFill>
             <a:schemeClr val="phClr"/>
           </a:solidFill>
@@ -13801,18 +13777,18 @@
         </a:effectStyle>
         <a:effectStyle>
           <a:effectLst>
-            <a:innerShdw blurRad="50800" dist="25400" dir="13500000">
+            <a:outerShdw blurRad="63500" dist="25400" dir="5400000" rotWithShape="0">
               <a:srgbClr val="000000">
-                <a:alpha val="55000"/>
+                <a:alpha val="60000"/>
               </a:srgbClr>
-            </a:innerShdw>
+            </a:outerShdw>
           </a:effectLst>
         </a:effectStyle>
         <a:effectStyle>
           <a:effectLst>
-            <a:outerShdw blurRad="50800" dist="38100" dir="5400000" rotWithShape="0">
+            <a:outerShdw blurRad="76200" dist="38100" dir="5400000" rotWithShape="0">
               <a:srgbClr val="000000">
-                <a:alpha val="60000"/>
+                <a:alpha val="75000"/>
               </a:srgbClr>
             </a:outerShdw>
           </a:effectLst>
@@ -13820,10 +13796,12 @@
             <a:camera prst="orthographicFront">
               <a:rot lat="0" lon="0" rev="0"/>
             </a:camera>
-            <a:lightRig rig="threePt" dir="tl"/>
+            <a:lightRig rig="threePt" dir="t">
+              <a:rot lat="0" lon="0" rev="1200000"/>
+            </a:lightRig>
           </a:scene3d>
           <a:sp3d>
-            <a:bevelT w="25400" h="25400" prst="slope"/>
+            <a:bevelT w="63500" h="25400" prst="hardEdge"/>
           </a:sp3d>
         </a:effectStyle>
       </a:effectStyleLst>
@@ -13831,36 +13809,18 @@
         <a:solidFill>
           <a:schemeClr val="phClr"/>
         </a:solidFill>
-        <a:gradFill rotWithShape="1">
-          <a:gsLst>
-            <a:gs pos="0">
-              <a:schemeClr val="phClr">
-                <a:tint val="90000"/>
-                <a:lumMod val="110000"/>
-              </a:schemeClr>
-            </a:gs>
-            <a:gs pos="100000">
-              <a:schemeClr val="phClr">
-                <a:shade val="64000"/>
-                <a:lumMod val="98000"/>
-              </a:schemeClr>
-            </a:gs>
-          </a:gsLst>
-          <a:lin ang="5400000" scaled="0"/>
-        </a:gradFill>
+        <a:solidFill>
+          <a:schemeClr val="phClr"/>
+        </a:solidFill>
         <a:blipFill rotWithShape="1">
           <a:blip xmlns:r="http://schemas.openxmlformats.org/officeDocument/2006/relationships" r:embed="rId1">
             <a:duotone>
               <a:schemeClr val="phClr">
-                <a:shade val="28000"/>
-                <a:satMod val="94000"/>
-                <a:lumMod val="20000"/>
+                <a:shade val="80000"/>
+                <a:lumMod val="80000"/>
               </a:schemeClr>
               <a:schemeClr val="phClr">
-                <a:tint val="94000"/>
-                <a:shade val="84000"/>
-                <a:satMod val="148000"/>
-                <a:lumMod val="114000"/>
+                <a:tint val="98000"/>
               </a:schemeClr>
             </a:duotone>
           </a:blip>
@@ -13873,7 +13833,7 @@
   <a:extraClrSchemeLst/>
   <a:extLst>
     <a:ext uri="{05A4C25C-085E-4340-85A3-A5531E510DB2}">
-      <thm15:themeFamily xmlns:thm15="http://schemas.microsoft.com/office/thememl/2012/main" name="Mesh" id="{789EC3FE-34FD-429C-9918-760025E6C145}" vid="{B8BE45C0-8141-4D58-8C71-A009BC26FBBB}"/>
+      <thm15:themeFamily xmlns:thm15="http://schemas.microsoft.com/office/thememl/2012/main" name="Slate" id="{C3F70B94-7CE9-428E-ADC1-3269CC2C3385}" vid="{3F2DE9A5-64E6-437C-A389-CC4477E817E8}"/>
     </a:ext>
   </a:extLst>
 </a:theme>
